--- a/personagens sem fundo.pptx
+++ b/personagens sem fundo.pptx
@@ -6,6 +6,9 @@
   </p:sldMasterIdLst>
   <p:sldIdLst>
     <p:sldId id="257" r:id="rId2"/>
+    <p:sldId id="260" r:id="rId3"/>
+    <p:sldId id="258" r:id="rId4"/>
+    <p:sldId id="259" r:id="rId5"/>
   </p:sldIdLst>
   <p:sldSz cx="12192000" cy="6858000"/>
   <p:notesSz cx="6858000" cy="9144000"/>
@@ -104,6 +107,11 @@
       </a:defRPr>
     </a:lvl9pPr>
   </p:defaultTextStyle>
+  <p:extLst>
+    <p:ext uri="{EFAFB233-063F-42B5-8137-9DF3F51BA10A}">
+      <p15:sldGuideLst xmlns:p15="http://schemas.microsoft.com/office/powerpoint/2012/main"/>
+    </p:ext>
+  </p:extLst>
 </p:presentation>
 </file>
 
@@ -3709,6 +3717,2033 @@
 </p:sld>
 </file>
 
+<file path=ppt/slides/slide2.xml><?xml version="1.0" encoding="utf-8"?>
+<p:sld xmlns:a="http://schemas.openxmlformats.org/drawingml/2006/main" xmlns:r="http://schemas.openxmlformats.org/officeDocument/2006/relationships" xmlns:p="http://schemas.openxmlformats.org/presentationml/2006/main">
+  <p:cSld>
+    <p:spTree>
+      <p:nvGrpSpPr>
+        <p:cNvPr id="1" name=""/>
+        <p:cNvGrpSpPr/>
+        <p:nvPr/>
+      </p:nvGrpSpPr>
+      <p:grpSpPr>
+        <a:xfrm>
+          <a:off x="0" y="0"/>
+          <a:ext cx="0" cy="0"/>
+          <a:chOff x="0" y="0"/>
+          <a:chExt cx="0" cy="0"/>
+        </a:xfrm>
+      </p:grpSpPr>
+      <p:pic>
+        <p:nvPicPr>
+          <p:cNvPr id="3" name="Imagem 2" descr="Uma imagem contendo computador, desenho&#10;&#10;Descrição gerada automaticamente">
+            <a:extLst>
+              <a:ext uri="{FF2B5EF4-FFF2-40B4-BE49-F238E27FC236}">
+                <a16:creationId xmlns:a16="http://schemas.microsoft.com/office/drawing/2014/main" id="{D70323C7-0923-447A-9BF4-108719201A4A}"/>
+              </a:ext>
+            </a:extLst>
+          </p:cNvPr>
+          <p:cNvPicPr>
+            <a:picLocks noChangeAspect="1"/>
+          </p:cNvPicPr>
+          <p:nvPr/>
+        </p:nvPicPr>
+        <p:blipFill rotWithShape="1">
+          <a:blip r:embed="rId2">
+            <a:extLst>
+              <a:ext uri="{BEBA8EAE-BF5A-486C-A8C5-ECC9F3942E4B}">
+                <a14:imgProps xmlns:a14="http://schemas.microsoft.com/office/drawing/2010/main">
+                  <a14:imgLayer r:embed="rId3">
+                    <a14:imgEffect>
+                      <a14:backgroundRemoval t="60000" b="80740" l="12531" r="21114"/>
+                    </a14:imgEffect>
+                    <a14:imgEffect>
+                      <a14:sharpenSoften amount="25000"/>
+                    </a14:imgEffect>
+                    <a14:imgEffect>
+                      <a14:colorTemperature colorTemp="7200"/>
+                    </a14:imgEffect>
+                    <a14:imgEffect>
+                      <a14:saturation sat="200000"/>
+                    </a14:imgEffect>
+                    <a14:imgEffect>
+                      <a14:brightnessContrast contrast="40000"/>
+                    </a14:imgEffect>
+                  </a14:imgLayer>
+                </a14:imgProps>
+              </a:ext>
+              <a:ext uri="{28A0092B-C50C-407E-A947-70E740481C1C}">
+                <a14:useLocalDpi xmlns:a14="http://schemas.microsoft.com/office/drawing/2010/main" val="0"/>
+              </a:ext>
+            </a:extLst>
+          </a:blip>
+          <a:srcRect l="12420" t="59956" r="79246" b="21525"/>
+          <a:stretch/>
+        </p:blipFill>
+        <p:spPr>
+          <a:xfrm flipH="1">
+            <a:off x="4609973" y="4204335"/>
+            <a:ext cx="762000" cy="952500"/>
+          </a:xfrm>
+          <a:prstGeom prst="rect">
+            <a:avLst/>
+          </a:prstGeom>
+        </p:spPr>
+      </p:pic>
+      <p:pic>
+        <p:nvPicPr>
+          <p:cNvPr id="6" name="Imagem 5">
+            <a:extLst>
+              <a:ext uri="{FF2B5EF4-FFF2-40B4-BE49-F238E27FC236}">
+                <a16:creationId xmlns:a16="http://schemas.microsoft.com/office/drawing/2014/main" id="{782FF9FB-6161-48E2-8627-FFD4F23D6A44}"/>
+              </a:ext>
+            </a:extLst>
+          </p:cNvPr>
+          <p:cNvPicPr>
+            <a:picLocks noChangeAspect="1"/>
+          </p:cNvPicPr>
+          <p:nvPr/>
+        </p:nvPicPr>
+        <p:blipFill rotWithShape="1">
+          <a:blip r:embed="rId4">
+            <a:extLst>
+              <a:ext uri="{BEBA8EAE-BF5A-486C-A8C5-ECC9F3942E4B}">
+                <a14:imgProps xmlns:a14="http://schemas.microsoft.com/office/drawing/2010/main">
+                  <a14:imgLayer r:embed="rId5">
+                    <a14:imgEffect>
+                      <a14:backgroundRemoval t="60973" b="78055" l="51067" r="60667">
+                        <a14:foregroundMark x1="56733" y1="61566" x2="56733" y2="61566"/>
+                        <a14:foregroundMark x1="55600" y1="78055" x2="55600" y2="78055"/>
+                        <a14:foregroundMark x1="56600" y1="60973" x2="56600" y2="60973"/>
+                      </a14:backgroundRemoval>
+                    </a14:imgEffect>
+                    <a14:imgEffect>
+                      <a14:sharpenSoften amount="25000"/>
+                    </a14:imgEffect>
+                    <a14:imgEffect>
+                      <a14:colorTemperature colorTemp="7200"/>
+                    </a14:imgEffect>
+                    <a14:imgEffect>
+                      <a14:saturation sat="200000"/>
+                    </a14:imgEffect>
+                    <a14:imgEffect>
+                      <a14:brightnessContrast contrast="20000"/>
+                    </a14:imgEffect>
+                  </a14:imgLayer>
+                </a14:imgProps>
+              </a:ext>
+            </a:extLst>
+          </a:blip>
+          <a:srcRect l="52338" t="59814" r="39329" b="21652"/>
+          <a:stretch/>
+        </p:blipFill>
+        <p:spPr>
+          <a:xfrm flipH="1">
+            <a:off x="5554027" y="4213860"/>
+            <a:ext cx="762000" cy="952500"/>
+          </a:xfrm>
+          <a:prstGeom prst="rect">
+            <a:avLst/>
+          </a:prstGeom>
+        </p:spPr>
+      </p:pic>
+      <p:pic>
+        <p:nvPicPr>
+          <p:cNvPr id="7" name="Imagem 6" descr="Uma imagem contendo computador, desenho&#10;&#10;Descrição gerada automaticamente">
+            <a:extLst>
+              <a:ext uri="{FF2B5EF4-FFF2-40B4-BE49-F238E27FC236}">
+                <a16:creationId xmlns:a16="http://schemas.microsoft.com/office/drawing/2014/main" id="{6BE62496-06A6-462F-AF3C-95366C1F0181}"/>
+              </a:ext>
+            </a:extLst>
+          </p:cNvPr>
+          <p:cNvPicPr>
+            <a:picLocks noChangeAspect="1"/>
+          </p:cNvPicPr>
+          <p:nvPr/>
+        </p:nvPicPr>
+        <p:blipFill rotWithShape="1">
+          <a:blip r:embed="rId6">
+            <a:extLst>
+              <a:ext uri="{BEBA8EAE-BF5A-486C-A8C5-ECC9F3942E4B}">
+                <a14:imgProps xmlns:a14="http://schemas.microsoft.com/office/drawing/2010/main">
+                  <a14:imgLayer r:embed="rId3">
+                    <a14:imgEffect>
+                      <a14:backgroundRemoval t="41667" b="58148" l="43021" r="50417">
+                        <a14:foregroundMark x1="43125" y1="51111" x2="43125" y2="51111"/>
+                        <a14:foregroundMark x1="45625" y1="58148" x2="45625" y2="58148"/>
+                        <a14:foregroundMark x1="46458" y1="41667" x2="46458" y2="41667"/>
+                        <a14:foregroundMark x1="48958" y1="57222" x2="48958" y2="57222"/>
+                      </a14:backgroundRemoval>
+                    </a14:imgEffect>
+                    <a14:imgEffect>
+                      <a14:sharpenSoften amount="25000"/>
+                    </a14:imgEffect>
+                    <a14:imgEffect>
+                      <a14:colorTemperature colorTemp="7200"/>
+                    </a14:imgEffect>
+                    <a14:imgEffect>
+                      <a14:saturation sat="200000"/>
+                    </a14:imgEffect>
+                    <a14:imgEffect>
+                      <a14:brightnessContrast contrast="20000"/>
+                    </a14:imgEffect>
+                  </a14:imgLayer>
+                </a14:imgProps>
+              </a:ext>
+              <a:ext uri="{28A0092B-C50C-407E-A947-70E740481C1C}">
+                <a14:useLocalDpi xmlns:a14="http://schemas.microsoft.com/office/drawing/2010/main" val="0"/>
+              </a:ext>
+            </a:extLst>
+          </a:blip>
+          <a:srcRect l="42270" t="40234" r="49397" b="41247"/>
+          <a:stretch/>
+        </p:blipFill>
+        <p:spPr>
+          <a:xfrm flipH="1">
+            <a:off x="3749516" y="3251835"/>
+            <a:ext cx="762000" cy="952500"/>
+          </a:xfrm>
+          <a:prstGeom prst="rect">
+            <a:avLst/>
+          </a:prstGeom>
+        </p:spPr>
+      </p:pic>
+      <p:pic>
+        <p:nvPicPr>
+          <p:cNvPr id="8" name="Imagem 7" descr="Uma imagem contendo computador, desenho&#10;&#10;Descrição gerada automaticamente">
+            <a:extLst>
+              <a:ext uri="{FF2B5EF4-FFF2-40B4-BE49-F238E27FC236}">
+                <a16:creationId xmlns:a16="http://schemas.microsoft.com/office/drawing/2014/main" id="{5FBF81F1-6618-4936-A58A-4EAE40695C42}"/>
+              </a:ext>
+            </a:extLst>
+          </p:cNvPr>
+          <p:cNvPicPr>
+            <a:picLocks noChangeAspect="1"/>
+          </p:cNvPicPr>
+          <p:nvPr/>
+        </p:nvPicPr>
+        <p:blipFill rotWithShape="1">
+          <a:blip r:embed="rId7">
+            <a:duotone>
+              <a:prstClr val="black"/>
+              <a:schemeClr val="tx2">
+                <a:tint val="45000"/>
+                <a:satMod val="400000"/>
+              </a:schemeClr>
+            </a:duotone>
+            <a:extLst>
+              <a:ext uri="{BEBA8EAE-BF5A-486C-A8C5-ECC9F3942E4B}">
+                <a14:imgProps xmlns:a14="http://schemas.microsoft.com/office/drawing/2010/main">
+                  <a14:imgLayer r:embed="rId3">
+                    <a14:imgEffect>
+                      <a14:backgroundRemoval t="19260" b="40000" l="12750" r="20750">
+                        <a14:foregroundMark x1="15833" y1="21481" x2="15833" y2="21481"/>
+                        <a14:foregroundMark x1="16563" y1="21481" x2="16563" y2="21481"/>
+                        <a14:foregroundMark x1="17708" y1="35556" x2="17708" y2="35556"/>
+                      </a14:backgroundRemoval>
+                    </a14:imgEffect>
+                    <a14:imgEffect>
+                      <a14:sharpenSoften amount="25000"/>
+                    </a14:imgEffect>
+                    <a14:imgEffect>
+                      <a14:colorTemperature colorTemp="8800"/>
+                    </a14:imgEffect>
+                    <a14:imgEffect>
+                      <a14:brightnessContrast contrast="20000"/>
+                    </a14:imgEffect>
+                  </a14:imgLayer>
+                </a14:imgProps>
+              </a:ext>
+              <a:ext uri="{28A0092B-C50C-407E-A947-70E740481C1C}">
+                <a14:useLocalDpi xmlns:a14="http://schemas.microsoft.com/office/drawing/2010/main" val="0"/>
+              </a:ext>
+            </a:extLst>
+          </a:blip>
+          <a:srcRect l="12415" t="20163" r="79252" b="61318"/>
+          <a:stretch/>
+        </p:blipFill>
+        <p:spPr>
+          <a:xfrm flipH="1">
+            <a:off x="2937843" y="4251048"/>
+            <a:ext cx="762000" cy="952500"/>
+          </a:xfrm>
+          <a:prstGeom prst="rect">
+            <a:avLst/>
+          </a:prstGeom>
+        </p:spPr>
+      </p:pic>
+      <p:pic>
+        <p:nvPicPr>
+          <p:cNvPr id="9" name="Imagem 8" descr="Uma imagem contendo computador, desenho&#10;&#10;Descrição gerada automaticamente">
+            <a:extLst>
+              <a:ext uri="{FF2B5EF4-FFF2-40B4-BE49-F238E27FC236}">
+                <a16:creationId xmlns:a16="http://schemas.microsoft.com/office/drawing/2014/main" id="{385E72BC-D413-4E60-AD11-AE5C2D4F8469}"/>
+              </a:ext>
+            </a:extLst>
+          </p:cNvPr>
+          <p:cNvPicPr>
+            <a:picLocks noChangeAspect="1"/>
+          </p:cNvPicPr>
+          <p:nvPr/>
+        </p:nvPicPr>
+        <p:blipFill rotWithShape="1">
+          <a:blip r:embed="rId8">
+            <a:extLst>
+              <a:ext uri="{BEBA8EAE-BF5A-486C-A8C5-ECC9F3942E4B}">
+                <a14:imgProps xmlns:a14="http://schemas.microsoft.com/office/drawing/2010/main">
+                  <a14:imgLayer r:embed="rId3">
+                    <a14:imgEffect>
+                      <a14:backgroundRemoval t="60889" b="81629" l="31900" r="41100"/>
+                    </a14:imgEffect>
+                    <a14:imgEffect>
+                      <a14:sharpenSoften amount="25000"/>
+                    </a14:imgEffect>
+                    <a14:imgEffect>
+                      <a14:colorTemperature colorTemp="7200"/>
+                    </a14:imgEffect>
+                    <a14:imgEffect>
+                      <a14:brightnessContrast contrast="20000"/>
+                    </a14:imgEffect>
+                  </a14:imgLayer>
+                </a14:imgProps>
+              </a:ext>
+              <a:ext uri="{28A0092B-C50C-407E-A947-70E740481C1C}">
+                <a14:useLocalDpi xmlns:a14="http://schemas.microsoft.com/office/drawing/2010/main" val="0"/>
+              </a:ext>
+            </a:extLst>
+          </a:blip>
+          <a:srcRect l="32737" t="60557" r="58930" b="20924"/>
+          <a:stretch/>
+        </p:blipFill>
+        <p:spPr>
+          <a:xfrm flipH="1">
+            <a:off x="4669630" y="3261360"/>
+            <a:ext cx="762000" cy="952500"/>
+          </a:xfrm>
+          <a:prstGeom prst="rect">
+            <a:avLst/>
+          </a:prstGeom>
+        </p:spPr>
+      </p:pic>
+      <p:pic>
+        <p:nvPicPr>
+          <p:cNvPr id="10" name="Imagem 9" descr="Uma imagem contendo computador, desenho&#10;&#10;Descrição gerada automaticamente">
+            <a:extLst>
+              <a:ext uri="{FF2B5EF4-FFF2-40B4-BE49-F238E27FC236}">
+                <a16:creationId xmlns:a16="http://schemas.microsoft.com/office/drawing/2014/main" id="{CAFC68AF-2561-43EA-885D-476DDB9738AE}"/>
+              </a:ext>
+            </a:extLst>
+          </p:cNvPr>
+          <p:cNvPicPr>
+            <a:picLocks noChangeAspect="1"/>
+          </p:cNvPicPr>
+          <p:nvPr/>
+        </p:nvPicPr>
+        <p:blipFill rotWithShape="1">
+          <a:blip r:embed="rId9">
+            <a:extLst>
+              <a:ext uri="{BEBA8EAE-BF5A-486C-A8C5-ECC9F3942E4B}">
+                <a14:imgProps xmlns:a14="http://schemas.microsoft.com/office/drawing/2010/main">
+                  <a14:imgLayer r:embed="rId3">
+                    <a14:imgEffect>
+                      <a14:backgroundRemoval t="21667" b="37963" l="72500" r="81250">
+                        <a14:foregroundMark x1="76771" y1="21667" x2="76771" y2="21667"/>
+                        <a14:foregroundMark x1="75625" y1="37963" x2="75625" y2="37963"/>
+                      </a14:backgroundRemoval>
+                    </a14:imgEffect>
+                    <a14:imgEffect>
+                      <a14:sharpenSoften amount="25000"/>
+                    </a14:imgEffect>
+                    <a14:imgEffect>
+                      <a14:colorTemperature colorTemp="7200"/>
+                    </a14:imgEffect>
+                    <a14:imgEffect>
+                      <a14:brightnessContrast contrast="40000"/>
+                    </a14:imgEffect>
+                  </a14:imgLayer>
+                </a14:imgProps>
+              </a:ext>
+              <a:ext uri="{28A0092B-C50C-407E-A947-70E740481C1C}">
+                <a14:useLocalDpi xmlns:a14="http://schemas.microsoft.com/office/drawing/2010/main" val="0"/>
+              </a:ext>
+            </a:extLst>
+          </a:blip>
+          <a:srcRect l="72314" t="20450" r="19353" b="61032"/>
+          <a:stretch/>
+        </p:blipFill>
+        <p:spPr>
+          <a:xfrm flipH="1">
+            <a:off x="2889059" y="3251835"/>
+            <a:ext cx="762000" cy="952500"/>
+          </a:xfrm>
+          <a:prstGeom prst="rect">
+            <a:avLst/>
+          </a:prstGeom>
+        </p:spPr>
+      </p:pic>
+      <p:pic>
+        <p:nvPicPr>
+          <p:cNvPr id="11" name="Imagem 10" descr="Uma imagem contendo computador, desenho&#10;&#10;Descrição gerada automaticamente">
+            <a:extLst>
+              <a:ext uri="{FF2B5EF4-FFF2-40B4-BE49-F238E27FC236}">
+                <a16:creationId xmlns:a16="http://schemas.microsoft.com/office/drawing/2014/main" id="{6270C6D6-1429-411C-9B0A-A455D4EC6453}"/>
+              </a:ext>
+            </a:extLst>
+          </p:cNvPr>
+          <p:cNvPicPr>
+            <a:picLocks noChangeAspect="1"/>
+          </p:cNvPicPr>
+          <p:nvPr/>
+        </p:nvPicPr>
+        <p:blipFill rotWithShape="1">
+          <a:blip r:embed="rId10">
+            <a:extLst>
+              <a:ext uri="{BEBA8EAE-BF5A-486C-A8C5-ECC9F3942E4B}">
+                <a14:imgProps xmlns:a14="http://schemas.microsoft.com/office/drawing/2010/main">
+                  <a14:imgLayer r:embed="rId3">
+                    <a14:imgEffect>
+                      <a14:backgroundRemoval t="41852" b="58333" l="83229" r="90625">
+                        <a14:foregroundMark x1="86354" y1="41852" x2="86354" y2="41852"/>
+                        <a14:foregroundMark x1="85729" y1="58333" x2="85729" y2="58333"/>
+                        <a14:foregroundMark x1="83229" y1="49444" x2="83229" y2="49444"/>
+                        <a14:backgroundMark x1="85729" y1="58889" x2="85729" y2="58889"/>
+                        <a14:backgroundMark x1="85625" y1="58519" x2="85625" y2="58519"/>
+                      </a14:backgroundRemoval>
+                    </a14:imgEffect>
+                    <a14:imgEffect>
+                      <a14:sharpenSoften amount="25000"/>
+                    </a14:imgEffect>
+                    <a14:imgEffect>
+                      <a14:colorTemperature colorTemp="7200"/>
+                    </a14:imgEffect>
+                    <a14:imgEffect>
+                      <a14:saturation sat="200000"/>
+                    </a14:imgEffect>
+                    <a14:imgEffect>
+                      <a14:brightnessContrast contrast="20000"/>
+                    </a14:imgEffect>
+                  </a14:imgLayer>
+                </a14:imgProps>
+              </a:ext>
+              <a:ext uri="{28A0092B-C50C-407E-A947-70E740481C1C}">
+                <a14:useLocalDpi xmlns:a14="http://schemas.microsoft.com/office/drawing/2010/main" val="0"/>
+              </a:ext>
+            </a:extLst>
+          </a:blip>
+          <a:srcRect l="82446" t="40518" r="9220" b="40963"/>
+          <a:stretch/>
+        </p:blipFill>
+        <p:spPr>
+          <a:xfrm flipH="1">
+            <a:off x="3816811" y="4251048"/>
+            <a:ext cx="762000" cy="952500"/>
+          </a:xfrm>
+          <a:prstGeom prst="rect">
+            <a:avLst/>
+          </a:prstGeom>
+        </p:spPr>
+      </p:pic>
+      <p:pic>
+        <p:nvPicPr>
+          <p:cNvPr id="12" name="Imagem 11" descr="Uma imagem contendo computador, desenho&#10;&#10;Descrição gerada automaticamente">
+            <a:extLst>
+              <a:ext uri="{FF2B5EF4-FFF2-40B4-BE49-F238E27FC236}">
+                <a16:creationId xmlns:a16="http://schemas.microsoft.com/office/drawing/2014/main" id="{8C45D62D-01AD-42E0-A341-1353A23C6143}"/>
+              </a:ext>
+            </a:extLst>
+          </p:cNvPr>
+          <p:cNvPicPr>
+            <a:picLocks noChangeAspect="1"/>
+          </p:cNvPicPr>
+          <p:nvPr/>
+        </p:nvPicPr>
+        <p:blipFill rotWithShape="1">
+          <a:blip r:embed="rId11">
+            <a:extLst>
+              <a:ext uri="{BEBA8EAE-BF5A-486C-A8C5-ECC9F3942E4B}">
+                <a14:imgProps xmlns:a14="http://schemas.microsoft.com/office/drawing/2010/main">
+                  <a14:imgLayer r:embed="rId3">
+                    <a14:imgEffect>
+                      <a14:backgroundRemoval t="61852" b="77407" l="72292" r="80938">
+                        <a14:foregroundMark x1="75833" y1="77407" x2="75833" y2="77407"/>
+                        <a14:foregroundMark x1="76563" y1="61852" x2="76563" y2="61852"/>
+                        <a14:foregroundMark x1="78542" y1="77407" x2="78542" y2="77407"/>
+                      </a14:backgroundRemoval>
+                    </a14:imgEffect>
+                    <a14:imgEffect>
+                      <a14:sharpenSoften amount="25000"/>
+                    </a14:imgEffect>
+                    <a14:imgEffect>
+                      <a14:colorTemperature colorTemp="11200"/>
+                    </a14:imgEffect>
+                    <a14:imgEffect>
+                      <a14:brightnessContrast contrast="20000"/>
+                    </a14:imgEffect>
+                  </a14:imgLayer>
+                </a14:imgProps>
+              </a:ext>
+              <a:ext uri="{28A0092B-C50C-407E-A947-70E740481C1C}">
+                <a14:useLocalDpi xmlns:a14="http://schemas.microsoft.com/office/drawing/2010/main" val="0"/>
+              </a:ext>
+            </a:extLst>
+          </a:blip>
+          <a:srcRect l="72501" t="60472" r="19165" b="21009"/>
+          <a:stretch/>
+        </p:blipFill>
+        <p:spPr>
+          <a:xfrm flipH="1">
+            <a:off x="5605191" y="3251835"/>
+            <a:ext cx="762000" cy="952500"/>
+          </a:xfrm>
+          <a:prstGeom prst="rect">
+            <a:avLst/>
+          </a:prstGeom>
+        </p:spPr>
+      </p:pic>
+      <p:pic>
+        <p:nvPicPr>
+          <p:cNvPr id="13" name="Imagem 12" descr="Uma imagem contendo caneca, luz&#10;&#10;Descrição gerada automaticamente">
+            <a:extLst>
+              <a:ext uri="{FF2B5EF4-FFF2-40B4-BE49-F238E27FC236}">
+                <a16:creationId xmlns:a16="http://schemas.microsoft.com/office/drawing/2014/main" id="{187C99D8-78AA-4A99-A9BE-BC41C8B70638}"/>
+              </a:ext>
+            </a:extLst>
+          </p:cNvPr>
+          <p:cNvPicPr>
+            <a:picLocks noChangeAspect="1"/>
+          </p:cNvPicPr>
+          <p:nvPr/>
+        </p:nvPicPr>
+        <p:blipFill>
+          <a:blip r:embed="rId12">
+            <a:extLst>
+              <a:ext uri="{28A0092B-C50C-407E-A947-70E740481C1C}">
+                <a14:useLocalDpi xmlns:a14="http://schemas.microsoft.com/office/drawing/2010/main" val="0"/>
+              </a:ext>
+            </a:extLst>
+          </a:blip>
+          <a:stretch>
+            <a:fillRect/>
+          </a:stretch>
+        </p:blipFill>
+        <p:spPr>
+          <a:xfrm flipH="1">
+            <a:off x="6390544" y="4251048"/>
+            <a:ext cx="762000" cy="952500"/>
+          </a:xfrm>
+          <a:prstGeom prst="rect">
+            <a:avLst/>
+          </a:prstGeom>
+        </p:spPr>
+      </p:pic>
+      <p:grpSp>
+        <p:nvGrpSpPr>
+          <p:cNvPr id="5" name="Agrupar 4">
+            <a:extLst>
+              <a:ext uri="{FF2B5EF4-FFF2-40B4-BE49-F238E27FC236}">
+                <a16:creationId xmlns:a16="http://schemas.microsoft.com/office/drawing/2014/main" id="{E956D118-F9A6-43FD-A3F7-6E75EC4ECC10}"/>
+              </a:ext>
+            </a:extLst>
+          </p:cNvPr>
+          <p:cNvGrpSpPr/>
+          <p:nvPr/>
+        </p:nvGrpSpPr>
+        <p:grpSpPr>
+          <a:xfrm>
+            <a:off x="1123950" y="1145898"/>
+            <a:ext cx="930663" cy="1168677"/>
+            <a:chOff x="6880386" y="2498863"/>
+            <a:chExt cx="930663" cy="1168677"/>
+          </a:xfrm>
+        </p:grpSpPr>
+        <p:pic>
+          <p:nvPicPr>
+            <p:cNvPr id="4" name="Imagem 3" descr="Uma imagem contendo caneca&#10;&#10;Descrição gerada automaticamente">
+              <a:extLst>
+                <a:ext uri="{FF2B5EF4-FFF2-40B4-BE49-F238E27FC236}">
+                  <a16:creationId xmlns:a16="http://schemas.microsoft.com/office/drawing/2014/main" id="{9F534882-B813-4E4C-816E-EA9F68223003}"/>
+                </a:ext>
+              </a:extLst>
+            </p:cNvPr>
+            <p:cNvPicPr>
+              <a:picLocks noChangeAspect="1"/>
+            </p:cNvPicPr>
+            <p:nvPr/>
+          </p:nvPicPr>
+          <p:blipFill>
+            <a:blip r:embed="rId13">
+              <a:extLst>
+                <a:ext uri="{28A0092B-C50C-407E-A947-70E740481C1C}">
+                  <a14:useLocalDpi xmlns:a14="http://schemas.microsoft.com/office/drawing/2010/main" val="0"/>
+                </a:ext>
+              </a:extLst>
+            </a:blip>
+            <a:stretch>
+              <a:fillRect/>
+            </a:stretch>
+          </p:blipFill>
+          <p:spPr>
+            <a:xfrm>
+              <a:off x="6918486" y="2606952"/>
+              <a:ext cx="762000" cy="952500"/>
+            </a:xfrm>
+            <a:prstGeom prst="rect">
+              <a:avLst/>
+            </a:prstGeom>
+          </p:spPr>
+        </p:pic>
+        <p:pic>
+          <p:nvPicPr>
+            <p:cNvPr id="2" name="Imagem 1">
+              <a:extLst>
+                <a:ext uri="{FF2B5EF4-FFF2-40B4-BE49-F238E27FC236}">
+                  <a16:creationId xmlns:a16="http://schemas.microsoft.com/office/drawing/2014/main" id="{0A0CBC91-4584-4EF9-A0C8-58F6BF6E4A16}"/>
+                </a:ext>
+              </a:extLst>
+            </p:cNvPr>
+            <p:cNvPicPr>
+              <a:picLocks noChangeAspect="1"/>
+            </p:cNvPicPr>
+            <p:nvPr/>
+          </p:nvPicPr>
+          <p:blipFill>
+            <a:blip r:embed="rId14"/>
+            <a:stretch>
+              <a:fillRect/>
+            </a:stretch>
+          </p:blipFill>
+          <p:spPr>
+            <a:xfrm>
+              <a:off x="6880386" y="2498863"/>
+              <a:ext cx="930663" cy="1168677"/>
+            </a:xfrm>
+            <a:prstGeom prst="rect">
+              <a:avLst/>
+            </a:prstGeom>
+          </p:spPr>
+        </p:pic>
+      </p:grpSp>
+      <p:pic>
+        <p:nvPicPr>
+          <p:cNvPr id="25" name="Imagem 24" descr="Uma imagem contendo caneca&#10;&#10;Descrição gerada automaticamente">
+            <a:extLst>
+              <a:ext uri="{FF2B5EF4-FFF2-40B4-BE49-F238E27FC236}">
+                <a16:creationId xmlns:a16="http://schemas.microsoft.com/office/drawing/2014/main" id="{3D8A5D28-3205-4449-BEAC-F86FCC8E2F06}"/>
+              </a:ext>
+            </a:extLst>
+          </p:cNvPr>
+          <p:cNvPicPr>
+            <a:picLocks noChangeAspect="1"/>
+          </p:cNvPicPr>
+          <p:nvPr/>
+        </p:nvPicPr>
+        <p:blipFill rotWithShape="1">
+          <a:blip r:embed="rId15">
+            <a:extLst>
+              <a:ext uri="{28A0092B-C50C-407E-A947-70E740481C1C}">
+                <a14:useLocalDpi xmlns:a14="http://schemas.microsoft.com/office/drawing/2010/main" val="0"/>
+              </a:ext>
+            </a:extLst>
+          </a:blip>
+          <a:srcRect l="6314" t="990" r="9020"/>
+          <a:stretch/>
+        </p:blipFill>
+        <p:spPr>
+          <a:xfrm>
+            <a:off x="6367191" y="3132813"/>
+            <a:ext cx="762001" cy="1118235"/>
+          </a:xfrm>
+          <a:prstGeom prst="rect">
+            <a:avLst/>
+          </a:prstGeom>
+        </p:spPr>
+      </p:pic>
+      <p:pic>
+        <p:nvPicPr>
+          <p:cNvPr id="26" name="Imagem 25">
+            <a:extLst>
+              <a:ext uri="{FF2B5EF4-FFF2-40B4-BE49-F238E27FC236}">
+                <a16:creationId xmlns:a16="http://schemas.microsoft.com/office/drawing/2014/main" id="{F6A6C84B-D21E-404E-ACAB-6398D037726C}"/>
+              </a:ext>
+            </a:extLst>
+          </p:cNvPr>
+          <p:cNvPicPr>
+            <a:picLocks noChangeAspect="1"/>
+          </p:cNvPicPr>
+          <p:nvPr/>
+        </p:nvPicPr>
+        <p:blipFill>
+          <a:blip r:embed="rId16"/>
+          <a:stretch>
+            <a:fillRect/>
+          </a:stretch>
+        </p:blipFill>
+        <p:spPr>
+          <a:xfrm flipH="1">
+            <a:off x="7251588" y="3179777"/>
+            <a:ext cx="762066" cy="1115665"/>
+          </a:xfrm>
+          <a:prstGeom prst="rect">
+            <a:avLst/>
+          </a:prstGeom>
+        </p:spPr>
+      </p:pic>
+    </p:spTree>
+    <p:extLst>
+      <p:ext uri="{BB962C8B-B14F-4D97-AF65-F5344CB8AC3E}">
+        <p14:creationId xmlns:p14="http://schemas.microsoft.com/office/powerpoint/2010/main" val="52951265"/>
+      </p:ext>
+    </p:extLst>
+  </p:cSld>
+  <p:clrMapOvr>
+    <a:masterClrMapping/>
+  </p:clrMapOvr>
+</p:sld>
+</file>
+
+<file path=ppt/slides/slide3.xml><?xml version="1.0" encoding="utf-8"?>
+<p:sld xmlns:a="http://schemas.openxmlformats.org/drawingml/2006/main" xmlns:r="http://schemas.openxmlformats.org/officeDocument/2006/relationships" xmlns:p="http://schemas.openxmlformats.org/presentationml/2006/main">
+  <p:cSld>
+    <p:spTree>
+      <p:nvGrpSpPr>
+        <p:cNvPr id="1" name=""/>
+        <p:cNvGrpSpPr/>
+        <p:nvPr/>
+      </p:nvGrpSpPr>
+      <p:grpSpPr>
+        <a:xfrm>
+          <a:off x="0" y="0"/>
+          <a:ext cx="0" cy="0"/>
+          <a:chOff x="0" y="0"/>
+          <a:chExt cx="0" cy="0"/>
+        </a:xfrm>
+      </p:grpSpPr>
+      <p:pic>
+        <p:nvPicPr>
+          <p:cNvPr id="15" name="Imagem 14" descr="Uma imagem contendo telefone, celular, mesa, preto&#10;&#10;Descrição gerada automaticamente">
+            <a:extLst>
+              <a:ext uri="{FF2B5EF4-FFF2-40B4-BE49-F238E27FC236}">
+                <a16:creationId xmlns:a16="http://schemas.microsoft.com/office/drawing/2014/main" id="{6BEC71EE-C2EF-463A-95E1-3D77DFA14638}"/>
+              </a:ext>
+            </a:extLst>
+          </p:cNvPr>
+          <p:cNvPicPr>
+            <a:picLocks noChangeAspect="1"/>
+          </p:cNvPicPr>
+          <p:nvPr/>
+        </p:nvPicPr>
+        <p:blipFill>
+          <a:blip r:embed="rId2">
+            <a:extLst>
+              <a:ext uri="{28A0092B-C50C-407E-A947-70E740481C1C}">
+                <a14:useLocalDpi xmlns:a14="http://schemas.microsoft.com/office/drawing/2010/main" val="0"/>
+              </a:ext>
+            </a:extLst>
+          </a:blip>
+          <a:stretch>
+            <a:fillRect/>
+          </a:stretch>
+        </p:blipFill>
+        <p:spPr>
+          <a:xfrm>
+            <a:off x="371252" y="480060"/>
+            <a:ext cx="2038350" cy="2771775"/>
+          </a:xfrm>
+          <a:prstGeom prst="rect">
+            <a:avLst/>
+          </a:prstGeom>
+        </p:spPr>
+      </p:pic>
+      <p:pic>
+        <p:nvPicPr>
+          <p:cNvPr id="16" name="Imagem 15">
+            <a:extLst>
+              <a:ext uri="{FF2B5EF4-FFF2-40B4-BE49-F238E27FC236}">
+                <a16:creationId xmlns:a16="http://schemas.microsoft.com/office/drawing/2014/main" id="{EF68E715-D832-4B50-AC33-186E46AD9068}"/>
+              </a:ext>
+            </a:extLst>
+          </p:cNvPr>
+          <p:cNvPicPr>
+            <a:picLocks noChangeAspect="1"/>
+          </p:cNvPicPr>
+          <p:nvPr/>
+        </p:nvPicPr>
+        <p:blipFill>
+          <a:blip r:embed="rId3"/>
+          <a:stretch>
+            <a:fillRect/>
+          </a:stretch>
+        </p:blipFill>
+        <p:spPr>
+          <a:xfrm>
+            <a:off x="2862320" y="627589"/>
+            <a:ext cx="1577477" cy="2476715"/>
+          </a:xfrm>
+          <a:prstGeom prst="rect">
+            <a:avLst/>
+          </a:prstGeom>
+        </p:spPr>
+      </p:pic>
+      <p:pic>
+        <p:nvPicPr>
+          <p:cNvPr id="17" name="Imagem 16">
+            <a:extLst>
+              <a:ext uri="{FF2B5EF4-FFF2-40B4-BE49-F238E27FC236}">
+                <a16:creationId xmlns:a16="http://schemas.microsoft.com/office/drawing/2014/main" id="{71C509A3-88A4-420B-9F0D-0DC0508E660B}"/>
+              </a:ext>
+            </a:extLst>
+          </p:cNvPr>
+          <p:cNvPicPr>
+            <a:picLocks noChangeAspect="1"/>
+          </p:cNvPicPr>
+          <p:nvPr/>
+        </p:nvPicPr>
+        <p:blipFill>
+          <a:blip r:embed="rId4"/>
+          <a:stretch>
+            <a:fillRect/>
+          </a:stretch>
+        </p:blipFill>
+        <p:spPr>
+          <a:xfrm>
+            <a:off x="4704323" y="570433"/>
+            <a:ext cx="1699407" cy="2591025"/>
+          </a:xfrm>
+          <a:prstGeom prst="rect">
+            <a:avLst/>
+          </a:prstGeom>
+        </p:spPr>
+      </p:pic>
+      <p:pic>
+        <p:nvPicPr>
+          <p:cNvPr id="18" name="Imagem 17">
+            <a:extLst>
+              <a:ext uri="{FF2B5EF4-FFF2-40B4-BE49-F238E27FC236}">
+                <a16:creationId xmlns:a16="http://schemas.microsoft.com/office/drawing/2014/main" id="{20850B0E-450D-426B-ACCB-2E0E4CC6D366}"/>
+              </a:ext>
+            </a:extLst>
+          </p:cNvPr>
+          <p:cNvPicPr>
+            <a:picLocks noChangeAspect="1"/>
+          </p:cNvPicPr>
+          <p:nvPr/>
+        </p:nvPicPr>
+        <p:blipFill>
+          <a:blip r:embed="rId5"/>
+          <a:stretch>
+            <a:fillRect/>
+          </a:stretch>
+        </p:blipFill>
+        <p:spPr>
+          <a:xfrm>
+            <a:off x="6771544" y="482797"/>
+            <a:ext cx="1630821" cy="2621507"/>
+          </a:xfrm>
+          <a:prstGeom prst="rect">
+            <a:avLst/>
+          </a:prstGeom>
+        </p:spPr>
+      </p:pic>
+      <p:pic>
+        <p:nvPicPr>
+          <p:cNvPr id="19" name="Imagem 18">
+            <a:extLst>
+              <a:ext uri="{FF2B5EF4-FFF2-40B4-BE49-F238E27FC236}">
+                <a16:creationId xmlns:a16="http://schemas.microsoft.com/office/drawing/2014/main" id="{E3BBE194-BF26-4787-B485-DAB642DA5EEF}"/>
+              </a:ext>
+            </a:extLst>
+          </p:cNvPr>
+          <p:cNvPicPr>
+            <a:picLocks noChangeAspect="1"/>
+          </p:cNvPicPr>
+          <p:nvPr/>
+        </p:nvPicPr>
+        <p:blipFill>
+          <a:blip r:embed="rId6"/>
+          <a:stretch>
+            <a:fillRect/>
+          </a:stretch>
+        </p:blipFill>
+        <p:spPr>
+          <a:xfrm>
+            <a:off x="8698451" y="631399"/>
+            <a:ext cx="1501270" cy="2324301"/>
+          </a:xfrm>
+          <a:prstGeom prst="rect">
+            <a:avLst/>
+          </a:prstGeom>
+        </p:spPr>
+      </p:pic>
+      <p:pic>
+        <p:nvPicPr>
+          <p:cNvPr id="20" name="Imagem 19">
+            <a:extLst>
+              <a:ext uri="{FF2B5EF4-FFF2-40B4-BE49-F238E27FC236}">
+                <a16:creationId xmlns:a16="http://schemas.microsoft.com/office/drawing/2014/main" id="{5102F058-A350-4219-85A8-4A2279F4FD78}"/>
+              </a:ext>
+            </a:extLst>
+          </p:cNvPr>
+          <p:cNvPicPr>
+            <a:picLocks noChangeAspect="1"/>
+          </p:cNvPicPr>
+          <p:nvPr/>
+        </p:nvPicPr>
+        <p:blipFill>
+          <a:blip r:embed="rId7"/>
+          <a:stretch>
+            <a:fillRect/>
+          </a:stretch>
+        </p:blipFill>
+        <p:spPr>
+          <a:xfrm>
+            <a:off x="10220409" y="673311"/>
+            <a:ext cx="1600339" cy="2385267"/>
+          </a:xfrm>
+          <a:prstGeom prst="rect">
+            <a:avLst/>
+          </a:prstGeom>
+        </p:spPr>
+      </p:pic>
+      <p:pic>
+        <p:nvPicPr>
+          <p:cNvPr id="21" name="Imagem 20">
+            <a:extLst>
+              <a:ext uri="{FF2B5EF4-FFF2-40B4-BE49-F238E27FC236}">
+                <a16:creationId xmlns:a16="http://schemas.microsoft.com/office/drawing/2014/main" id="{6B842512-6675-4C6B-BA60-9FD7EC534AF1}"/>
+              </a:ext>
+            </a:extLst>
+          </p:cNvPr>
+          <p:cNvPicPr>
+            <a:picLocks noChangeAspect="1"/>
+          </p:cNvPicPr>
+          <p:nvPr/>
+        </p:nvPicPr>
+        <p:blipFill>
+          <a:blip r:embed="rId8"/>
+          <a:stretch>
+            <a:fillRect/>
+          </a:stretch>
+        </p:blipFill>
+        <p:spPr>
+          <a:xfrm>
+            <a:off x="731453" y="3507992"/>
+            <a:ext cx="1546994" cy="2438611"/>
+          </a:xfrm>
+          <a:prstGeom prst="rect">
+            <a:avLst/>
+          </a:prstGeom>
+        </p:spPr>
+      </p:pic>
+      <p:pic>
+        <p:nvPicPr>
+          <p:cNvPr id="22" name="Imagem 21">
+            <a:extLst>
+              <a:ext uri="{FF2B5EF4-FFF2-40B4-BE49-F238E27FC236}">
+                <a16:creationId xmlns:a16="http://schemas.microsoft.com/office/drawing/2014/main" id="{1902F60C-F21F-42F0-9208-AA5C9579EF59}"/>
+              </a:ext>
+            </a:extLst>
+          </p:cNvPr>
+          <p:cNvPicPr>
+            <a:picLocks noChangeAspect="1"/>
+          </p:cNvPicPr>
+          <p:nvPr/>
+        </p:nvPicPr>
+        <p:blipFill>
+          <a:blip r:embed="rId9"/>
+          <a:stretch>
+            <a:fillRect/>
+          </a:stretch>
+        </p:blipFill>
+        <p:spPr>
+          <a:xfrm>
+            <a:off x="7358538" y="3358422"/>
+            <a:ext cx="1539373" cy="2141406"/>
+          </a:xfrm>
+          <a:prstGeom prst="rect">
+            <a:avLst/>
+          </a:prstGeom>
+        </p:spPr>
+      </p:pic>
+      <p:pic>
+        <p:nvPicPr>
+          <p:cNvPr id="23" name="Imagem 22">
+            <a:extLst>
+              <a:ext uri="{FF2B5EF4-FFF2-40B4-BE49-F238E27FC236}">
+                <a16:creationId xmlns:a16="http://schemas.microsoft.com/office/drawing/2014/main" id="{0794688E-C628-405A-AFFB-08E3966C5D45}"/>
+              </a:ext>
+            </a:extLst>
+          </p:cNvPr>
+          <p:cNvPicPr>
+            <a:picLocks noChangeAspect="1"/>
+          </p:cNvPicPr>
+          <p:nvPr/>
+        </p:nvPicPr>
+        <p:blipFill>
+          <a:blip r:embed="rId10"/>
+          <a:stretch>
+            <a:fillRect/>
+          </a:stretch>
+        </p:blipFill>
+        <p:spPr>
+          <a:xfrm>
+            <a:off x="9166394" y="3429000"/>
+            <a:ext cx="1531753" cy="1920406"/>
+          </a:xfrm>
+          <a:prstGeom prst="rect">
+            <a:avLst/>
+          </a:prstGeom>
+        </p:spPr>
+      </p:pic>
+      <p:pic>
+        <p:nvPicPr>
+          <p:cNvPr id="24" name="Imagem 23">
+            <a:extLst>
+              <a:ext uri="{FF2B5EF4-FFF2-40B4-BE49-F238E27FC236}">
+                <a16:creationId xmlns:a16="http://schemas.microsoft.com/office/drawing/2014/main" id="{F22C9861-CC27-4BAA-9612-B0A8D7854E16}"/>
+              </a:ext>
+            </a:extLst>
+          </p:cNvPr>
+          <p:cNvPicPr>
+            <a:picLocks noChangeAspect="1"/>
+          </p:cNvPicPr>
+          <p:nvPr/>
+        </p:nvPicPr>
+        <p:blipFill>
+          <a:blip r:embed="rId11"/>
+          <a:stretch>
+            <a:fillRect/>
+          </a:stretch>
+        </p:blipFill>
+        <p:spPr>
+          <a:xfrm>
+            <a:off x="2797544" y="3420353"/>
+            <a:ext cx="1707028" cy="2613887"/>
+          </a:xfrm>
+          <a:prstGeom prst="rect">
+            <a:avLst/>
+          </a:prstGeom>
+        </p:spPr>
+      </p:pic>
+      <p:pic>
+        <p:nvPicPr>
+          <p:cNvPr id="26" name="Imagem 25" descr="Uma imagem contendo objeto, computador, mesa, preto&#10;&#10;Descrição gerada automaticamente">
+            <a:extLst>
+              <a:ext uri="{FF2B5EF4-FFF2-40B4-BE49-F238E27FC236}">
+                <a16:creationId xmlns:a16="http://schemas.microsoft.com/office/drawing/2014/main" id="{7DD19912-C3B5-43AA-BE7A-D77D82A8A580}"/>
+              </a:ext>
+            </a:extLst>
+          </p:cNvPr>
+          <p:cNvPicPr>
+            <a:picLocks noChangeAspect="1"/>
+          </p:cNvPicPr>
+          <p:nvPr/>
+        </p:nvPicPr>
+        <p:blipFill rotWithShape="1">
+          <a:blip r:embed="rId12">
+            <a:extLst>
+              <a:ext uri="{BEBA8EAE-BF5A-486C-A8C5-ECC9F3942E4B}">
+                <a14:imgProps xmlns:a14="http://schemas.microsoft.com/office/drawing/2010/main">
+                  <a14:imgLayer r:embed="rId13">
+                    <a14:imgEffect>
+                      <a14:backgroundRemoval t="34306" b="95000" l="2344" r="27891">
+                        <a14:foregroundMark x1="14531" y1="39444" x2="16328" y2="39444"/>
+                        <a14:foregroundMark x1="10859" y1="36944" x2="16172" y2="36667"/>
+                        <a14:foregroundMark x1="13281" y1="34444" x2="13281" y2="34444"/>
+                        <a14:foregroundMark x1="2344" y1="41944" x2="2344" y2="41944"/>
+                        <a14:foregroundMark x1="8906" y1="93750" x2="8906" y2="93750"/>
+                        <a14:foregroundMark x1="10313" y1="95000" x2="10313" y2="95000"/>
+                        <a14:foregroundMark x1="8047" y1="74722" x2="8047" y2="74722"/>
+                        <a14:foregroundMark x1="9219" y1="73889" x2="9219" y2="73889"/>
+                        <a14:foregroundMark x1="8672" y1="73611" x2="9922" y2="77222"/>
+                        <a14:backgroundMark x1="5703" y1="65972" x2="12422" y2="59722"/>
+                        <a14:backgroundMark x1="12422" y1="59722" x2="20391" y2="60972"/>
+                        <a14:backgroundMark x1="18594" y1="59028" x2="18594" y2="59028"/>
+                        <a14:backgroundMark x1="16328" y1="57083" x2="21641" y2="58472"/>
+                        <a14:backgroundMark x1="9063" y1="55833" x2="10625" y2="65000"/>
+                        <a14:backgroundMark x1="6953" y1="59722" x2="4531" y2="72639"/>
+                        <a14:backgroundMark x1="4531" y1="72639" x2="4453" y2="87778"/>
+                        <a14:backgroundMark x1="4063" y1="57361" x2="17422" y2="70139"/>
+                        <a14:backgroundMark x1="17422" y1="70139" x2="20234" y2="69722"/>
+                        <a14:backgroundMark x1="7656" y1="51528" x2="6953" y2="53611"/>
+                        <a14:backgroundMark x1="6250" y1="65000" x2="7656" y2="65000"/>
+                        <a14:backgroundMark x1="5000" y1="79861" x2="5156" y2="86806"/>
+                        <a14:backgroundMark x1="5469" y1="82361" x2="5469" y2="86806"/>
+                        <a14:backgroundMark x1="6719" y1="52778" x2="9766" y2="54306"/>
+                        <a14:backgroundMark x1="11875" y1="58056" x2="13281" y2="56250"/>
+                        <a14:backgroundMark x1="12031" y1="59583" x2="18359" y2="66250"/>
+                        <a14:backgroundMark x1="18359" y1="66250" x2="24844" y2="60417"/>
+                        <a14:backgroundMark x1="24844" y1="60417" x2="23594" y2="55000"/>
+                        <a14:backgroundMark x1="21875" y1="68194" x2="24453" y2="65000"/>
+                        <a14:backgroundMark x1="21875" y1="54583" x2="23984" y2="54583"/>
+                        <a14:backgroundMark x1="10859" y1="54583" x2="16328" y2="56111"/>
+                        <a14:backgroundMark x1="11875" y1="53889" x2="14531" y2="55278"/>
+                        <a14:backgroundMark x1="21641" y1="55000" x2="25156" y2="52639"/>
+                        <a14:backgroundMark x1="5703" y1="67917" x2="9766" y2="66528"/>
+                        <a14:backgroundMark x1="23125" y1="53889" x2="23125" y2="53889"/>
+                        <a14:backgroundMark x1="22734" y1="54028" x2="22734" y2="54028"/>
+                        <a14:backgroundMark x1="22734" y1="53889" x2="22734" y2="53889"/>
+                        <a14:backgroundMark x1="23125" y1="53611" x2="23125" y2="53611"/>
+                        <a14:backgroundMark x1="22344" y1="54306" x2="22344" y2="54306"/>
+                        <a14:backgroundMark x1="13359" y1="53889" x2="13359" y2="53889"/>
+                        <a14:backgroundMark x1="11563" y1="70417" x2="11563" y2="70417"/>
+                        <a14:backgroundMark x1="13125" y1="70694" x2="13125" y2="70694"/>
+                        <a14:backgroundMark x1="5703" y1="70972" x2="5703" y2="70972"/>
+                        <a14:backgroundMark x1="6094" y1="84306" x2="6094" y2="84306"/>
+                        <a14:backgroundMark x1="14063" y1="71389" x2="14063" y2="71389"/>
+                        <a14:backgroundMark x1="16484" y1="70972" x2="16484" y2="70972"/>
+                        <a14:backgroundMark x1="12109" y1="70694" x2="12109" y2="70694"/>
+                        <a14:backgroundMark x1="9609" y1="69028" x2="9609" y2="69028"/>
+                        <a14:backgroundMark x1="21172" y1="68472" x2="21172" y2="68472"/>
+                        <a14:backgroundMark x1="21328" y1="69028" x2="21328" y2="69028"/>
+                        <a14:backgroundMark x1="20547" y1="69722" x2="21797" y2="67917"/>
+                        <a14:backgroundMark x1="12266" y1="53889" x2="14375" y2="54306"/>
+                        <a14:backgroundMark x1="21797" y1="54861" x2="24531" y2="53056"/>
+                      </a14:backgroundRemoval>
+                    </a14:imgEffect>
+                  </a14:imgLayer>
+                </a14:imgProps>
+              </a:ext>
+              <a:ext uri="{28A0092B-C50C-407E-A947-70E740481C1C}">
+                <a14:useLocalDpi xmlns:a14="http://schemas.microsoft.com/office/drawing/2010/main" val="0"/>
+              </a:ext>
+            </a:extLst>
+          </a:blip>
+          <a:srcRect t="30639" r="68934"/>
+          <a:stretch/>
+        </p:blipFill>
+        <p:spPr>
+          <a:xfrm>
+            <a:off x="5141748" y="3251835"/>
+            <a:ext cx="2119192" cy="2661493"/>
+          </a:xfrm>
+          <a:prstGeom prst="rect">
+            <a:avLst/>
+          </a:prstGeom>
+        </p:spPr>
+      </p:pic>
+      <p:pic>
+        <p:nvPicPr>
+          <p:cNvPr id="28" name="Imagem 27" descr="Uma imagem contendo diferente, foto, mesa, pequeno&#10;&#10;Descrição gerada automaticamente">
+            <a:extLst>
+              <a:ext uri="{FF2B5EF4-FFF2-40B4-BE49-F238E27FC236}">
+                <a16:creationId xmlns:a16="http://schemas.microsoft.com/office/drawing/2014/main" id="{948665B5-8ED1-4722-B3BA-A3E874A85646}"/>
+              </a:ext>
+            </a:extLst>
+          </p:cNvPr>
+          <p:cNvPicPr>
+            <a:picLocks noChangeAspect="1"/>
+          </p:cNvPicPr>
+          <p:nvPr/>
+        </p:nvPicPr>
+        <p:blipFill>
+          <a:blip r:embed="rId14">
+            <a:extLst>
+              <a:ext uri="{28A0092B-C50C-407E-A947-70E740481C1C}">
+                <a14:useLocalDpi xmlns:a14="http://schemas.microsoft.com/office/drawing/2010/main" val="0"/>
+              </a:ext>
+            </a:extLst>
+          </a:blip>
+          <a:stretch>
+            <a:fillRect/>
+          </a:stretch>
+        </p:blipFill>
+        <p:spPr>
+          <a:xfrm flipH="1">
+            <a:off x="7367873" y="5335131"/>
+            <a:ext cx="4162425" cy="1699115"/>
+          </a:xfrm>
+          <a:prstGeom prst="rect">
+            <a:avLst/>
+          </a:prstGeom>
+        </p:spPr>
+      </p:pic>
+    </p:spTree>
+    <p:extLst>
+      <p:ext uri="{BB962C8B-B14F-4D97-AF65-F5344CB8AC3E}">
+        <p14:creationId xmlns:p14="http://schemas.microsoft.com/office/powerpoint/2010/main" val="39275109"/>
+      </p:ext>
+    </p:extLst>
+  </p:cSld>
+  <p:clrMapOvr>
+    <a:masterClrMapping/>
+  </p:clrMapOvr>
+</p:sld>
+</file>
+
+<file path=ppt/slides/slide4.xml><?xml version="1.0" encoding="utf-8"?>
+<p:sld xmlns:a="http://schemas.openxmlformats.org/drawingml/2006/main" xmlns:r="http://schemas.openxmlformats.org/officeDocument/2006/relationships" xmlns:p="http://schemas.openxmlformats.org/presentationml/2006/main">
+  <p:cSld>
+    <p:spTree>
+      <p:nvGrpSpPr>
+        <p:cNvPr id="1" name=""/>
+        <p:cNvGrpSpPr/>
+        <p:nvPr/>
+      </p:nvGrpSpPr>
+      <p:grpSpPr>
+        <a:xfrm>
+          <a:off x="0" y="0"/>
+          <a:ext cx="0" cy="0"/>
+          <a:chOff x="0" y="0"/>
+          <a:chExt cx="0" cy="0"/>
+        </a:xfrm>
+      </p:grpSpPr>
+      <p:pic>
+        <p:nvPicPr>
+          <p:cNvPr id="3" name="Imagem 2" descr="Uma imagem contendo computador, desenho&#10;&#10;Descrição gerada automaticamente">
+            <a:extLst>
+              <a:ext uri="{FF2B5EF4-FFF2-40B4-BE49-F238E27FC236}">
+                <a16:creationId xmlns:a16="http://schemas.microsoft.com/office/drawing/2014/main" id="{D70323C7-0923-447A-9BF4-108719201A4A}"/>
+              </a:ext>
+            </a:extLst>
+          </p:cNvPr>
+          <p:cNvPicPr>
+            <a:picLocks noChangeAspect="1"/>
+          </p:cNvPicPr>
+          <p:nvPr/>
+        </p:nvPicPr>
+        <p:blipFill rotWithShape="1">
+          <a:blip r:embed="rId2">
+            <a:extLst>
+              <a:ext uri="{BEBA8EAE-BF5A-486C-A8C5-ECC9F3942E4B}">
+                <a14:imgProps xmlns:a14="http://schemas.microsoft.com/office/drawing/2010/main">
+                  <a14:imgLayer r:embed="rId3">
+                    <a14:imgEffect>
+                      <a14:backgroundRemoval t="60000" b="80740" l="12531" r="21114"/>
+                    </a14:imgEffect>
+                    <a14:imgEffect>
+                      <a14:sharpenSoften amount="25000"/>
+                    </a14:imgEffect>
+                    <a14:imgEffect>
+                      <a14:colorTemperature colorTemp="7200"/>
+                    </a14:imgEffect>
+                    <a14:imgEffect>
+                      <a14:saturation sat="200000"/>
+                    </a14:imgEffect>
+                    <a14:imgEffect>
+                      <a14:brightnessContrast contrast="40000"/>
+                    </a14:imgEffect>
+                  </a14:imgLayer>
+                </a14:imgProps>
+              </a:ext>
+              <a:ext uri="{28A0092B-C50C-407E-A947-70E740481C1C}">
+                <a14:useLocalDpi xmlns:a14="http://schemas.microsoft.com/office/drawing/2010/main" val="0"/>
+              </a:ext>
+            </a:extLst>
+          </a:blip>
+          <a:srcRect l="12420" t="59956" r="79246" b="21525"/>
+          <a:stretch/>
+        </p:blipFill>
+        <p:spPr>
+          <a:xfrm>
+            <a:off x="4609973" y="4204335"/>
+            <a:ext cx="762000" cy="952500"/>
+          </a:xfrm>
+          <a:prstGeom prst="rect">
+            <a:avLst/>
+          </a:prstGeom>
+        </p:spPr>
+      </p:pic>
+      <p:pic>
+        <p:nvPicPr>
+          <p:cNvPr id="6" name="Imagem 5">
+            <a:extLst>
+              <a:ext uri="{FF2B5EF4-FFF2-40B4-BE49-F238E27FC236}">
+                <a16:creationId xmlns:a16="http://schemas.microsoft.com/office/drawing/2014/main" id="{782FF9FB-6161-48E2-8627-FFD4F23D6A44}"/>
+              </a:ext>
+            </a:extLst>
+          </p:cNvPr>
+          <p:cNvPicPr>
+            <a:picLocks noChangeAspect="1"/>
+          </p:cNvPicPr>
+          <p:nvPr/>
+        </p:nvPicPr>
+        <p:blipFill rotWithShape="1">
+          <a:blip r:embed="rId4">
+            <a:extLst>
+              <a:ext uri="{BEBA8EAE-BF5A-486C-A8C5-ECC9F3942E4B}">
+                <a14:imgProps xmlns:a14="http://schemas.microsoft.com/office/drawing/2010/main">
+                  <a14:imgLayer r:embed="rId5">
+                    <a14:imgEffect>
+                      <a14:backgroundRemoval t="60973" b="78055" l="51067" r="60667">
+                        <a14:foregroundMark x1="56733" y1="61566" x2="56733" y2="61566"/>
+                        <a14:foregroundMark x1="55600" y1="78055" x2="55600" y2="78055"/>
+                        <a14:foregroundMark x1="56600" y1="60973" x2="56600" y2="60973"/>
+                      </a14:backgroundRemoval>
+                    </a14:imgEffect>
+                    <a14:imgEffect>
+                      <a14:sharpenSoften amount="25000"/>
+                    </a14:imgEffect>
+                    <a14:imgEffect>
+                      <a14:colorTemperature colorTemp="7200"/>
+                    </a14:imgEffect>
+                    <a14:imgEffect>
+                      <a14:saturation sat="200000"/>
+                    </a14:imgEffect>
+                    <a14:imgEffect>
+                      <a14:brightnessContrast contrast="20000"/>
+                    </a14:imgEffect>
+                  </a14:imgLayer>
+                </a14:imgProps>
+              </a:ext>
+            </a:extLst>
+          </a:blip>
+          <a:srcRect l="52338" t="59814" r="39329" b="21652"/>
+          <a:stretch/>
+        </p:blipFill>
+        <p:spPr>
+          <a:xfrm>
+            <a:off x="5554027" y="4213860"/>
+            <a:ext cx="762000" cy="952500"/>
+          </a:xfrm>
+          <a:prstGeom prst="rect">
+            <a:avLst/>
+          </a:prstGeom>
+        </p:spPr>
+      </p:pic>
+      <p:pic>
+        <p:nvPicPr>
+          <p:cNvPr id="7" name="Imagem 6" descr="Uma imagem contendo computador, desenho&#10;&#10;Descrição gerada automaticamente">
+            <a:extLst>
+              <a:ext uri="{FF2B5EF4-FFF2-40B4-BE49-F238E27FC236}">
+                <a16:creationId xmlns:a16="http://schemas.microsoft.com/office/drawing/2014/main" id="{6BE62496-06A6-462F-AF3C-95366C1F0181}"/>
+              </a:ext>
+            </a:extLst>
+          </p:cNvPr>
+          <p:cNvPicPr>
+            <a:picLocks noChangeAspect="1"/>
+          </p:cNvPicPr>
+          <p:nvPr/>
+        </p:nvPicPr>
+        <p:blipFill rotWithShape="1">
+          <a:blip r:embed="rId6">
+            <a:extLst>
+              <a:ext uri="{BEBA8EAE-BF5A-486C-A8C5-ECC9F3942E4B}">
+                <a14:imgProps xmlns:a14="http://schemas.microsoft.com/office/drawing/2010/main">
+                  <a14:imgLayer r:embed="rId3">
+                    <a14:imgEffect>
+                      <a14:backgroundRemoval t="41667" b="58148" l="43021" r="50417">
+                        <a14:foregroundMark x1="43125" y1="51111" x2="43125" y2="51111"/>
+                        <a14:foregroundMark x1="45625" y1="58148" x2="45625" y2="58148"/>
+                        <a14:foregroundMark x1="46458" y1="41667" x2="46458" y2="41667"/>
+                        <a14:foregroundMark x1="48958" y1="57222" x2="48958" y2="57222"/>
+                      </a14:backgroundRemoval>
+                    </a14:imgEffect>
+                    <a14:imgEffect>
+                      <a14:sharpenSoften amount="25000"/>
+                    </a14:imgEffect>
+                    <a14:imgEffect>
+                      <a14:colorTemperature colorTemp="7200"/>
+                    </a14:imgEffect>
+                    <a14:imgEffect>
+                      <a14:saturation sat="200000"/>
+                    </a14:imgEffect>
+                    <a14:imgEffect>
+                      <a14:brightnessContrast contrast="20000"/>
+                    </a14:imgEffect>
+                  </a14:imgLayer>
+                </a14:imgProps>
+              </a:ext>
+              <a:ext uri="{28A0092B-C50C-407E-A947-70E740481C1C}">
+                <a14:useLocalDpi xmlns:a14="http://schemas.microsoft.com/office/drawing/2010/main" val="0"/>
+              </a:ext>
+            </a:extLst>
+          </a:blip>
+          <a:srcRect l="42270" t="40234" r="49397" b="41247"/>
+          <a:stretch/>
+        </p:blipFill>
+        <p:spPr>
+          <a:xfrm>
+            <a:off x="3749516" y="3251835"/>
+            <a:ext cx="762000" cy="952500"/>
+          </a:xfrm>
+          <a:prstGeom prst="rect">
+            <a:avLst/>
+          </a:prstGeom>
+        </p:spPr>
+      </p:pic>
+      <p:pic>
+        <p:nvPicPr>
+          <p:cNvPr id="8" name="Imagem 7" descr="Uma imagem contendo computador, desenho&#10;&#10;Descrição gerada automaticamente">
+            <a:extLst>
+              <a:ext uri="{FF2B5EF4-FFF2-40B4-BE49-F238E27FC236}">
+                <a16:creationId xmlns:a16="http://schemas.microsoft.com/office/drawing/2014/main" id="{5FBF81F1-6618-4936-A58A-4EAE40695C42}"/>
+              </a:ext>
+            </a:extLst>
+          </p:cNvPr>
+          <p:cNvPicPr>
+            <a:picLocks noChangeAspect="1"/>
+          </p:cNvPicPr>
+          <p:nvPr/>
+        </p:nvPicPr>
+        <p:blipFill rotWithShape="1">
+          <a:blip r:embed="rId7">
+            <a:duotone>
+              <a:prstClr val="black"/>
+              <a:schemeClr val="tx2">
+                <a:tint val="45000"/>
+                <a:satMod val="400000"/>
+              </a:schemeClr>
+            </a:duotone>
+            <a:extLst>
+              <a:ext uri="{BEBA8EAE-BF5A-486C-A8C5-ECC9F3942E4B}">
+                <a14:imgProps xmlns:a14="http://schemas.microsoft.com/office/drawing/2010/main">
+                  <a14:imgLayer r:embed="rId3">
+                    <a14:imgEffect>
+                      <a14:backgroundRemoval t="19260" b="40000" l="12750" r="20750">
+                        <a14:foregroundMark x1="15833" y1="21481" x2="15833" y2="21481"/>
+                        <a14:foregroundMark x1="16563" y1="21481" x2="16563" y2="21481"/>
+                        <a14:foregroundMark x1="17708" y1="35556" x2="17708" y2="35556"/>
+                      </a14:backgroundRemoval>
+                    </a14:imgEffect>
+                    <a14:imgEffect>
+                      <a14:sharpenSoften amount="25000"/>
+                    </a14:imgEffect>
+                    <a14:imgEffect>
+                      <a14:colorTemperature colorTemp="8800"/>
+                    </a14:imgEffect>
+                    <a14:imgEffect>
+                      <a14:brightnessContrast contrast="20000"/>
+                    </a14:imgEffect>
+                  </a14:imgLayer>
+                </a14:imgProps>
+              </a:ext>
+              <a:ext uri="{28A0092B-C50C-407E-A947-70E740481C1C}">
+                <a14:useLocalDpi xmlns:a14="http://schemas.microsoft.com/office/drawing/2010/main" val="0"/>
+              </a:ext>
+            </a:extLst>
+          </a:blip>
+          <a:srcRect l="12415" t="20163" r="79252" b="61318"/>
+          <a:stretch/>
+        </p:blipFill>
+        <p:spPr>
+          <a:xfrm>
+            <a:off x="2937843" y="4251048"/>
+            <a:ext cx="762000" cy="952500"/>
+          </a:xfrm>
+          <a:prstGeom prst="rect">
+            <a:avLst/>
+          </a:prstGeom>
+        </p:spPr>
+      </p:pic>
+      <p:pic>
+        <p:nvPicPr>
+          <p:cNvPr id="9" name="Imagem 8" descr="Uma imagem contendo computador, desenho&#10;&#10;Descrição gerada automaticamente">
+            <a:extLst>
+              <a:ext uri="{FF2B5EF4-FFF2-40B4-BE49-F238E27FC236}">
+                <a16:creationId xmlns:a16="http://schemas.microsoft.com/office/drawing/2014/main" id="{385E72BC-D413-4E60-AD11-AE5C2D4F8469}"/>
+              </a:ext>
+            </a:extLst>
+          </p:cNvPr>
+          <p:cNvPicPr>
+            <a:picLocks noChangeAspect="1"/>
+          </p:cNvPicPr>
+          <p:nvPr/>
+        </p:nvPicPr>
+        <p:blipFill rotWithShape="1">
+          <a:blip r:embed="rId8">
+            <a:extLst>
+              <a:ext uri="{BEBA8EAE-BF5A-486C-A8C5-ECC9F3942E4B}">
+                <a14:imgProps xmlns:a14="http://schemas.microsoft.com/office/drawing/2010/main">
+                  <a14:imgLayer r:embed="rId3">
+                    <a14:imgEffect>
+                      <a14:backgroundRemoval t="60889" b="81629" l="31900" r="41100"/>
+                    </a14:imgEffect>
+                    <a14:imgEffect>
+                      <a14:sharpenSoften amount="25000"/>
+                    </a14:imgEffect>
+                    <a14:imgEffect>
+                      <a14:colorTemperature colorTemp="7200"/>
+                    </a14:imgEffect>
+                    <a14:imgEffect>
+                      <a14:brightnessContrast contrast="20000"/>
+                    </a14:imgEffect>
+                  </a14:imgLayer>
+                </a14:imgProps>
+              </a:ext>
+              <a:ext uri="{28A0092B-C50C-407E-A947-70E740481C1C}">
+                <a14:useLocalDpi xmlns:a14="http://schemas.microsoft.com/office/drawing/2010/main" val="0"/>
+              </a:ext>
+            </a:extLst>
+          </a:blip>
+          <a:srcRect l="32737" t="60557" r="58930" b="20924"/>
+          <a:stretch/>
+        </p:blipFill>
+        <p:spPr>
+          <a:xfrm>
+            <a:off x="4669630" y="3261360"/>
+            <a:ext cx="762000" cy="952500"/>
+          </a:xfrm>
+          <a:prstGeom prst="rect">
+            <a:avLst/>
+          </a:prstGeom>
+        </p:spPr>
+      </p:pic>
+      <p:pic>
+        <p:nvPicPr>
+          <p:cNvPr id="10" name="Imagem 9" descr="Uma imagem contendo computador, desenho&#10;&#10;Descrição gerada automaticamente">
+            <a:extLst>
+              <a:ext uri="{FF2B5EF4-FFF2-40B4-BE49-F238E27FC236}">
+                <a16:creationId xmlns:a16="http://schemas.microsoft.com/office/drawing/2014/main" id="{CAFC68AF-2561-43EA-885D-476DDB9738AE}"/>
+              </a:ext>
+            </a:extLst>
+          </p:cNvPr>
+          <p:cNvPicPr>
+            <a:picLocks noChangeAspect="1"/>
+          </p:cNvPicPr>
+          <p:nvPr/>
+        </p:nvPicPr>
+        <p:blipFill rotWithShape="1">
+          <a:blip r:embed="rId9">
+            <a:extLst>
+              <a:ext uri="{BEBA8EAE-BF5A-486C-A8C5-ECC9F3942E4B}">
+                <a14:imgProps xmlns:a14="http://schemas.microsoft.com/office/drawing/2010/main">
+                  <a14:imgLayer r:embed="rId3">
+                    <a14:imgEffect>
+                      <a14:backgroundRemoval t="21667" b="37963" l="72500" r="81250">
+                        <a14:foregroundMark x1="76771" y1="21667" x2="76771" y2="21667"/>
+                        <a14:foregroundMark x1="75625" y1="37963" x2="75625" y2="37963"/>
+                      </a14:backgroundRemoval>
+                    </a14:imgEffect>
+                    <a14:imgEffect>
+                      <a14:sharpenSoften amount="25000"/>
+                    </a14:imgEffect>
+                    <a14:imgEffect>
+                      <a14:colorTemperature colorTemp="7200"/>
+                    </a14:imgEffect>
+                    <a14:imgEffect>
+                      <a14:brightnessContrast contrast="40000"/>
+                    </a14:imgEffect>
+                  </a14:imgLayer>
+                </a14:imgProps>
+              </a:ext>
+              <a:ext uri="{28A0092B-C50C-407E-A947-70E740481C1C}">
+                <a14:useLocalDpi xmlns:a14="http://schemas.microsoft.com/office/drawing/2010/main" val="0"/>
+              </a:ext>
+            </a:extLst>
+          </a:blip>
+          <a:srcRect l="72314" t="20450" r="19353" b="61032"/>
+          <a:stretch/>
+        </p:blipFill>
+        <p:spPr>
+          <a:xfrm>
+            <a:off x="2889059" y="3251835"/>
+            <a:ext cx="762000" cy="952500"/>
+          </a:xfrm>
+          <a:prstGeom prst="rect">
+            <a:avLst/>
+          </a:prstGeom>
+        </p:spPr>
+      </p:pic>
+      <p:pic>
+        <p:nvPicPr>
+          <p:cNvPr id="11" name="Imagem 10" descr="Uma imagem contendo computador, desenho&#10;&#10;Descrição gerada automaticamente">
+            <a:extLst>
+              <a:ext uri="{FF2B5EF4-FFF2-40B4-BE49-F238E27FC236}">
+                <a16:creationId xmlns:a16="http://schemas.microsoft.com/office/drawing/2014/main" id="{6270C6D6-1429-411C-9B0A-A455D4EC6453}"/>
+              </a:ext>
+            </a:extLst>
+          </p:cNvPr>
+          <p:cNvPicPr>
+            <a:picLocks noChangeAspect="1"/>
+          </p:cNvPicPr>
+          <p:nvPr/>
+        </p:nvPicPr>
+        <p:blipFill rotWithShape="1">
+          <a:blip r:embed="rId10">
+            <a:extLst>
+              <a:ext uri="{BEBA8EAE-BF5A-486C-A8C5-ECC9F3942E4B}">
+                <a14:imgProps xmlns:a14="http://schemas.microsoft.com/office/drawing/2010/main">
+                  <a14:imgLayer r:embed="rId3">
+                    <a14:imgEffect>
+                      <a14:backgroundRemoval t="41852" b="58333" l="83229" r="90625">
+                        <a14:foregroundMark x1="86354" y1="41852" x2="86354" y2="41852"/>
+                        <a14:foregroundMark x1="85729" y1="58333" x2="85729" y2="58333"/>
+                        <a14:foregroundMark x1="83229" y1="49444" x2="83229" y2="49444"/>
+                        <a14:backgroundMark x1="85729" y1="58889" x2="85729" y2="58889"/>
+                        <a14:backgroundMark x1="85625" y1="58519" x2="85625" y2="58519"/>
+                      </a14:backgroundRemoval>
+                    </a14:imgEffect>
+                    <a14:imgEffect>
+                      <a14:sharpenSoften amount="25000"/>
+                    </a14:imgEffect>
+                    <a14:imgEffect>
+                      <a14:colorTemperature colorTemp="7200"/>
+                    </a14:imgEffect>
+                    <a14:imgEffect>
+                      <a14:saturation sat="200000"/>
+                    </a14:imgEffect>
+                    <a14:imgEffect>
+                      <a14:brightnessContrast contrast="20000"/>
+                    </a14:imgEffect>
+                  </a14:imgLayer>
+                </a14:imgProps>
+              </a:ext>
+              <a:ext uri="{28A0092B-C50C-407E-A947-70E740481C1C}">
+                <a14:useLocalDpi xmlns:a14="http://schemas.microsoft.com/office/drawing/2010/main" val="0"/>
+              </a:ext>
+            </a:extLst>
+          </a:blip>
+          <a:srcRect l="82446" t="40518" r="9220" b="40963"/>
+          <a:stretch/>
+        </p:blipFill>
+        <p:spPr>
+          <a:xfrm>
+            <a:off x="3816811" y="4251048"/>
+            <a:ext cx="762000" cy="952500"/>
+          </a:xfrm>
+          <a:prstGeom prst="rect">
+            <a:avLst/>
+          </a:prstGeom>
+        </p:spPr>
+      </p:pic>
+      <p:pic>
+        <p:nvPicPr>
+          <p:cNvPr id="12" name="Imagem 11" descr="Uma imagem contendo computador, desenho&#10;&#10;Descrição gerada automaticamente">
+            <a:extLst>
+              <a:ext uri="{FF2B5EF4-FFF2-40B4-BE49-F238E27FC236}">
+                <a16:creationId xmlns:a16="http://schemas.microsoft.com/office/drawing/2014/main" id="{8C45D62D-01AD-42E0-A341-1353A23C6143}"/>
+              </a:ext>
+            </a:extLst>
+          </p:cNvPr>
+          <p:cNvPicPr>
+            <a:picLocks noChangeAspect="1"/>
+          </p:cNvPicPr>
+          <p:nvPr/>
+        </p:nvPicPr>
+        <p:blipFill rotWithShape="1">
+          <a:blip r:embed="rId11">
+            <a:extLst>
+              <a:ext uri="{BEBA8EAE-BF5A-486C-A8C5-ECC9F3942E4B}">
+                <a14:imgProps xmlns:a14="http://schemas.microsoft.com/office/drawing/2010/main">
+                  <a14:imgLayer r:embed="rId3">
+                    <a14:imgEffect>
+                      <a14:backgroundRemoval t="61852" b="77407" l="72292" r="80938">
+                        <a14:foregroundMark x1="75833" y1="77407" x2="75833" y2="77407"/>
+                        <a14:foregroundMark x1="76563" y1="61852" x2="76563" y2="61852"/>
+                        <a14:foregroundMark x1="78542" y1="77407" x2="78542" y2="77407"/>
+                      </a14:backgroundRemoval>
+                    </a14:imgEffect>
+                    <a14:imgEffect>
+                      <a14:sharpenSoften amount="25000"/>
+                    </a14:imgEffect>
+                    <a14:imgEffect>
+                      <a14:colorTemperature colorTemp="11200"/>
+                    </a14:imgEffect>
+                    <a14:imgEffect>
+                      <a14:brightnessContrast contrast="20000"/>
+                    </a14:imgEffect>
+                  </a14:imgLayer>
+                </a14:imgProps>
+              </a:ext>
+              <a:ext uri="{28A0092B-C50C-407E-A947-70E740481C1C}">
+                <a14:useLocalDpi xmlns:a14="http://schemas.microsoft.com/office/drawing/2010/main" val="0"/>
+              </a:ext>
+            </a:extLst>
+          </a:blip>
+          <a:srcRect l="72501" t="60472" r="19165" b="21009"/>
+          <a:stretch/>
+        </p:blipFill>
+        <p:spPr>
+          <a:xfrm>
+            <a:off x="5554027" y="3251835"/>
+            <a:ext cx="762000" cy="952500"/>
+          </a:xfrm>
+          <a:prstGeom prst="rect">
+            <a:avLst/>
+          </a:prstGeom>
+        </p:spPr>
+      </p:pic>
+      <p:pic>
+        <p:nvPicPr>
+          <p:cNvPr id="4" name="Imagem 3" descr="Uma imagem contendo caneca&#10;&#10;Descrição gerada automaticamente">
+            <a:extLst>
+              <a:ext uri="{FF2B5EF4-FFF2-40B4-BE49-F238E27FC236}">
+                <a16:creationId xmlns:a16="http://schemas.microsoft.com/office/drawing/2014/main" id="{9F534882-B813-4E4C-816E-EA9F68223003}"/>
+              </a:ext>
+            </a:extLst>
+          </p:cNvPr>
+          <p:cNvPicPr>
+            <a:picLocks noChangeAspect="1"/>
+          </p:cNvPicPr>
+          <p:nvPr/>
+        </p:nvPicPr>
+        <p:blipFill>
+          <a:blip r:embed="rId12">
+            <a:extLst>
+              <a:ext uri="{28A0092B-C50C-407E-A947-70E740481C1C}">
+                <a14:useLocalDpi xmlns:a14="http://schemas.microsoft.com/office/drawing/2010/main" val="0"/>
+              </a:ext>
+            </a:extLst>
+          </a:blip>
+          <a:stretch>
+            <a:fillRect/>
+          </a:stretch>
+        </p:blipFill>
+        <p:spPr>
+          <a:xfrm>
+            <a:off x="6390544" y="3251836"/>
+            <a:ext cx="762000" cy="952500"/>
+          </a:xfrm>
+          <a:prstGeom prst="rect">
+            <a:avLst/>
+          </a:prstGeom>
+        </p:spPr>
+      </p:pic>
+      <p:pic>
+        <p:nvPicPr>
+          <p:cNvPr id="13" name="Imagem 12" descr="Uma imagem contendo caneca, luz&#10;&#10;Descrição gerada automaticamente">
+            <a:extLst>
+              <a:ext uri="{FF2B5EF4-FFF2-40B4-BE49-F238E27FC236}">
+                <a16:creationId xmlns:a16="http://schemas.microsoft.com/office/drawing/2014/main" id="{187C99D8-78AA-4A99-A9BE-BC41C8B70638}"/>
+              </a:ext>
+            </a:extLst>
+          </p:cNvPr>
+          <p:cNvPicPr>
+            <a:picLocks noChangeAspect="1"/>
+          </p:cNvPicPr>
+          <p:nvPr/>
+        </p:nvPicPr>
+        <p:blipFill>
+          <a:blip r:embed="rId13">
+            <a:extLst>
+              <a:ext uri="{28A0092B-C50C-407E-A947-70E740481C1C}">
+                <a14:useLocalDpi xmlns:a14="http://schemas.microsoft.com/office/drawing/2010/main" val="0"/>
+              </a:ext>
+            </a:extLst>
+          </a:blip>
+          <a:stretch>
+            <a:fillRect/>
+          </a:stretch>
+        </p:blipFill>
+        <p:spPr>
+          <a:xfrm>
+            <a:off x="6390544" y="4251048"/>
+            <a:ext cx="762000" cy="952500"/>
+          </a:xfrm>
+          <a:prstGeom prst="rect">
+            <a:avLst/>
+          </a:prstGeom>
+        </p:spPr>
+      </p:pic>
+      <p:pic>
+        <p:nvPicPr>
+          <p:cNvPr id="15" name="Imagem 14" descr="Uma imagem contendo telefone, celular, mesa, preto&#10;&#10;Descrição gerada automaticamente">
+            <a:extLst>
+              <a:ext uri="{FF2B5EF4-FFF2-40B4-BE49-F238E27FC236}">
+                <a16:creationId xmlns:a16="http://schemas.microsoft.com/office/drawing/2014/main" id="{6BEC71EE-C2EF-463A-95E1-3D77DFA14638}"/>
+              </a:ext>
+            </a:extLst>
+          </p:cNvPr>
+          <p:cNvPicPr>
+            <a:picLocks noChangeAspect="1"/>
+          </p:cNvPicPr>
+          <p:nvPr/>
+        </p:nvPicPr>
+        <p:blipFill>
+          <a:blip r:embed="rId14">
+            <a:extLst>
+              <a:ext uri="{28A0092B-C50C-407E-A947-70E740481C1C}">
+                <a14:useLocalDpi xmlns:a14="http://schemas.microsoft.com/office/drawing/2010/main" val="0"/>
+              </a:ext>
+            </a:extLst>
+          </a:blip>
+          <a:stretch>
+            <a:fillRect/>
+          </a:stretch>
+        </p:blipFill>
+        <p:spPr>
+          <a:xfrm>
+            <a:off x="371252" y="480060"/>
+            <a:ext cx="2038350" cy="2771775"/>
+          </a:xfrm>
+          <a:prstGeom prst="rect">
+            <a:avLst/>
+          </a:prstGeom>
+        </p:spPr>
+      </p:pic>
+      <p:pic>
+        <p:nvPicPr>
+          <p:cNvPr id="16" name="Imagem 15">
+            <a:extLst>
+              <a:ext uri="{FF2B5EF4-FFF2-40B4-BE49-F238E27FC236}">
+                <a16:creationId xmlns:a16="http://schemas.microsoft.com/office/drawing/2014/main" id="{EF68E715-D832-4B50-AC33-186E46AD9068}"/>
+              </a:ext>
+            </a:extLst>
+          </p:cNvPr>
+          <p:cNvPicPr>
+            <a:picLocks noChangeAspect="1"/>
+          </p:cNvPicPr>
+          <p:nvPr/>
+        </p:nvPicPr>
+        <p:blipFill>
+          <a:blip r:embed="rId15"/>
+          <a:stretch>
+            <a:fillRect/>
+          </a:stretch>
+        </p:blipFill>
+        <p:spPr>
+          <a:xfrm>
+            <a:off x="2862320" y="627589"/>
+            <a:ext cx="1577477" cy="2476715"/>
+          </a:xfrm>
+          <a:prstGeom prst="rect">
+            <a:avLst/>
+          </a:prstGeom>
+        </p:spPr>
+      </p:pic>
+      <p:pic>
+        <p:nvPicPr>
+          <p:cNvPr id="17" name="Imagem 16">
+            <a:extLst>
+              <a:ext uri="{FF2B5EF4-FFF2-40B4-BE49-F238E27FC236}">
+                <a16:creationId xmlns:a16="http://schemas.microsoft.com/office/drawing/2014/main" id="{71C509A3-88A4-420B-9F0D-0DC0508E660B}"/>
+              </a:ext>
+            </a:extLst>
+          </p:cNvPr>
+          <p:cNvPicPr>
+            <a:picLocks noChangeAspect="1"/>
+          </p:cNvPicPr>
+          <p:nvPr/>
+        </p:nvPicPr>
+        <p:blipFill>
+          <a:blip r:embed="rId16"/>
+          <a:stretch>
+            <a:fillRect/>
+          </a:stretch>
+        </p:blipFill>
+        <p:spPr>
+          <a:xfrm>
+            <a:off x="4704323" y="570433"/>
+            <a:ext cx="1699407" cy="2591025"/>
+          </a:xfrm>
+          <a:prstGeom prst="rect">
+            <a:avLst/>
+          </a:prstGeom>
+        </p:spPr>
+      </p:pic>
+      <p:pic>
+        <p:nvPicPr>
+          <p:cNvPr id="18" name="Imagem 17">
+            <a:extLst>
+              <a:ext uri="{FF2B5EF4-FFF2-40B4-BE49-F238E27FC236}">
+                <a16:creationId xmlns:a16="http://schemas.microsoft.com/office/drawing/2014/main" id="{20850B0E-450D-426B-ACCB-2E0E4CC6D366}"/>
+              </a:ext>
+            </a:extLst>
+          </p:cNvPr>
+          <p:cNvPicPr>
+            <a:picLocks noChangeAspect="1"/>
+          </p:cNvPicPr>
+          <p:nvPr/>
+        </p:nvPicPr>
+        <p:blipFill>
+          <a:blip r:embed="rId17"/>
+          <a:stretch>
+            <a:fillRect/>
+          </a:stretch>
+        </p:blipFill>
+        <p:spPr>
+          <a:xfrm>
+            <a:off x="6771544" y="482797"/>
+            <a:ext cx="1630821" cy="2621507"/>
+          </a:xfrm>
+          <a:prstGeom prst="rect">
+            <a:avLst/>
+          </a:prstGeom>
+        </p:spPr>
+      </p:pic>
+      <p:pic>
+        <p:nvPicPr>
+          <p:cNvPr id="19" name="Imagem 18">
+            <a:extLst>
+              <a:ext uri="{FF2B5EF4-FFF2-40B4-BE49-F238E27FC236}">
+                <a16:creationId xmlns:a16="http://schemas.microsoft.com/office/drawing/2014/main" id="{E3BBE194-BF26-4787-B485-DAB642DA5EEF}"/>
+              </a:ext>
+            </a:extLst>
+          </p:cNvPr>
+          <p:cNvPicPr>
+            <a:picLocks noChangeAspect="1"/>
+          </p:cNvPicPr>
+          <p:nvPr/>
+        </p:nvPicPr>
+        <p:blipFill>
+          <a:blip r:embed="rId18"/>
+          <a:stretch>
+            <a:fillRect/>
+          </a:stretch>
+        </p:blipFill>
+        <p:spPr>
+          <a:xfrm>
+            <a:off x="8698451" y="631399"/>
+            <a:ext cx="1501270" cy="2324301"/>
+          </a:xfrm>
+          <a:prstGeom prst="rect">
+            <a:avLst/>
+          </a:prstGeom>
+        </p:spPr>
+      </p:pic>
+      <p:pic>
+        <p:nvPicPr>
+          <p:cNvPr id="20" name="Imagem 19">
+            <a:extLst>
+              <a:ext uri="{FF2B5EF4-FFF2-40B4-BE49-F238E27FC236}">
+                <a16:creationId xmlns:a16="http://schemas.microsoft.com/office/drawing/2014/main" id="{5102F058-A350-4219-85A8-4A2279F4FD78}"/>
+              </a:ext>
+            </a:extLst>
+          </p:cNvPr>
+          <p:cNvPicPr>
+            <a:picLocks noChangeAspect="1"/>
+          </p:cNvPicPr>
+          <p:nvPr/>
+        </p:nvPicPr>
+        <p:blipFill>
+          <a:blip r:embed="rId19"/>
+          <a:stretch>
+            <a:fillRect/>
+          </a:stretch>
+        </p:blipFill>
+        <p:spPr>
+          <a:xfrm>
+            <a:off x="10220409" y="673311"/>
+            <a:ext cx="1600339" cy="2385267"/>
+          </a:xfrm>
+          <a:prstGeom prst="rect">
+            <a:avLst/>
+          </a:prstGeom>
+        </p:spPr>
+      </p:pic>
+      <p:pic>
+        <p:nvPicPr>
+          <p:cNvPr id="21" name="Imagem 20">
+            <a:extLst>
+              <a:ext uri="{FF2B5EF4-FFF2-40B4-BE49-F238E27FC236}">
+                <a16:creationId xmlns:a16="http://schemas.microsoft.com/office/drawing/2014/main" id="{6B842512-6675-4C6B-BA60-9FD7EC534AF1}"/>
+              </a:ext>
+            </a:extLst>
+          </p:cNvPr>
+          <p:cNvPicPr>
+            <a:picLocks noChangeAspect="1"/>
+          </p:cNvPicPr>
+          <p:nvPr/>
+        </p:nvPicPr>
+        <p:blipFill>
+          <a:blip r:embed="rId20"/>
+          <a:stretch>
+            <a:fillRect/>
+          </a:stretch>
+        </p:blipFill>
+        <p:spPr>
+          <a:xfrm>
+            <a:off x="731453" y="3507992"/>
+            <a:ext cx="1546994" cy="2438611"/>
+          </a:xfrm>
+          <a:prstGeom prst="rect">
+            <a:avLst/>
+          </a:prstGeom>
+        </p:spPr>
+      </p:pic>
+      <p:pic>
+        <p:nvPicPr>
+          <p:cNvPr id="22" name="Imagem 21">
+            <a:extLst>
+              <a:ext uri="{FF2B5EF4-FFF2-40B4-BE49-F238E27FC236}">
+                <a16:creationId xmlns:a16="http://schemas.microsoft.com/office/drawing/2014/main" id="{1902F60C-F21F-42F0-9208-AA5C9579EF59}"/>
+              </a:ext>
+            </a:extLst>
+          </p:cNvPr>
+          <p:cNvPicPr>
+            <a:picLocks noChangeAspect="1"/>
+          </p:cNvPicPr>
+          <p:nvPr/>
+        </p:nvPicPr>
+        <p:blipFill>
+          <a:blip r:embed="rId21"/>
+          <a:stretch>
+            <a:fillRect/>
+          </a:stretch>
+        </p:blipFill>
+        <p:spPr>
+          <a:xfrm>
+            <a:off x="7313436" y="3303270"/>
+            <a:ext cx="1539373" cy="2141406"/>
+          </a:xfrm>
+          <a:prstGeom prst="rect">
+            <a:avLst/>
+          </a:prstGeom>
+        </p:spPr>
+      </p:pic>
+      <p:pic>
+        <p:nvPicPr>
+          <p:cNvPr id="23" name="Imagem 22">
+            <a:extLst>
+              <a:ext uri="{FF2B5EF4-FFF2-40B4-BE49-F238E27FC236}">
+                <a16:creationId xmlns:a16="http://schemas.microsoft.com/office/drawing/2014/main" id="{0794688E-C628-405A-AFFB-08E3966C5D45}"/>
+              </a:ext>
+            </a:extLst>
+          </p:cNvPr>
+          <p:cNvPicPr>
+            <a:picLocks noChangeAspect="1"/>
+          </p:cNvPicPr>
+          <p:nvPr/>
+        </p:nvPicPr>
+        <p:blipFill>
+          <a:blip r:embed="rId22"/>
+          <a:stretch>
+            <a:fillRect/>
+          </a:stretch>
+        </p:blipFill>
+        <p:spPr>
+          <a:xfrm>
+            <a:off x="8909702" y="3283142"/>
+            <a:ext cx="1531753" cy="1920406"/>
+          </a:xfrm>
+          <a:prstGeom prst="rect">
+            <a:avLst/>
+          </a:prstGeom>
+        </p:spPr>
+      </p:pic>
+      <p:pic>
+        <p:nvPicPr>
+          <p:cNvPr id="24" name="Imagem 23">
+            <a:extLst>
+              <a:ext uri="{FF2B5EF4-FFF2-40B4-BE49-F238E27FC236}">
+                <a16:creationId xmlns:a16="http://schemas.microsoft.com/office/drawing/2014/main" id="{F22C9861-CC27-4BAA-9612-B0A8D7854E16}"/>
+              </a:ext>
+            </a:extLst>
+          </p:cNvPr>
+          <p:cNvPicPr>
+            <a:picLocks noChangeAspect="1"/>
+          </p:cNvPicPr>
+          <p:nvPr/>
+        </p:nvPicPr>
+        <p:blipFill>
+          <a:blip r:embed="rId23"/>
+          <a:stretch>
+            <a:fillRect/>
+          </a:stretch>
+        </p:blipFill>
+        <p:spPr>
+          <a:xfrm>
+            <a:off x="10441455" y="3312795"/>
+            <a:ext cx="1707028" cy="2613887"/>
+          </a:xfrm>
+          <a:prstGeom prst="rect">
+            <a:avLst/>
+          </a:prstGeom>
+        </p:spPr>
+      </p:pic>
+    </p:spTree>
+    <p:extLst>
+      <p:ext uri="{BB962C8B-B14F-4D97-AF65-F5344CB8AC3E}">
+        <p14:creationId xmlns:p14="http://schemas.microsoft.com/office/powerpoint/2010/main" val="969530644"/>
+      </p:ext>
+    </p:extLst>
+  </p:cSld>
+  <p:clrMapOvr>
+    <a:masterClrMapping/>
+  </p:clrMapOvr>
+</p:sld>
+</file>
+
 <file path=ppt/theme/theme1.xml><?xml version="1.0" encoding="utf-8"?>
 <a:theme xmlns:a="http://schemas.openxmlformats.org/drawingml/2006/main" name="Tema do Office">
   <a:themeElements>

--- a/personagens sem fundo.pptx
+++ b/personagens sem fundo.pptx
@@ -262,7 +262,7 @@
           <a:p>
             <a:fld id="{90E0327E-757D-40B2-BB5E-E020B9C89ED8}" type="datetimeFigureOut">
               <a:rPr lang="pt-BR" smtClean="0"/>
-              <a:t>10/06/2020</a:t>
+              <a:t>11/06/2020</a:t>
             </a:fld>
             <a:endParaRPr lang="pt-BR"/>
           </a:p>
@@ -460,7 +460,7 @@
           <a:p>
             <a:fld id="{90E0327E-757D-40B2-BB5E-E020B9C89ED8}" type="datetimeFigureOut">
               <a:rPr lang="pt-BR" smtClean="0"/>
-              <a:t>10/06/2020</a:t>
+              <a:t>11/06/2020</a:t>
             </a:fld>
             <a:endParaRPr lang="pt-BR"/>
           </a:p>
@@ -668,7 +668,7 @@
           <a:p>
             <a:fld id="{90E0327E-757D-40B2-BB5E-E020B9C89ED8}" type="datetimeFigureOut">
               <a:rPr lang="pt-BR" smtClean="0"/>
-              <a:t>10/06/2020</a:t>
+              <a:t>11/06/2020</a:t>
             </a:fld>
             <a:endParaRPr lang="pt-BR"/>
           </a:p>
@@ -866,7 +866,7 @@
           <a:p>
             <a:fld id="{90E0327E-757D-40B2-BB5E-E020B9C89ED8}" type="datetimeFigureOut">
               <a:rPr lang="pt-BR" smtClean="0"/>
-              <a:t>10/06/2020</a:t>
+              <a:t>11/06/2020</a:t>
             </a:fld>
             <a:endParaRPr lang="pt-BR"/>
           </a:p>
@@ -1141,7 +1141,7 @@
           <a:p>
             <a:fld id="{90E0327E-757D-40B2-BB5E-E020B9C89ED8}" type="datetimeFigureOut">
               <a:rPr lang="pt-BR" smtClean="0"/>
-              <a:t>10/06/2020</a:t>
+              <a:t>11/06/2020</a:t>
             </a:fld>
             <a:endParaRPr lang="pt-BR"/>
           </a:p>
@@ -1406,7 +1406,7 @@
           <a:p>
             <a:fld id="{90E0327E-757D-40B2-BB5E-E020B9C89ED8}" type="datetimeFigureOut">
               <a:rPr lang="pt-BR" smtClean="0"/>
-              <a:t>10/06/2020</a:t>
+              <a:t>11/06/2020</a:t>
             </a:fld>
             <a:endParaRPr lang="pt-BR"/>
           </a:p>
@@ -1818,7 +1818,7 @@
           <a:p>
             <a:fld id="{90E0327E-757D-40B2-BB5E-E020B9C89ED8}" type="datetimeFigureOut">
               <a:rPr lang="pt-BR" smtClean="0"/>
-              <a:t>10/06/2020</a:t>
+              <a:t>11/06/2020</a:t>
             </a:fld>
             <a:endParaRPr lang="pt-BR"/>
           </a:p>
@@ -1959,7 +1959,7 @@
           <a:p>
             <a:fld id="{90E0327E-757D-40B2-BB5E-E020B9C89ED8}" type="datetimeFigureOut">
               <a:rPr lang="pt-BR" smtClean="0"/>
-              <a:t>10/06/2020</a:t>
+              <a:t>11/06/2020</a:t>
             </a:fld>
             <a:endParaRPr lang="pt-BR"/>
           </a:p>
@@ -2072,7 +2072,7 @@
           <a:p>
             <a:fld id="{90E0327E-757D-40B2-BB5E-E020B9C89ED8}" type="datetimeFigureOut">
               <a:rPr lang="pt-BR" smtClean="0"/>
-              <a:t>10/06/2020</a:t>
+              <a:t>11/06/2020</a:t>
             </a:fld>
             <a:endParaRPr lang="pt-BR"/>
           </a:p>
@@ -2383,7 +2383,7 @@
           <a:p>
             <a:fld id="{90E0327E-757D-40B2-BB5E-E020B9C89ED8}" type="datetimeFigureOut">
               <a:rPr lang="pt-BR" smtClean="0"/>
-              <a:t>10/06/2020</a:t>
+              <a:t>11/06/2020</a:t>
             </a:fld>
             <a:endParaRPr lang="pt-BR"/>
           </a:p>
@@ -2671,7 +2671,7 @@
           <a:p>
             <a:fld id="{90E0327E-757D-40B2-BB5E-E020B9C89ED8}" type="datetimeFigureOut">
               <a:rPr lang="pt-BR" smtClean="0"/>
-              <a:t>10/06/2020</a:t>
+              <a:t>11/06/2020</a:t>
             </a:fld>
             <a:endParaRPr lang="pt-BR"/>
           </a:p>
@@ -2912,7 +2912,7 @@
           <a:p>
             <a:fld id="{90E0327E-757D-40B2-BB5E-E020B9C89ED8}" type="datetimeFigureOut">
               <a:rPr lang="pt-BR" smtClean="0"/>
-              <a:t>10/06/2020</a:t>
+              <a:t>11/06/2020</a:t>
             </a:fld>
             <a:endParaRPr lang="pt-BR"/>
           </a:p>
@@ -3910,10 +3910,10 @@
       </p:pic>
       <p:pic>
         <p:nvPicPr>
-          <p:cNvPr id="8" name="Imagem 7" descr="Uma imagem contendo computador, desenho&#10;&#10;Descrição gerada automaticamente">
-            <a:extLst>
-              <a:ext uri="{FF2B5EF4-FFF2-40B4-BE49-F238E27FC236}">
-                <a16:creationId xmlns:a16="http://schemas.microsoft.com/office/drawing/2014/main" id="{5FBF81F1-6618-4936-A58A-4EAE40695C42}"/>
+          <p:cNvPr id="9" name="Imagem 8" descr="Uma imagem contendo computador, desenho&#10;&#10;Descrição gerada automaticamente">
+            <a:extLst>
+              <a:ext uri="{FF2B5EF4-FFF2-40B4-BE49-F238E27FC236}">
+                <a16:creationId xmlns:a16="http://schemas.microsoft.com/office/drawing/2014/main" id="{385E72BC-D413-4E60-AD11-AE5C2D4F8469}"/>
               </a:ext>
             </a:extLst>
           </p:cNvPr>
@@ -3924,29 +3924,18 @@
         </p:nvPicPr>
         <p:blipFill rotWithShape="1">
           <a:blip r:embed="rId7">
-            <a:duotone>
-              <a:prstClr val="black"/>
-              <a:schemeClr val="tx2">
-                <a:tint val="45000"/>
-                <a:satMod val="400000"/>
-              </a:schemeClr>
-            </a:duotone>
             <a:extLst>
               <a:ext uri="{BEBA8EAE-BF5A-486C-A8C5-ECC9F3942E4B}">
                 <a14:imgProps xmlns:a14="http://schemas.microsoft.com/office/drawing/2010/main">
                   <a14:imgLayer r:embed="rId3">
                     <a14:imgEffect>
-                      <a14:backgroundRemoval t="19260" b="40000" l="12750" r="20750">
-                        <a14:foregroundMark x1="15833" y1="21481" x2="15833" y2="21481"/>
-                        <a14:foregroundMark x1="16563" y1="21481" x2="16563" y2="21481"/>
-                        <a14:foregroundMark x1="17708" y1="35556" x2="17708" y2="35556"/>
-                      </a14:backgroundRemoval>
+                      <a14:backgroundRemoval t="60889" b="81629" l="31900" r="41100"/>
                     </a14:imgEffect>
                     <a14:imgEffect>
                       <a14:sharpenSoften amount="25000"/>
                     </a14:imgEffect>
                     <a14:imgEffect>
-                      <a14:colorTemperature colorTemp="8800"/>
+                      <a14:colorTemperature colorTemp="7200"/>
                     </a14:imgEffect>
                     <a14:imgEffect>
                       <a14:brightnessContrast contrast="20000"/>
@@ -3959,12 +3948,12 @@
               </a:ext>
             </a:extLst>
           </a:blip>
-          <a:srcRect l="12415" t="20163" r="79252" b="61318"/>
+          <a:srcRect l="32737" t="60557" r="58930" b="20924"/>
           <a:stretch/>
         </p:blipFill>
         <p:spPr>
           <a:xfrm flipH="1">
-            <a:off x="2937843" y="4251048"/>
+            <a:off x="4669630" y="3261360"/>
             <a:ext cx="762000" cy="952500"/>
           </a:xfrm>
           <a:prstGeom prst="rect">
@@ -3974,10 +3963,10 @@
       </p:pic>
       <p:pic>
         <p:nvPicPr>
-          <p:cNvPr id="9" name="Imagem 8" descr="Uma imagem contendo computador, desenho&#10;&#10;Descrição gerada automaticamente">
-            <a:extLst>
-              <a:ext uri="{FF2B5EF4-FFF2-40B4-BE49-F238E27FC236}">
-                <a16:creationId xmlns:a16="http://schemas.microsoft.com/office/drawing/2014/main" id="{385E72BC-D413-4E60-AD11-AE5C2D4F8469}"/>
+          <p:cNvPr id="10" name="Imagem 9" descr="Uma imagem contendo computador, desenho&#10;&#10;Descrição gerada automaticamente">
+            <a:extLst>
+              <a:ext uri="{FF2B5EF4-FFF2-40B4-BE49-F238E27FC236}">
+                <a16:creationId xmlns:a16="http://schemas.microsoft.com/office/drawing/2014/main" id="{CAFC68AF-2561-43EA-885D-476DDB9738AE}"/>
               </a:ext>
             </a:extLst>
           </p:cNvPr>
@@ -3993,7 +3982,10 @@
                 <a14:imgProps xmlns:a14="http://schemas.microsoft.com/office/drawing/2010/main">
                   <a14:imgLayer r:embed="rId3">
                     <a14:imgEffect>
-                      <a14:backgroundRemoval t="60889" b="81629" l="31900" r="41100"/>
+                      <a14:backgroundRemoval t="21667" b="37963" l="72500" r="81250">
+                        <a14:foregroundMark x1="76771" y1="21667" x2="76771" y2="21667"/>
+                        <a14:foregroundMark x1="75625" y1="37963" x2="75625" y2="37963"/>
+                      </a14:backgroundRemoval>
                     </a14:imgEffect>
                     <a14:imgEffect>
                       <a14:sharpenSoften amount="25000"/>
@@ -4002,7 +3994,7 @@
                       <a14:colorTemperature colorTemp="7200"/>
                     </a14:imgEffect>
                     <a14:imgEffect>
-                      <a14:brightnessContrast contrast="20000"/>
+                      <a14:brightnessContrast contrast="40000"/>
                     </a14:imgEffect>
                   </a14:imgLayer>
                 </a14:imgProps>
@@ -4012,12 +4004,12 @@
               </a:ext>
             </a:extLst>
           </a:blip>
-          <a:srcRect l="32737" t="60557" r="58930" b="20924"/>
+          <a:srcRect l="72314" t="20450" r="19353" b="61032"/>
           <a:stretch/>
         </p:blipFill>
         <p:spPr>
           <a:xfrm flipH="1">
-            <a:off x="4669630" y="3261360"/>
+            <a:off x="2889059" y="3251835"/>
             <a:ext cx="762000" cy="952500"/>
           </a:xfrm>
           <a:prstGeom prst="rect">
@@ -4027,10 +4019,10 @@
       </p:pic>
       <p:pic>
         <p:nvPicPr>
-          <p:cNvPr id="10" name="Imagem 9" descr="Uma imagem contendo computador, desenho&#10;&#10;Descrição gerada automaticamente">
-            <a:extLst>
-              <a:ext uri="{FF2B5EF4-FFF2-40B4-BE49-F238E27FC236}">
-                <a16:creationId xmlns:a16="http://schemas.microsoft.com/office/drawing/2014/main" id="{CAFC68AF-2561-43EA-885D-476DDB9738AE}"/>
+          <p:cNvPr id="11" name="Imagem 10" descr="Uma imagem contendo computador, desenho&#10;&#10;Descrição gerada automaticamente">
+            <a:extLst>
+              <a:ext uri="{FF2B5EF4-FFF2-40B4-BE49-F238E27FC236}">
+                <a16:creationId xmlns:a16="http://schemas.microsoft.com/office/drawing/2014/main" id="{6270C6D6-1429-411C-9B0A-A455D4EC6453}"/>
               </a:ext>
             </a:extLst>
           </p:cNvPr>
@@ -4046,9 +4038,12 @@
                 <a14:imgProps xmlns:a14="http://schemas.microsoft.com/office/drawing/2010/main">
                   <a14:imgLayer r:embed="rId3">
                     <a14:imgEffect>
-                      <a14:backgroundRemoval t="21667" b="37963" l="72500" r="81250">
-                        <a14:foregroundMark x1="76771" y1="21667" x2="76771" y2="21667"/>
-                        <a14:foregroundMark x1="75625" y1="37963" x2="75625" y2="37963"/>
+                      <a14:backgroundRemoval t="41852" b="58333" l="83229" r="90625">
+                        <a14:foregroundMark x1="86354" y1="41852" x2="86354" y2="41852"/>
+                        <a14:foregroundMark x1="85729" y1="58333" x2="85729" y2="58333"/>
+                        <a14:foregroundMark x1="83229" y1="49444" x2="83229" y2="49444"/>
+                        <a14:backgroundMark x1="85729" y1="58889" x2="85729" y2="58889"/>
+                        <a14:backgroundMark x1="85625" y1="58519" x2="85625" y2="58519"/>
                       </a14:backgroundRemoval>
                     </a14:imgEffect>
                     <a14:imgEffect>
@@ -4058,7 +4053,10 @@
                       <a14:colorTemperature colorTemp="7200"/>
                     </a14:imgEffect>
                     <a14:imgEffect>
-                      <a14:brightnessContrast contrast="40000"/>
+                      <a14:saturation sat="200000"/>
+                    </a14:imgEffect>
+                    <a14:imgEffect>
+                      <a14:brightnessContrast contrast="20000"/>
                     </a14:imgEffect>
                   </a14:imgLayer>
                 </a14:imgProps>
@@ -4068,12 +4066,12 @@
               </a:ext>
             </a:extLst>
           </a:blip>
-          <a:srcRect l="72314" t="20450" r="19353" b="61032"/>
+          <a:srcRect l="82446" t="40518" r="9220" b="40963"/>
           <a:stretch/>
         </p:blipFill>
         <p:spPr>
           <a:xfrm flipH="1">
-            <a:off x="2889059" y="3251835"/>
+            <a:off x="3816811" y="4251048"/>
             <a:ext cx="762000" cy="952500"/>
           </a:xfrm>
           <a:prstGeom prst="rect">
@@ -4083,10 +4081,10 @@
       </p:pic>
       <p:pic>
         <p:nvPicPr>
-          <p:cNvPr id="11" name="Imagem 10" descr="Uma imagem contendo computador, desenho&#10;&#10;Descrição gerada automaticamente">
-            <a:extLst>
-              <a:ext uri="{FF2B5EF4-FFF2-40B4-BE49-F238E27FC236}">
-                <a16:creationId xmlns:a16="http://schemas.microsoft.com/office/drawing/2014/main" id="{6270C6D6-1429-411C-9B0A-A455D4EC6453}"/>
+          <p:cNvPr id="12" name="Imagem 11" descr="Uma imagem contendo computador, desenho&#10;&#10;Descrição gerada automaticamente">
+            <a:extLst>
+              <a:ext uri="{FF2B5EF4-FFF2-40B4-BE49-F238E27FC236}">
+                <a16:creationId xmlns:a16="http://schemas.microsoft.com/office/drawing/2014/main" id="{8C45D62D-01AD-42E0-A341-1353A23C6143}"/>
               </a:ext>
             </a:extLst>
           </p:cNvPr>
@@ -4102,68 +4100,6 @@
                 <a14:imgProps xmlns:a14="http://schemas.microsoft.com/office/drawing/2010/main">
                   <a14:imgLayer r:embed="rId3">
                     <a14:imgEffect>
-                      <a14:backgroundRemoval t="41852" b="58333" l="83229" r="90625">
-                        <a14:foregroundMark x1="86354" y1="41852" x2="86354" y2="41852"/>
-                        <a14:foregroundMark x1="85729" y1="58333" x2="85729" y2="58333"/>
-                        <a14:foregroundMark x1="83229" y1="49444" x2="83229" y2="49444"/>
-                        <a14:backgroundMark x1="85729" y1="58889" x2="85729" y2="58889"/>
-                        <a14:backgroundMark x1="85625" y1="58519" x2="85625" y2="58519"/>
-                      </a14:backgroundRemoval>
-                    </a14:imgEffect>
-                    <a14:imgEffect>
-                      <a14:sharpenSoften amount="25000"/>
-                    </a14:imgEffect>
-                    <a14:imgEffect>
-                      <a14:colorTemperature colorTemp="7200"/>
-                    </a14:imgEffect>
-                    <a14:imgEffect>
-                      <a14:saturation sat="200000"/>
-                    </a14:imgEffect>
-                    <a14:imgEffect>
-                      <a14:brightnessContrast contrast="20000"/>
-                    </a14:imgEffect>
-                  </a14:imgLayer>
-                </a14:imgProps>
-              </a:ext>
-              <a:ext uri="{28A0092B-C50C-407E-A947-70E740481C1C}">
-                <a14:useLocalDpi xmlns:a14="http://schemas.microsoft.com/office/drawing/2010/main" val="0"/>
-              </a:ext>
-            </a:extLst>
-          </a:blip>
-          <a:srcRect l="82446" t="40518" r="9220" b="40963"/>
-          <a:stretch/>
-        </p:blipFill>
-        <p:spPr>
-          <a:xfrm flipH="1">
-            <a:off x="3816811" y="4251048"/>
-            <a:ext cx="762000" cy="952500"/>
-          </a:xfrm>
-          <a:prstGeom prst="rect">
-            <a:avLst/>
-          </a:prstGeom>
-        </p:spPr>
-      </p:pic>
-      <p:pic>
-        <p:nvPicPr>
-          <p:cNvPr id="12" name="Imagem 11" descr="Uma imagem contendo computador, desenho&#10;&#10;Descrição gerada automaticamente">
-            <a:extLst>
-              <a:ext uri="{FF2B5EF4-FFF2-40B4-BE49-F238E27FC236}">
-                <a16:creationId xmlns:a16="http://schemas.microsoft.com/office/drawing/2014/main" id="{8C45D62D-01AD-42E0-A341-1353A23C6143}"/>
-              </a:ext>
-            </a:extLst>
-          </p:cNvPr>
-          <p:cNvPicPr>
-            <a:picLocks noChangeAspect="1"/>
-          </p:cNvPicPr>
-          <p:nvPr/>
-        </p:nvPicPr>
-        <p:blipFill rotWithShape="1">
-          <a:blip r:embed="rId11">
-            <a:extLst>
-              <a:ext uri="{BEBA8EAE-BF5A-486C-A8C5-ECC9F3942E4B}">
-                <a14:imgProps xmlns:a14="http://schemas.microsoft.com/office/drawing/2010/main">
-                  <a14:imgLayer r:embed="rId3">
-                    <a14:imgEffect>
                       <a14:backgroundRemoval t="61852" b="77407" l="72292" r="80938">
                         <a14:foregroundMark x1="75833" y1="77407" x2="75833" y2="77407"/>
                         <a14:foregroundMark x1="76563" y1="61852" x2="76563" y2="61852"/>
@@ -4215,7 +4151,7 @@
           <p:nvPr/>
         </p:nvPicPr>
         <p:blipFill>
-          <a:blip r:embed="rId12">
+          <a:blip r:embed="rId11">
             <a:extLst>
               <a:ext uri="{28A0092B-C50C-407E-A947-70E740481C1C}">
                 <a14:useLocalDpi xmlns:a14="http://schemas.microsoft.com/office/drawing/2010/main" val="0"/>
@@ -4271,7 +4207,7 @@
             <p:nvPr/>
           </p:nvPicPr>
           <p:blipFill>
-            <a:blip r:embed="rId13">
+            <a:blip r:embed="rId12">
               <a:extLst>
                 <a:ext uri="{28A0092B-C50C-407E-A947-70E740481C1C}">
                   <a14:useLocalDpi xmlns:a14="http://schemas.microsoft.com/office/drawing/2010/main" val="0"/>
@@ -4307,7 +4243,7 @@
             <p:nvPr/>
           </p:nvPicPr>
           <p:blipFill>
-            <a:blip r:embed="rId14"/>
+            <a:blip r:embed="rId13"/>
             <a:stretch>
               <a:fillRect/>
             </a:stretch>
@@ -4338,7 +4274,7 @@
           <p:nvPr/>
         </p:nvPicPr>
         <p:blipFill rotWithShape="1">
-          <a:blip r:embed="rId15">
+          <a:blip r:embed="rId14">
             <a:extLst>
               <a:ext uri="{28A0092B-C50C-407E-A947-70E740481C1C}">
                 <a14:useLocalDpi xmlns:a14="http://schemas.microsoft.com/office/drawing/2010/main" val="0"/>
@@ -4373,7 +4309,7 @@
           <p:nvPr/>
         </p:nvPicPr>
         <p:blipFill>
-          <a:blip r:embed="rId16"/>
+          <a:blip r:embed="rId15"/>
           <a:stretch>
             <a:fillRect/>
           </a:stretch>
@@ -4388,6 +4324,159 @@
           </a:prstGeom>
         </p:spPr>
       </p:pic>
+      <p:grpSp>
+        <p:nvGrpSpPr>
+          <p:cNvPr id="29" name="Agrupar 28">
+            <a:extLst>
+              <a:ext uri="{FF2B5EF4-FFF2-40B4-BE49-F238E27FC236}">
+                <a16:creationId xmlns:a16="http://schemas.microsoft.com/office/drawing/2014/main" id="{18334757-FBAE-4AD6-9B68-34B1F87EB194}"/>
+              </a:ext>
+            </a:extLst>
+          </p:cNvPr>
+          <p:cNvGrpSpPr/>
+          <p:nvPr/>
+        </p:nvGrpSpPr>
+        <p:grpSpPr>
+          <a:xfrm>
+            <a:off x="3654266" y="1475081"/>
+            <a:ext cx="952500" cy="762000"/>
+            <a:chOff x="3654266" y="1475081"/>
+            <a:chExt cx="952500" cy="762000"/>
+          </a:xfrm>
+        </p:grpSpPr>
+        <p:pic>
+          <p:nvPicPr>
+            <p:cNvPr id="8" name="Imagem 7" descr="Uma imagem contendo computador, desenho&#10;&#10;Descrição gerada automaticamente">
+              <a:extLst>
+                <a:ext uri="{FF2B5EF4-FFF2-40B4-BE49-F238E27FC236}">
+                  <a16:creationId xmlns:a16="http://schemas.microsoft.com/office/drawing/2014/main" id="{5FBF81F1-6618-4936-A58A-4EAE40695C42}"/>
+                </a:ext>
+              </a:extLst>
+            </p:cNvPr>
+            <p:cNvPicPr>
+              <a:picLocks noChangeAspect="1"/>
+            </p:cNvPicPr>
+            <p:nvPr/>
+          </p:nvPicPr>
+          <p:blipFill rotWithShape="1">
+            <a:blip r:embed="rId16">
+              <a:duotone>
+                <a:prstClr val="black"/>
+                <a:schemeClr val="tx2">
+                  <a:tint val="45000"/>
+                  <a:satMod val="400000"/>
+                </a:schemeClr>
+              </a:duotone>
+              <a:extLst>
+                <a:ext uri="{BEBA8EAE-BF5A-486C-A8C5-ECC9F3942E4B}">
+                  <a14:imgProps xmlns:a14="http://schemas.microsoft.com/office/drawing/2010/main">
+                    <a14:imgLayer r:embed="rId3">
+                      <a14:imgEffect>
+                        <a14:backgroundRemoval t="19260" b="40000" l="12750" r="20750">
+                          <a14:foregroundMark x1="15833" y1="21481" x2="15833" y2="21481"/>
+                          <a14:foregroundMark x1="16563" y1="21481" x2="16563" y2="21481"/>
+                          <a14:foregroundMark x1="17708" y1="35556" x2="17708" y2="35556"/>
+                        </a14:backgroundRemoval>
+                      </a14:imgEffect>
+                      <a14:imgEffect>
+                        <a14:sharpenSoften amount="25000"/>
+                      </a14:imgEffect>
+                      <a14:imgEffect>
+                        <a14:colorTemperature colorTemp="8800"/>
+                      </a14:imgEffect>
+                      <a14:imgEffect>
+                        <a14:brightnessContrast contrast="20000"/>
+                      </a14:imgEffect>
+                    </a14:imgLayer>
+                  </a14:imgProps>
+                </a:ext>
+                <a:ext uri="{28A0092B-C50C-407E-A947-70E740481C1C}">
+                  <a14:useLocalDpi xmlns:a14="http://schemas.microsoft.com/office/drawing/2010/main" val="0"/>
+                </a:ext>
+              </a:extLst>
+            </a:blip>
+            <a:srcRect l="12415" t="20163" r="79252" b="61318"/>
+            <a:stretch/>
+          </p:blipFill>
+          <p:spPr>
+            <a:xfrm rot="5400000" flipH="1">
+              <a:off x="3749516" y="1379831"/>
+              <a:ext cx="762000" cy="952500"/>
+            </a:xfrm>
+            <a:prstGeom prst="rect">
+              <a:avLst/>
+            </a:prstGeom>
+          </p:spPr>
+        </p:pic>
+        <p:pic>
+          <p:nvPicPr>
+            <p:cNvPr id="27" name="Imagem 26" descr="Desenho de cachorro&#10;&#10;Descrição gerada automaticamente">
+              <a:extLst>
+                <a:ext uri="{FF2B5EF4-FFF2-40B4-BE49-F238E27FC236}">
+                  <a16:creationId xmlns:a16="http://schemas.microsoft.com/office/drawing/2014/main" id="{BEB920D1-B4E8-45D2-8D7E-9B7AE9D08DED}"/>
+                </a:ext>
+              </a:extLst>
+            </p:cNvPr>
+            <p:cNvPicPr>
+              <a:picLocks noChangeAspect="1"/>
+            </p:cNvPicPr>
+            <p:nvPr/>
+          </p:nvPicPr>
+          <p:blipFill rotWithShape="1">
+            <a:blip r:embed="rId17">
+              <a:extLst>
+                <a:ext uri="{BEBA8EAE-BF5A-486C-A8C5-ECC9F3942E4B}">
+                  <a14:imgProps xmlns:a14="http://schemas.microsoft.com/office/drawing/2010/main">
+                    <a14:imgLayer r:embed="rId18">
+                      <a14:imgEffect>
+                        <a14:backgroundRemoval t="6327" b="90000" l="4143" r="90000">
+                          <a14:foregroundMark x1="19857" y1="10204" x2="19857" y2="10204"/>
+                          <a14:foregroundMark x1="11143" y1="6327" x2="8885" y2="28365"/>
+                          <a14:foregroundMark x1="12000" y1="12449" x2="6635" y2="16741"/>
+                          <a14:foregroundMark x1="6135" y1="28571" x2="6236" y2="29388"/>
+                          <a14:foregroundMark x1="6110" y1="28367" x2="6135" y2="28571"/>
+                          <a14:foregroundMark x1="5920" y1="26820" x2="6110" y2="28367"/>
+                          <a14:foregroundMark x1="9720" y1="42177" x2="11890" y2="50000"/>
+                          <a14:foregroundMark x1="4143" y1="8571" x2="4143" y2="11020"/>
+                          <a14:foregroundMark x1="16714" y1="47347" x2="16714" y2="47347"/>
+                          <a14:foregroundMark x1="16714" y1="48163" x2="16714" y2="48163"/>
+                          <a14:backgroundMark x1="4857" y1="19388" x2="4857" y2="19388"/>
+                          <a14:backgroundMark x1="8857" y1="32653" x2="7429" y2="41429"/>
+                          <a14:backgroundMark x1="8143" y1="29388" x2="8143" y2="35918"/>
+                          <a14:backgroundMark x1="8429" y1="29388" x2="8857" y2="29388"/>
+                          <a14:backgroundMark x1="3714" y1="18163" x2="5714" y2="23265"/>
+                          <a14:backgroundMark x1="5571" y1="22857" x2="4429" y2="25714"/>
+                          <a14:backgroundMark x1="3571" y1="7959" x2="3571" y2="7959"/>
+                          <a14:backgroundMark x1="4143" y1="7959" x2="4143" y2="7959"/>
+                          <a14:backgroundMark x1="4143" y1="8571" x2="4143" y2="8571"/>
+                          <a14:backgroundMark x1="8714" y1="28367" x2="8714" y2="28367"/>
+                          <a14:backgroundMark x1="9000" y1="28571" x2="9000" y2="28571"/>
+                          <a14:backgroundMark x1="8571" y1="28367" x2="8571" y2="28367"/>
+                          <a14:backgroundMark x1="12429" y1="50000" x2="12429" y2="52653"/>
+                        </a14:backgroundRemoval>
+                      </a14:imgEffect>
+                    </a14:imgLayer>
+                  </a14:imgProps>
+                </a:ext>
+                <a:ext uri="{28A0092B-C50C-407E-A947-70E740481C1C}">
+                  <a14:useLocalDpi xmlns:a14="http://schemas.microsoft.com/office/drawing/2010/main" val="0"/>
+                </a:ext>
+              </a:extLst>
+            </a:blip>
+            <a:srcRect r="24267"/>
+            <a:stretch/>
+          </p:blipFill>
+          <p:spPr>
+            <a:xfrm>
+              <a:off x="3843445" y="1500949"/>
+              <a:ext cx="763321" cy="705538"/>
+            </a:xfrm>
+            <a:prstGeom prst="rect">
+              <a:avLst/>
+            </a:prstGeom>
+          </p:spPr>
+        </p:pic>
+      </p:grpSp>
     </p:spTree>
     <p:extLst>
       <p:ext uri="{BB962C8B-B14F-4D97-AF65-F5344CB8AC3E}">
@@ -4566,7 +4655,7 @@
         </p:blipFill>
         <p:spPr>
           <a:xfrm>
-            <a:off x="8698451" y="631399"/>
+            <a:off x="8579045" y="631399"/>
             <a:ext cx="1501270" cy="2324301"/>
           </a:xfrm>
           <a:prstGeom prst="rect">
@@ -4656,7 +4745,7 @@
         </p:blipFill>
         <p:spPr>
           <a:xfrm>
-            <a:off x="7358538" y="3358422"/>
+            <a:off x="7380171" y="3288516"/>
             <a:ext cx="1539373" cy="2141406"/>
           </a:xfrm>
           <a:prstGeom prst="rect">
@@ -4686,7 +4775,7 @@
         </p:blipFill>
         <p:spPr>
           <a:xfrm>
-            <a:off x="9166394" y="3429000"/>
+            <a:off x="9148639" y="3288516"/>
             <a:ext cx="1531753" cy="1920406"/>
           </a:xfrm>
           <a:prstGeom prst="rect">
@@ -4849,7 +4938,7 @@
         </p:blipFill>
         <p:spPr>
           <a:xfrm flipH="1">
-            <a:off x="7367873" y="5335131"/>
+            <a:off x="7162323" y="5377043"/>
             <a:ext cx="4162425" cy="1699115"/>
           </a:xfrm>
           <a:prstGeom prst="rect">

--- a/personagens sem fundo.pptx
+++ b/personagens sem fundo.pptx
@@ -9,6 +9,13 @@
     <p:sldId id="260" r:id="rId3"/>
     <p:sldId id="258" r:id="rId4"/>
     <p:sldId id="259" r:id="rId5"/>
+    <p:sldId id="263" r:id="rId6"/>
+    <p:sldId id="264" r:id="rId7"/>
+    <p:sldId id="261" r:id="rId8"/>
+    <p:sldId id="265" r:id="rId9"/>
+    <p:sldId id="266" r:id="rId10"/>
+    <p:sldId id="267" r:id="rId11"/>
+    <p:sldId id="268" r:id="rId12"/>
   </p:sldIdLst>
   <p:sldSz cx="12192000" cy="6858000"/>
   <p:notesSz cx="6858000" cy="9144000"/>
@@ -262,7 +269,7 @@
           <a:p>
             <a:fld id="{90E0327E-757D-40B2-BB5E-E020B9C89ED8}" type="datetimeFigureOut">
               <a:rPr lang="pt-BR" smtClean="0"/>
-              <a:t>11/06/2020</a:t>
+              <a:t>13/06/2020</a:t>
             </a:fld>
             <a:endParaRPr lang="pt-BR"/>
           </a:p>
@@ -460,7 +467,7 @@
           <a:p>
             <a:fld id="{90E0327E-757D-40B2-BB5E-E020B9C89ED8}" type="datetimeFigureOut">
               <a:rPr lang="pt-BR" smtClean="0"/>
-              <a:t>11/06/2020</a:t>
+              <a:t>13/06/2020</a:t>
             </a:fld>
             <a:endParaRPr lang="pt-BR"/>
           </a:p>
@@ -668,7 +675,7 @@
           <a:p>
             <a:fld id="{90E0327E-757D-40B2-BB5E-E020B9C89ED8}" type="datetimeFigureOut">
               <a:rPr lang="pt-BR" smtClean="0"/>
-              <a:t>11/06/2020</a:t>
+              <a:t>13/06/2020</a:t>
             </a:fld>
             <a:endParaRPr lang="pt-BR"/>
           </a:p>
@@ -866,7 +873,7 @@
           <a:p>
             <a:fld id="{90E0327E-757D-40B2-BB5E-E020B9C89ED8}" type="datetimeFigureOut">
               <a:rPr lang="pt-BR" smtClean="0"/>
-              <a:t>11/06/2020</a:t>
+              <a:t>13/06/2020</a:t>
             </a:fld>
             <a:endParaRPr lang="pt-BR"/>
           </a:p>
@@ -1141,7 +1148,7 @@
           <a:p>
             <a:fld id="{90E0327E-757D-40B2-BB5E-E020B9C89ED8}" type="datetimeFigureOut">
               <a:rPr lang="pt-BR" smtClean="0"/>
-              <a:t>11/06/2020</a:t>
+              <a:t>13/06/2020</a:t>
             </a:fld>
             <a:endParaRPr lang="pt-BR"/>
           </a:p>
@@ -1406,7 +1413,7 @@
           <a:p>
             <a:fld id="{90E0327E-757D-40B2-BB5E-E020B9C89ED8}" type="datetimeFigureOut">
               <a:rPr lang="pt-BR" smtClean="0"/>
-              <a:t>11/06/2020</a:t>
+              <a:t>13/06/2020</a:t>
             </a:fld>
             <a:endParaRPr lang="pt-BR"/>
           </a:p>
@@ -1818,7 +1825,7 @@
           <a:p>
             <a:fld id="{90E0327E-757D-40B2-BB5E-E020B9C89ED8}" type="datetimeFigureOut">
               <a:rPr lang="pt-BR" smtClean="0"/>
-              <a:t>11/06/2020</a:t>
+              <a:t>13/06/2020</a:t>
             </a:fld>
             <a:endParaRPr lang="pt-BR"/>
           </a:p>
@@ -1959,7 +1966,7 @@
           <a:p>
             <a:fld id="{90E0327E-757D-40B2-BB5E-E020B9C89ED8}" type="datetimeFigureOut">
               <a:rPr lang="pt-BR" smtClean="0"/>
-              <a:t>11/06/2020</a:t>
+              <a:t>13/06/2020</a:t>
             </a:fld>
             <a:endParaRPr lang="pt-BR"/>
           </a:p>
@@ -2072,7 +2079,7 @@
           <a:p>
             <a:fld id="{90E0327E-757D-40B2-BB5E-E020B9C89ED8}" type="datetimeFigureOut">
               <a:rPr lang="pt-BR" smtClean="0"/>
-              <a:t>11/06/2020</a:t>
+              <a:t>13/06/2020</a:t>
             </a:fld>
             <a:endParaRPr lang="pt-BR"/>
           </a:p>
@@ -2383,7 +2390,7 @@
           <a:p>
             <a:fld id="{90E0327E-757D-40B2-BB5E-E020B9C89ED8}" type="datetimeFigureOut">
               <a:rPr lang="pt-BR" smtClean="0"/>
-              <a:t>11/06/2020</a:t>
+              <a:t>13/06/2020</a:t>
             </a:fld>
             <a:endParaRPr lang="pt-BR"/>
           </a:p>
@@ -2671,7 +2678,7 @@
           <a:p>
             <a:fld id="{90E0327E-757D-40B2-BB5E-E020B9C89ED8}" type="datetimeFigureOut">
               <a:rPr lang="pt-BR" smtClean="0"/>
-              <a:t>11/06/2020</a:t>
+              <a:t>13/06/2020</a:t>
             </a:fld>
             <a:endParaRPr lang="pt-BR"/>
           </a:p>
@@ -2912,7 +2919,7 @@
           <a:p>
             <a:fld id="{90E0327E-757D-40B2-BB5E-E020B9C89ED8}" type="datetimeFigureOut">
               <a:rPr lang="pt-BR" smtClean="0"/>
-              <a:t>11/06/2020</a:t>
+              <a:t>13/06/2020</a:t>
             </a:fld>
             <a:endParaRPr lang="pt-BR"/>
           </a:p>
@@ -3551,7 +3558,7 @@
         </p:blipFill>
         <p:spPr>
           <a:xfrm>
-            <a:off x="2409825" y="2476500"/>
+            <a:off x="2193727" y="5349240"/>
             <a:ext cx="994410" cy="952500"/>
           </a:xfrm>
           <a:prstGeom prst="rect">
@@ -3598,7 +3605,7 @@
         </p:blipFill>
         <p:spPr>
           <a:xfrm>
-            <a:off x="2474595" y="4907280"/>
+            <a:off x="2355560" y="2602230"/>
             <a:ext cx="994410" cy="952500"/>
           </a:xfrm>
           <a:prstGeom prst="rect">
@@ -3708,6 +3715,174 @@
     <p:extLst>
       <p:ext uri="{BB962C8B-B14F-4D97-AF65-F5344CB8AC3E}">
         <p14:creationId xmlns:p14="http://schemas.microsoft.com/office/powerpoint/2010/main" val="882811019"/>
+      </p:ext>
+    </p:extLst>
+  </p:cSld>
+  <p:clrMapOvr>
+    <a:masterClrMapping/>
+  </p:clrMapOvr>
+</p:sld>
+</file>
+
+<file path=ppt/slides/slide10.xml><?xml version="1.0" encoding="utf-8"?>
+<p:sld xmlns:a="http://schemas.openxmlformats.org/drawingml/2006/main" xmlns:r="http://schemas.openxmlformats.org/officeDocument/2006/relationships" xmlns:p="http://schemas.openxmlformats.org/presentationml/2006/main">
+  <p:cSld>
+    <p:spTree>
+      <p:nvGrpSpPr>
+        <p:cNvPr id="1" name=""/>
+        <p:cNvGrpSpPr/>
+        <p:nvPr/>
+      </p:nvGrpSpPr>
+      <p:grpSpPr>
+        <a:xfrm>
+          <a:off x="0" y="0"/>
+          <a:ext cx="0" cy="0"/>
+          <a:chOff x="0" y="0"/>
+          <a:chExt cx="0" cy="0"/>
+        </a:xfrm>
+      </p:grpSpPr>
+      <p:pic>
+        <p:nvPicPr>
+          <p:cNvPr id="3" name="Imagem 2" descr="Uma imagem contendo lego&#10;&#10;Descrição gerada automaticamente">
+            <a:extLst>
+              <a:ext uri="{FF2B5EF4-FFF2-40B4-BE49-F238E27FC236}">
+                <a16:creationId xmlns:a16="http://schemas.microsoft.com/office/drawing/2014/main" id="{83D69D4B-B7B5-4839-81A8-6FB30DBAB9FE}"/>
+              </a:ext>
+            </a:extLst>
+          </p:cNvPr>
+          <p:cNvPicPr>
+            <a:picLocks noChangeAspect="1"/>
+          </p:cNvPicPr>
+          <p:nvPr/>
+        </p:nvPicPr>
+        <p:blipFill>
+          <a:blip r:embed="rId2">
+            <a:extLst>
+              <a:ext uri="{28A0092B-C50C-407E-A947-70E740481C1C}">
+                <a14:useLocalDpi xmlns:a14="http://schemas.microsoft.com/office/drawing/2010/main" val="0"/>
+              </a:ext>
+            </a:extLst>
+          </a:blip>
+          <a:stretch>
+            <a:fillRect/>
+          </a:stretch>
+        </p:blipFill>
+        <p:spPr>
+          <a:xfrm>
+            <a:off x="2667000" y="0"/>
+            <a:ext cx="6858000" cy="6858000"/>
+          </a:xfrm>
+          <a:prstGeom prst="rect">
+            <a:avLst/>
+          </a:prstGeom>
+        </p:spPr>
+      </p:pic>
+      <p:pic>
+        <p:nvPicPr>
+          <p:cNvPr id="5" name="Imagem 4" descr="Uma imagem contendo fogo, natureza, cachorro, grupo&#10;&#10;Descrição gerada automaticamente">
+            <a:extLst>
+              <a:ext uri="{FF2B5EF4-FFF2-40B4-BE49-F238E27FC236}">
+                <a16:creationId xmlns:a16="http://schemas.microsoft.com/office/drawing/2014/main" id="{0E970472-CE4C-4A7B-9871-0C76FDC22EE6}"/>
+              </a:ext>
+            </a:extLst>
+          </p:cNvPr>
+          <p:cNvPicPr>
+            <a:picLocks noChangeAspect="1"/>
+          </p:cNvPicPr>
+          <p:nvPr/>
+        </p:nvPicPr>
+        <p:blipFill>
+          <a:blip r:embed="rId3">
+            <a:extLst>
+              <a:ext uri="{28A0092B-C50C-407E-A947-70E740481C1C}">
+                <a14:useLocalDpi xmlns:a14="http://schemas.microsoft.com/office/drawing/2010/main" val="0"/>
+              </a:ext>
+            </a:extLst>
+          </a:blip>
+          <a:stretch>
+            <a:fillRect/>
+          </a:stretch>
+        </p:blipFill>
+        <p:spPr>
+          <a:xfrm>
+            <a:off x="4170784" y="3918656"/>
+            <a:ext cx="3909526" cy="1848342"/>
+          </a:xfrm>
+          <a:prstGeom prst="rect">
+            <a:avLst/>
+          </a:prstGeom>
+        </p:spPr>
+      </p:pic>
+    </p:spTree>
+    <p:extLst>
+      <p:ext uri="{BB962C8B-B14F-4D97-AF65-F5344CB8AC3E}">
+        <p14:creationId xmlns:p14="http://schemas.microsoft.com/office/powerpoint/2010/main" val="1435385985"/>
+      </p:ext>
+    </p:extLst>
+  </p:cSld>
+  <p:clrMapOvr>
+    <a:masterClrMapping/>
+  </p:clrMapOvr>
+</p:sld>
+</file>
+
+<file path=ppt/slides/slide11.xml><?xml version="1.0" encoding="utf-8"?>
+<p:sld xmlns:a="http://schemas.openxmlformats.org/drawingml/2006/main" xmlns:r="http://schemas.openxmlformats.org/officeDocument/2006/relationships" xmlns:p="http://schemas.openxmlformats.org/presentationml/2006/main">
+  <p:cSld>
+    <p:spTree>
+      <p:nvGrpSpPr>
+        <p:cNvPr id="1" name=""/>
+        <p:cNvGrpSpPr/>
+        <p:nvPr/>
+      </p:nvGrpSpPr>
+      <p:grpSpPr>
+        <a:xfrm>
+          <a:off x="0" y="0"/>
+          <a:ext cx="0" cy="0"/>
+          <a:chOff x="0" y="0"/>
+          <a:chExt cx="0" cy="0"/>
+        </a:xfrm>
+      </p:grpSpPr>
+      <p:pic>
+        <p:nvPicPr>
+          <p:cNvPr id="3" name="Imagem 2" descr="Uma imagem contendo bolsa&#10;&#10;Descrição gerada automaticamente">
+            <a:extLst>
+              <a:ext uri="{FF2B5EF4-FFF2-40B4-BE49-F238E27FC236}">
+                <a16:creationId xmlns:a16="http://schemas.microsoft.com/office/drawing/2014/main" id="{4D6CAC07-99B6-4D6D-967C-747FD60F2CBA}"/>
+              </a:ext>
+            </a:extLst>
+          </p:cNvPr>
+          <p:cNvPicPr>
+            <a:picLocks noChangeAspect="1"/>
+          </p:cNvPicPr>
+          <p:nvPr/>
+        </p:nvPicPr>
+        <p:blipFill>
+          <a:blip r:embed="rId2">
+            <a:extLst>
+              <a:ext uri="{28A0092B-C50C-407E-A947-70E740481C1C}">
+                <a14:useLocalDpi xmlns:a14="http://schemas.microsoft.com/office/drawing/2010/main" val="0"/>
+              </a:ext>
+            </a:extLst>
+          </a:blip>
+          <a:stretch>
+            <a:fillRect/>
+          </a:stretch>
+        </p:blipFill>
+        <p:spPr>
+          <a:xfrm>
+            <a:off x="5715786" y="2952529"/>
+            <a:ext cx="760428" cy="952941"/>
+          </a:xfrm>
+          <a:prstGeom prst="rect">
+            <a:avLst/>
+          </a:prstGeom>
+        </p:spPr>
+      </p:pic>
+    </p:spTree>
+    <p:extLst>
+      <p:ext uri="{BB962C8B-B14F-4D97-AF65-F5344CB8AC3E}">
+        <p14:creationId xmlns:p14="http://schemas.microsoft.com/office/powerpoint/2010/main" val="2158715228"/>
       </p:ext>
     </p:extLst>
   </p:cSld>
@@ -3736,10 +3911,10 @@
       </p:grpSpPr>
       <p:pic>
         <p:nvPicPr>
-          <p:cNvPr id="3" name="Imagem 2" descr="Uma imagem contendo computador, desenho&#10;&#10;Descrição gerada automaticamente">
-            <a:extLst>
-              <a:ext uri="{FF2B5EF4-FFF2-40B4-BE49-F238E27FC236}">
-                <a16:creationId xmlns:a16="http://schemas.microsoft.com/office/drawing/2014/main" id="{D70323C7-0923-447A-9BF4-108719201A4A}"/>
+          <p:cNvPr id="7" name="Imagem 6" descr="Uma imagem contendo computador, desenho&#10;&#10;Descrição gerada automaticamente">
+            <a:extLst>
+              <a:ext uri="{FF2B5EF4-FFF2-40B4-BE49-F238E27FC236}">
+                <a16:creationId xmlns:a16="http://schemas.microsoft.com/office/drawing/2014/main" id="{6BE62496-06A6-462F-AF3C-95366C1F0181}"/>
               </a:ext>
             </a:extLst>
           </p:cNvPr>
@@ -3750,119 +3925,6 @@
         </p:nvPicPr>
         <p:blipFill rotWithShape="1">
           <a:blip r:embed="rId2">
-            <a:extLst>
-              <a:ext uri="{BEBA8EAE-BF5A-486C-A8C5-ECC9F3942E4B}">
-                <a14:imgProps xmlns:a14="http://schemas.microsoft.com/office/drawing/2010/main">
-                  <a14:imgLayer r:embed="rId3">
-                    <a14:imgEffect>
-                      <a14:backgroundRemoval t="60000" b="80740" l="12531" r="21114"/>
-                    </a14:imgEffect>
-                    <a14:imgEffect>
-                      <a14:sharpenSoften amount="25000"/>
-                    </a14:imgEffect>
-                    <a14:imgEffect>
-                      <a14:colorTemperature colorTemp="7200"/>
-                    </a14:imgEffect>
-                    <a14:imgEffect>
-                      <a14:saturation sat="200000"/>
-                    </a14:imgEffect>
-                    <a14:imgEffect>
-                      <a14:brightnessContrast contrast="40000"/>
-                    </a14:imgEffect>
-                  </a14:imgLayer>
-                </a14:imgProps>
-              </a:ext>
-              <a:ext uri="{28A0092B-C50C-407E-A947-70E740481C1C}">
-                <a14:useLocalDpi xmlns:a14="http://schemas.microsoft.com/office/drawing/2010/main" val="0"/>
-              </a:ext>
-            </a:extLst>
-          </a:blip>
-          <a:srcRect l="12420" t="59956" r="79246" b="21525"/>
-          <a:stretch/>
-        </p:blipFill>
-        <p:spPr>
-          <a:xfrm flipH="1">
-            <a:off x="4609973" y="4204335"/>
-            <a:ext cx="762000" cy="952500"/>
-          </a:xfrm>
-          <a:prstGeom prst="rect">
-            <a:avLst/>
-          </a:prstGeom>
-        </p:spPr>
-      </p:pic>
-      <p:pic>
-        <p:nvPicPr>
-          <p:cNvPr id="6" name="Imagem 5">
-            <a:extLst>
-              <a:ext uri="{FF2B5EF4-FFF2-40B4-BE49-F238E27FC236}">
-                <a16:creationId xmlns:a16="http://schemas.microsoft.com/office/drawing/2014/main" id="{782FF9FB-6161-48E2-8627-FFD4F23D6A44}"/>
-              </a:ext>
-            </a:extLst>
-          </p:cNvPr>
-          <p:cNvPicPr>
-            <a:picLocks noChangeAspect="1"/>
-          </p:cNvPicPr>
-          <p:nvPr/>
-        </p:nvPicPr>
-        <p:blipFill rotWithShape="1">
-          <a:blip r:embed="rId4">
-            <a:extLst>
-              <a:ext uri="{BEBA8EAE-BF5A-486C-A8C5-ECC9F3942E4B}">
-                <a14:imgProps xmlns:a14="http://schemas.microsoft.com/office/drawing/2010/main">
-                  <a14:imgLayer r:embed="rId5">
-                    <a14:imgEffect>
-                      <a14:backgroundRemoval t="60973" b="78055" l="51067" r="60667">
-                        <a14:foregroundMark x1="56733" y1="61566" x2="56733" y2="61566"/>
-                        <a14:foregroundMark x1="55600" y1="78055" x2="55600" y2="78055"/>
-                        <a14:foregroundMark x1="56600" y1="60973" x2="56600" y2="60973"/>
-                      </a14:backgroundRemoval>
-                    </a14:imgEffect>
-                    <a14:imgEffect>
-                      <a14:sharpenSoften amount="25000"/>
-                    </a14:imgEffect>
-                    <a14:imgEffect>
-                      <a14:colorTemperature colorTemp="7200"/>
-                    </a14:imgEffect>
-                    <a14:imgEffect>
-                      <a14:saturation sat="200000"/>
-                    </a14:imgEffect>
-                    <a14:imgEffect>
-                      <a14:brightnessContrast contrast="20000"/>
-                    </a14:imgEffect>
-                  </a14:imgLayer>
-                </a14:imgProps>
-              </a:ext>
-            </a:extLst>
-          </a:blip>
-          <a:srcRect l="52338" t="59814" r="39329" b="21652"/>
-          <a:stretch/>
-        </p:blipFill>
-        <p:spPr>
-          <a:xfrm flipH="1">
-            <a:off x="5554027" y="4213860"/>
-            <a:ext cx="762000" cy="952500"/>
-          </a:xfrm>
-          <a:prstGeom prst="rect">
-            <a:avLst/>
-          </a:prstGeom>
-        </p:spPr>
-      </p:pic>
-      <p:pic>
-        <p:nvPicPr>
-          <p:cNvPr id="7" name="Imagem 6" descr="Uma imagem contendo computador, desenho&#10;&#10;Descrição gerada automaticamente">
-            <a:extLst>
-              <a:ext uri="{FF2B5EF4-FFF2-40B4-BE49-F238E27FC236}">
-                <a16:creationId xmlns:a16="http://schemas.microsoft.com/office/drawing/2014/main" id="{6BE62496-06A6-462F-AF3C-95366C1F0181}"/>
-              </a:ext>
-            </a:extLst>
-          </p:cNvPr>
-          <p:cNvPicPr>
-            <a:picLocks noChangeAspect="1"/>
-          </p:cNvPicPr>
-          <p:nvPr/>
-        </p:nvPicPr>
-        <p:blipFill rotWithShape="1">
-          <a:blip r:embed="rId6">
             <a:extLst>
               <a:ext uri="{BEBA8EAE-BF5A-486C-A8C5-ECC9F3942E4B}">
                 <a14:imgProps xmlns:a14="http://schemas.microsoft.com/office/drawing/2010/main">
@@ -3900,7 +3962,7 @@
         </p:blipFill>
         <p:spPr>
           <a:xfrm flipH="1">
-            <a:off x="3749516" y="3251835"/>
+            <a:off x="9417858" y="3897864"/>
             <a:ext cx="762000" cy="952500"/>
           </a:xfrm>
           <a:prstGeom prst="rect">
@@ -3923,7 +3985,7 @@
           <p:nvPr/>
         </p:nvPicPr>
         <p:blipFill rotWithShape="1">
-          <a:blip r:embed="rId7">
+          <a:blip r:embed="rId4">
             <a:extLst>
               <a:ext uri="{BEBA8EAE-BF5A-486C-A8C5-ECC9F3942E4B}">
                 <a14:imgProps xmlns:a14="http://schemas.microsoft.com/office/drawing/2010/main">
@@ -3953,7 +4015,7 @@
         </p:blipFill>
         <p:spPr>
           <a:xfrm flipH="1">
-            <a:off x="4669630" y="3261360"/>
+            <a:off x="10158780" y="3521729"/>
             <a:ext cx="762000" cy="952500"/>
           </a:xfrm>
           <a:prstGeom prst="rect">
@@ -3976,7 +4038,7 @@
           <p:nvPr/>
         </p:nvPicPr>
         <p:blipFill rotWithShape="1">
-          <a:blip r:embed="rId8">
+          <a:blip r:embed="rId5">
             <a:extLst>
               <a:ext uri="{BEBA8EAE-BF5A-486C-A8C5-ECC9F3942E4B}">
                 <a14:imgProps xmlns:a14="http://schemas.microsoft.com/office/drawing/2010/main">
@@ -4009,126 +4071,7 @@
         </p:blipFill>
         <p:spPr>
           <a:xfrm flipH="1">
-            <a:off x="2889059" y="3251835"/>
-            <a:ext cx="762000" cy="952500"/>
-          </a:xfrm>
-          <a:prstGeom prst="rect">
-            <a:avLst/>
-          </a:prstGeom>
-        </p:spPr>
-      </p:pic>
-      <p:pic>
-        <p:nvPicPr>
-          <p:cNvPr id="11" name="Imagem 10" descr="Uma imagem contendo computador, desenho&#10;&#10;Descrição gerada automaticamente">
-            <a:extLst>
-              <a:ext uri="{FF2B5EF4-FFF2-40B4-BE49-F238E27FC236}">
-                <a16:creationId xmlns:a16="http://schemas.microsoft.com/office/drawing/2014/main" id="{6270C6D6-1429-411C-9B0A-A455D4EC6453}"/>
-              </a:ext>
-            </a:extLst>
-          </p:cNvPr>
-          <p:cNvPicPr>
-            <a:picLocks noChangeAspect="1"/>
-          </p:cNvPicPr>
-          <p:nvPr/>
-        </p:nvPicPr>
-        <p:blipFill rotWithShape="1">
-          <a:blip r:embed="rId9">
-            <a:extLst>
-              <a:ext uri="{BEBA8EAE-BF5A-486C-A8C5-ECC9F3942E4B}">
-                <a14:imgProps xmlns:a14="http://schemas.microsoft.com/office/drawing/2010/main">
-                  <a14:imgLayer r:embed="rId3">
-                    <a14:imgEffect>
-                      <a14:backgroundRemoval t="41852" b="58333" l="83229" r="90625">
-                        <a14:foregroundMark x1="86354" y1="41852" x2="86354" y2="41852"/>
-                        <a14:foregroundMark x1="85729" y1="58333" x2="85729" y2="58333"/>
-                        <a14:foregroundMark x1="83229" y1="49444" x2="83229" y2="49444"/>
-                        <a14:backgroundMark x1="85729" y1="58889" x2="85729" y2="58889"/>
-                        <a14:backgroundMark x1="85625" y1="58519" x2="85625" y2="58519"/>
-                      </a14:backgroundRemoval>
-                    </a14:imgEffect>
-                    <a14:imgEffect>
-                      <a14:sharpenSoften amount="25000"/>
-                    </a14:imgEffect>
-                    <a14:imgEffect>
-                      <a14:colorTemperature colorTemp="7200"/>
-                    </a14:imgEffect>
-                    <a14:imgEffect>
-                      <a14:saturation sat="200000"/>
-                    </a14:imgEffect>
-                    <a14:imgEffect>
-                      <a14:brightnessContrast contrast="20000"/>
-                    </a14:imgEffect>
-                  </a14:imgLayer>
-                </a14:imgProps>
-              </a:ext>
-              <a:ext uri="{28A0092B-C50C-407E-A947-70E740481C1C}">
-                <a14:useLocalDpi xmlns:a14="http://schemas.microsoft.com/office/drawing/2010/main" val="0"/>
-              </a:ext>
-            </a:extLst>
-          </a:blip>
-          <a:srcRect l="82446" t="40518" r="9220" b="40963"/>
-          <a:stretch/>
-        </p:blipFill>
-        <p:spPr>
-          <a:xfrm flipH="1">
-            <a:off x="3816811" y="4251048"/>
-            <a:ext cx="762000" cy="952500"/>
-          </a:xfrm>
-          <a:prstGeom prst="rect">
-            <a:avLst/>
-          </a:prstGeom>
-        </p:spPr>
-      </p:pic>
-      <p:pic>
-        <p:nvPicPr>
-          <p:cNvPr id="12" name="Imagem 11" descr="Uma imagem contendo computador, desenho&#10;&#10;Descrição gerada automaticamente">
-            <a:extLst>
-              <a:ext uri="{FF2B5EF4-FFF2-40B4-BE49-F238E27FC236}">
-                <a16:creationId xmlns:a16="http://schemas.microsoft.com/office/drawing/2014/main" id="{8C45D62D-01AD-42E0-A341-1353A23C6143}"/>
-              </a:ext>
-            </a:extLst>
-          </p:cNvPr>
-          <p:cNvPicPr>
-            <a:picLocks noChangeAspect="1"/>
-          </p:cNvPicPr>
-          <p:nvPr/>
-        </p:nvPicPr>
-        <p:blipFill rotWithShape="1">
-          <a:blip r:embed="rId10">
-            <a:extLst>
-              <a:ext uri="{BEBA8EAE-BF5A-486C-A8C5-ECC9F3942E4B}">
-                <a14:imgProps xmlns:a14="http://schemas.microsoft.com/office/drawing/2010/main">
-                  <a14:imgLayer r:embed="rId3">
-                    <a14:imgEffect>
-                      <a14:backgroundRemoval t="61852" b="77407" l="72292" r="80938">
-                        <a14:foregroundMark x1="75833" y1="77407" x2="75833" y2="77407"/>
-                        <a14:foregroundMark x1="76563" y1="61852" x2="76563" y2="61852"/>
-                        <a14:foregroundMark x1="78542" y1="77407" x2="78542" y2="77407"/>
-                      </a14:backgroundRemoval>
-                    </a14:imgEffect>
-                    <a14:imgEffect>
-                      <a14:sharpenSoften amount="25000"/>
-                    </a14:imgEffect>
-                    <a14:imgEffect>
-                      <a14:colorTemperature colorTemp="11200"/>
-                    </a14:imgEffect>
-                    <a14:imgEffect>
-                      <a14:brightnessContrast contrast="20000"/>
-                    </a14:imgEffect>
-                  </a14:imgLayer>
-                </a14:imgProps>
-              </a:ext>
-              <a:ext uri="{28A0092B-C50C-407E-A947-70E740481C1C}">
-                <a14:useLocalDpi xmlns:a14="http://schemas.microsoft.com/office/drawing/2010/main" val="0"/>
-              </a:ext>
-            </a:extLst>
-          </a:blip>
-          <a:srcRect l="72501" t="60472" r="19165" b="21009"/>
-          <a:stretch/>
-        </p:blipFill>
-        <p:spPr>
-          <a:xfrm flipH="1">
-            <a:off x="5605191" y="3251835"/>
+            <a:off x="10426200" y="1284581"/>
             <a:ext cx="762000" cy="952500"/>
           </a:xfrm>
           <a:prstGeom prst="rect">
@@ -4151,7 +4094,7 @@
           <p:nvPr/>
         </p:nvPicPr>
         <p:blipFill>
-          <a:blip r:embed="rId11">
+          <a:blip r:embed="rId6">
             <a:extLst>
               <a:ext uri="{28A0092B-C50C-407E-A947-70E740481C1C}">
                 <a14:useLocalDpi xmlns:a14="http://schemas.microsoft.com/office/drawing/2010/main" val="0"/>
@@ -4164,7 +4107,7 @@
         </p:blipFill>
         <p:spPr>
           <a:xfrm flipH="1">
-            <a:off x="6390544" y="4251048"/>
+            <a:off x="11155074" y="3666729"/>
             <a:ext cx="762000" cy="952500"/>
           </a:xfrm>
           <a:prstGeom prst="rect">
@@ -4207,7 +4150,7 @@
             <p:nvPr/>
           </p:nvPicPr>
           <p:blipFill>
-            <a:blip r:embed="rId12">
+            <a:blip r:embed="rId7">
               <a:extLst>
                 <a:ext uri="{28A0092B-C50C-407E-A947-70E740481C1C}">
                   <a14:useLocalDpi xmlns:a14="http://schemas.microsoft.com/office/drawing/2010/main" val="0"/>
@@ -4243,7 +4186,7 @@
             <p:nvPr/>
           </p:nvPicPr>
           <p:blipFill>
-            <a:blip r:embed="rId13"/>
+            <a:blip r:embed="rId8"/>
             <a:stretch>
               <a:fillRect/>
             </a:stretch>
@@ -4274,7 +4217,7 @@
           <p:nvPr/>
         </p:nvPicPr>
         <p:blipFill rotWithShape="1">
-          <a:blip r:embed="rId14">
+          <a:blip r:embed="rId9">
             <a:extLst>
               <a:ext uri="{28A0092B-C50C-407E-A947-70E740481C1C}">
                 <a14:useLocalDpi xmlns:a14="http://schemas.microsoft.com/office/drawing/2010/main" val="0"/>
@@ -4286,7 +4229,7 @@
         </p:blipFill>
         <p:spPr>
           <a:xfrm>
-            <a:off x="6367191" y="3132813"/>
+            <a:off x="9985219" y="2378211"/>
             <a:ext cx="762001" cy="1118235"/>
           </a:xfrm>
           <a:prstGeom prst="rect">
@@ -4309,14 +4252,14 @@
           <p:nvPr/>
         </p:nvPicPr>
         <p:blipFill>
-          <a:blip r:embed="rId15"/>
+          <a:blip r:embed="rId10"/>
           <a:stretch>
             <a:fillRect/>
           </a:stretch>
         </p:blipFill>
         <p:spPr>
           <a:xfrm flipH="1">
-            <a:off x="7251588" y="3179777"/>
+            <a:off x="10920780" y="2496197"/>
             <a:ext cx="762066" cy="1115665"/>
           </a:xfrm>
           <a:prstGeom prst="rect">
@@ -4338,7 +4281,7 @@
         </p:nvGrpSpPr>
         <p:grpSpPr>
           <a:xfrm>
-            <a:off x="3654266" y="1475081"/>
+            <a:off x="2392280" y="1299067"/>
             <a:ext cx="952500" cy="762000"/>
             <a:chOff x="3654266" y="1475081"/>
             <a:chExt cx="952500" cy="762000"/>
@@ -4359,7 +4302,7 @@
             <p:nvPr/>
           </p:nvPicPr>
           <p:blipFill rotWithShape="1">
-            <a:blip r:embed="rId16">
+            <a:blip r:embed="rId11">
               <a:duotone>
                 <a:prstClr val="black"/>
                 <a:schemeClr val="tx2">
@@ -4423,11 +4366,11 @@
             <p:nvPr/>
           </p:nvPicPr>
           <p:blipFill rotWithShape="1">
-            <a:blip r:embed="rId17">
+            <a:blip r:embed="rId12">
               <a:extLst>
                 <a:ext uri="{BEBA8EAE-BF5A-486C-A8C5-ECC9F3942E4B}">
                   <a14:imgProps xmlns:a14="http://schemas.microsoft.com/office/drawing/2010/main">
-                    <a14:imgLayer r:embed="rId18">
+                    <a14:imgLayer r:embed="rId13">
                       <a14:imgEffect>
                         <a14:backgroundRemoval t="6327" b="90000" l="4143" r="90000">
                           <a14:foregroundMark x1="19857" y1="10204" x2="19857" y2="10204"/>
@@ -4477,6 +4420,2309 @@
           </p:spPr>
         </p:pic>
       </p:grpSp>
+      <p:pic>
+        <p:nvPicPr>
+          <p:cNvPr id="18" name="Imagem 17" descr="Uma imagem contendo diferente, foto, mesa, pequeno&#10;&#10;Descrição gerada automaticamente">
+            <a:extLst>
+              <a:ext uri="{FF2B5EF4-FFF2-40B4-BE49-F238E27FC236}">
+                <a16:creationId xmlns:a16="http://schemas.microsoft.com/office/drawing/2014/main" id="{61286A28-A51B-4FF3-9929-83F9AA8DE8D4}"/>
+              </a:ext>
+            </a:extLst>
+          </p:cNvPr>
+          <p:cNvPicPr>
+            <a:picLocks noChangeAspect="1"/>
+          </p:cNvPicPr>
+          <p:nvPr/>
+        </p:nvPicPr>
+        <p:blipFill rotWithShape="1">
+          <a:blip r:embed="rId14">
+            <a:extLst>
+              <a:ext uri="{BEBA8EAE-BF5A-486C-A8C5-ECC9F3942E4B}">
+                <a14:imgProps xmlns:a14="http://schemas.microsoft.com/office/drawing/2010/main">
+                  <a14:imgLayer r:embed="rId15">
+                    <a14:imgEffect>
+                      <a14:backgroundRemoval t="5742" b="92105" l="38672" r="63672">
+                        <a14:foregroundMark x1="54395" y1="92344" x2="54395" y2="92344"/>
+                        <a14:foregroundMark x1="50586" y1="11483" x2="50586" y2="11483"/>
+                        <a14:foregroundMark x1="52930" y1="5742" x2="52930" y2="5742"/>
+                      </a14:backgroundRemoval>
+                    </a14:imgEffect>
+                  </a14:imgLayer>
+                </a14:imgProps>
+              </a:ext>
+              <a:ext uri="{28A0092B-C50C-407E-A947-70E740481C1C}">
+                <a14:useLocalDpi xmlns:a14="http://schemas.microsoft.com/office/drawing/2010/main" val="0"/>
+              </a:ext>
+            </a:extLst>
+          </a:blip>
+          <a:srcRect l="35649" r="33212" b="4207"/>
+          <a:stretch/>
+        </p:blipFill>
+        <p:spPr>
+          <a:xfrm flipH="1">
+            <a:off x="5554027" y="1070113"/>
+            <a:ext cx="930663" cy="1168678"/>
+          </a:xfrm>
+          <a:prstGeom prst="rect">
+            <a:avLst/>
+          </a:prstGeom>
+        </p:spPr>
+      </p:pic>
+      <p:pic>
+        <p:nvPicPr>
+          <p:cNvPr id="19" name="Imagem 18" descr="Uma imagem contendo diferente, foto, mesa, pequeno&#10;&#10;Descrição gerada automaticamente">
+            <a:extLst>
+              <a:ext uri="{FF2B5EF4-FFF2-40B4-BE49-F238E27FC236}">
+                <a16:creationId xmlns:a16="http://schemas.microsoft.com/office/drawing/2014/main" id="{F2A1C007-1830-489D-AE8D-D7160836392E}"/>
+              </a:ext>
+            </a:extLst>
+          </p:cNvPr>
+          <p:cNvPicPr>
+            <a:picLocks noChangeAspect="1"/>
+          </p:cNvPicPr>
+          <p:nvPr/>
+        </p:nvPicPr>
+        <p:blipFill rotWithShape="1">
+          <a:blip r:embed="rId14">
+            <a:extLst>
+              <a:ext uri="{BEBA8EAE-BF5A-486C-A8C5-ECC9F3942E4B}">
+                <a14:imgProps xmlns:a14="http://schemas.microsoft.com/office/drawing/2010/main">
+                  <a14:imgLayer r:embed="rId15">
+                    <a14:imgEffect>
+                      <a14:backgroundRemoval t="5742" b="92105" l="38672" r="63672">
+                        <a14:foregroundMark x1="54395" y1="92344" x2="54395" y2="92344"/>
+                        <a14:foregroundMark x1="50586" y1="11483" x2="50586" y2="11483"/>
+                        <a14:foregroundMark x1="52930" y1="5742" x2="52930" y2="5742"/>
+                      </a14:backgroundRemoval>
+                    </a14:imgEffect>
+                  </a14:imgLayer>
+                </a14:imgProps>
+              </a:ext>
+              <a:ext uri="{28A0092B-C50C-407E-A947-70E740481C1C}">
+                <a14:useLocalDpi xmlns:a14="http://schemas.microsoft.com/office/drawing/2010/main" val="0"/>
+              </a:ext>
+            </a:extLst>
+          </a:blip>
+          <a:srcRect l="35649" r="33212" b="4207"/>
+          <a:stretch/>
+        </p:blipFill>
+        <p:spPr>
+          <a:xfrm>
+            <a:off x="6318222" y="1046665"/>
+            <a:ext cx="930663" cy="1168678"/>
+          </a:xfrm>
+          <a:prstGeom prst="rect">
+            <a:avLst/>
+          </a:prstGeom>
+        </p:spPr>
+      </p:pic>
+      <p:grpSp>
+        <p:nvGrpSpPr>
+          <p:cNvPr id="54" name="Agrupar 53">
+            <a:extLst>
+              <a:ext uri="{FF2B5EF4-FFF2-40B4-BE49-F238E27FC236}">
+                <a16:creationId xmlns:a16="http://schemas.microsoft.com/office/drawing/2014/main" id="{FFB87B72-E9A2-494C-8D36-05B80F21599A}"/>
+              </a:ext>
+            </a:extLst>
+          </p:cNvPr>
+          <p:cNvGrpSpPr/>
+          <p:nvPr/>
+        </p:nvGrpSpPr>
+        <p:grpSpPr>
+          <a:xfrm>
+            <a:off x="4661143" y="958599"/>
+            <a:ext cx="875480" cy="1334812"/>
+            <a:chOff x="2687985" y="2571930"/>
+            <a:chExt cx="875480" cy="1334812"/>
+          </a:xfrm>
+        </p:grpSpPr>
+        <p:pic>
+          <p:nvPicPr>
+            <p:cNvPr id="11" name="Imagem 10" descr="Uma imagem contendo computador, desenho&#10;&#10;Descrição gerada automaticamente">
+              <a:extLst>
+                <a:ext uri="{FF2B5EF4-FFF2-40B4-BE49-F238E27FC236}">
+                  <a16:creationId xmlns:a16="http://schemas.microsoft.com/office/drawing/2014/main" id="{6270C6D6-1429-411C-9B0A-A455D4EC6453}"/>
+                </a:ext>
+              </a:extLst>
+            </p:cNvPr>
+            <p:cNvPicPr>
+              <a:picLocks noChangeAspect="1"/>
+            </p:cNvPicPr>
+            <p:nvPr/>
+          </p:nvPicPr>
+          <p:blipFill rotWithShape="1">
+            <a:blip r:embed="rId16">
+              <a:extLst>
+                <a:ext uri="{BEBA8EAE-BF5A-486C-A8C5-ECC9F3942E4B}">
+                  <a14:imgProps xmlns:a14="http://schemas.microsoft.com/office/drawing/2010/main">
+                    <a14:imgLayer r:embed="rId3">
+                      <a14:imgEffect>
+                        <a14:backgroundRemoval t="41852" b="58333" l="83229" r="90625">
+                          <a14:foregroundMark x1="86354" y1="41852" x2="86354" y2="41852"/>
+                          <a14:foregroundMark x1="85729" y1="58333" x2="85729" y2="58333"/>
+                          <a14:foregroundMark x1="83229" y1="49444" x2="83229" y2="49444"/>
+                          <a14:backgroundMark x1="85729" y1="58889" x2="85729" y2="58889"/>
+                          <a14:backgroundMark x1="85625" y1="58519" x2="85625" y2="58519"/>
+                        </a14:backgroundRemoval>
+                      </a14:imgEffect>
+                      <a14:imgEffect>
+                        <a14:sharpenSoften amount="25000"/>
+                      </a14:imgEffect>
+                      <a14:imgEffect>
+                        <a14:colorTemperature colorTemp="7200"/>
+                      </a14:imgEffect>
+                      <a14:imgEffect>
+                        <a14:saturation sat="200000"/>
+                      </a14:imgEffect>
+                      <a14:imgEffect>
+                        <a14:brightnessContrast contrast="20000"/>
+                      </a14:imgEffect>
+                    </a14:imgLayer>
+                  </a14:imgProps>
+                </a:ext>
+                <a:ext uri="{28A0092B-C50C-407E-A947-70E740481C1C}">
+                  <a14:useLocalDpi xmlns:a14="http://schemas.microsoft.com/office/drawing/2010/main" val="0"/>
+                </a:ext>
+              </a:extLst>
+            </a:blip>
+            <a:srcRect l="82446" t="40518" r="9220" b="40963"/>
+            <a:stretch/>
+          </p:blipFill>
+          <p:spPr>
+            <a:xfrm flipH="1">
+              <a:off x="2760801" y="2918223"/>
+              <a:ext cx="762000" cy="952500"/>
+            </a:xfrm>
+            <a:prstGeom prst="rect">
+              <a:avLst/>
+            </a:prstGeom>
+          </p:spPr>
+        </p:pic>
+        <p:pic>
+          <p:nvPicPr>
+            <p:cNvPr id="20" name="Imagem 19">
+              <a:extLst>
+                <a:ext uri="{FF2B5EF4-FFF2-40B4-BE49-F238E27FC236}">
+                  <a16:creationId xmlns:a16="http://schemas.microsoft.com/office/drawing/2014/main" id="{59A442CA-7F55-4AD4-933E-E3CB557DF4CE}"/>
+                </a:ext>
+              </a:extLst>
+            </p:cNvPr>
+            <p:cNvPicPr>
+              <a:picLocks noChangeAspect="1"/>
+            </p:cNvPicPr>
+            <p:nvPr/>
+          </p:nvPicPr>
+          <p:blipFill>
+            <a:blip r:embed="rId17">
+              <a:extLst>
+                <a:ext uri="{BEBA8EAE-BF5A-486C-A8C5-ECC9F3942E4B}">
+                  <a14:imgProps xmlns:a14="http://schemas.microsoft.com/office/drawing/2010/main">
+                    <a14:imgLayer r:embed="rId18">
+                      <a14:imgEffect>
+                        <a14:backgroundRemoval t="8824" b="92059" l="9417" r="89238">
+                          <a14:foregroundMark x1="65022" y1="8824" x2="65022" y2="8824"/>
+                          <a14:foregroundMark x1="29039" y1="24172" x2="30942" y2="21765"/>
+                          <a14:foregroundMark x1="38117" y1="92059" x2="38117" y2="92059"/>
+                          <a14:backgroundMark x1="69955" y1="96176" x2="60538" y2="92059"/>
+                          <a14:backgroundMark x1="24215" y1="96471" x2="17937" y2="89412"/>
+                          <a14:backgroundMark x1="22870" y1="94118" x2="36771" y2="95294"/>
+                          <a14:backgroundMark x1="15086" y1="46408" x2="16143" y2="42941"/>
+                          <a14:backgroundMark x1="16143" y1="42941" x2="18742" y2="45781"/>
+                          <a14:backgroundMark x1="44395" y1="41471" x2="52466" y2="40000"/>
+                          <a14:backgroundMark x1="44843" y1="40000" x2="87444" y2="44118"/>
+                          <a14:backgroundMark x1="85202" y1="42353" x2="79821" y2="39118"/>
+                          <a14:backgroundMark x1="78475" y1="38235" x2="56502" y2="37059"/>
+                          <a14:backgroundMark x1="50673" y1="97647" x2="56502" y2="89706"/>
+                          <a14:backgroundMark x1="27803" y1="94118" x2="32287" y2="94412"/>
+                          <a14:backgroundMark x1="36771" y1="96176" x2="41256" y2="96471"/>
+                          <a14:backgroundMark x1="25561" y1="26765" x2="25561" y2="26765"/>
+                          <a14:backgroundMark x1="26906" y1="26765" x2="26906" y2="26765"/>
+                          <a14:backgroundMark x1="27354" y1="25588" x2="27354" y2="25588"/>
+                          <a14:backgroundMark x1="28251" y1="23824" x2="24664" y2="26765"/>
+                          <a14:backgroundMark x1="24215" y1="28824" x2="24215" y2="26176"/>
+                          <a14:backgroundMark x1="25561" y1="26765" x2="19283" y2="27941"/>
+                          <a14:backgroundMark x1="18834" y1="31176" x2="21076" y2="35294"/>
+                          <a14:backgroundMark x1="14798" y1="40294" x2="10314" y2="61176"/>
+                          <a14:backgroundMark x1="10314" y1="61176" x2="17489" y2="45588"/>
+                          <a14:backgroundMark x1="18834" y1="45882" x2="16592" y2="77353"/>
+                          <a14:backgroundMark x1="27354" y1="25294" x2="27803" y2="22059"/>
+                        </a14:backgroundRemoval>
+                      </a14:imgEffect>
+                    </a14:imgLayer>
+                  </a14:imgProps>
+                </a:ext>
+              </a:extLst>
+            </a:blip>
+            <a:stretch>
+              <a:fillRect/>
+            </a:stretch>
+          </p:blipFill>
+          <p:spPr>
+            <a:xfrm flipH="1">
+              <a:off x="2687985" y="2571930"/>
+              <a:ext cx="875480" cy="1334812"/>
+            </a:xfrm>
+            <a:prstGeom prst="rect">
+              <a:avLst/>
+            </a:prstGeom>
+          </p:spPr>
+        </p:pic>
+      </p:grpSp>
+      <p:grpSp>
+        <p:nvGrpSpPr>
+          <p:cNvPr id="58" name="Agrupar 57">
+            <a:extLst>
+              <a:ext uri="{FF2B5EF4-FFF2-40B4-BE49-F238E27FC236}">
+                <a16:creationId xmlns:a16="http://schemas.microsoft.com/office/drawing/2014/main" id="{984FBCBA-E408-4409-878D-89DAC38E17C1}"/>
+              </a:ext>
+            </a:extLst>
+          </p:cNvPr>
+          <p:cNvGrpSpPr/>
+          <p:nvPr/>
+        </p:nvGrpSpPr>
+        <p:grpSpPr>
+          <a:xfrm>
+            <a:off x="5031916" y="2517098"/>
+            <a:ext cx="831862" cy="1226190"/>
+            <a:chOff x="3689922" y="2730721"/>
+            <a:chExt cx="831862" cy="1226190"/>
+          </a:xfrm>
+        </p:grpSpPr>
+        <p:pic>
+          <p:nvPicPr>
+            <p:cNvPr id="3" name="Imagem 2" descr="Uma imagem contendo computador, desenho&#10;&#10;Descrição gerada automaticamente">
+              <a:extLst>
+                <a:ext uri="{FF2B5EF4-FFF2-40B4-BE49-F238E27FC236}">
+                  <a16:creationId xmlns:a16="http://schemas.microsoft.com/office/drawing/2014/main" id="{D70323C7-0923-447A-9BF4-108719201A4A}"/>
+                </a:ext>
+              </a:extLst>
+            </p:cNvPr>
+            <p:cNvPicPr>
+              <a:picLocks noChangeAspect="1"/>
+            </p:cNvPicPr>
+            <p:nvPr/>
+          </p:nvPicPr>
+          <p:blipFill rotWithShape="1">
+            <a:blip r:embed="rId19">
+              <a:extLst>
+                <a:ext uri="{BEBA8EAE-BF5A-486C-A8C5-ECC9F3942E4B}">
+                  <a14:imgProps xmlns:a14="http://schemas.microsoft.com/office/drawing/2010/main">
+                    <a14:imgLayer r:embed="rId3">
+                      <a14:imgEffect>
+                        <a14:backgroundRemoval t="60000" b="80740" l="12531" r="21114"/>
+                      </a14:imgEffect>
+                      <a14:imgEffect>
+                        <a14:sharpenSoften amount="25000"/>
+                      </a14:imgEffect>
+                      <a14:imgEffect>
+                        <a14:colorTemperature colorTemp="7200"/>
+                      </a14:imgEffect>
+                      <a14:imgEffect>
+                        <a14:saturation sat="200000"/>
+                      </a14:imgEffect>
+                      <a14:imgEffect>
+                        <a14:brightnessContrast contrast="40000"/>
+                      </a14:imgEffect>
+                    </a14:imgLayer>
+                  </a14:imgProps>
+                </a:ext>
+                <a:ext uri="{28A0092B-C50C-407E-A947-70E740481C1C}">
+                  <a14:useLocalDpi xmlns:a14="http://schemas.microsoft.com/office/drawing/2010/main" val="0"/>
+                </a:ext>
+              </a:extLst>
+            </a:blip>
+            <a:srcRect l="12420" t="59956" r="79246" b="21525"/>
+            <a:stretch/>
+          </p:blipFill>
+          <p:spPr>
+            <a:xfrm flipH="1">
+              <a:off x="3759784" y="2937328"/>
+              <a:ext cx="762000" cy="952500"/>
+            </a:xfrm>
+            <a:prstGeom prst="rect">
+              <a:avLst/>
+            </a:prstGeom>
+          </p:spPr>
+        </p:pic>
+        <p:pic>
+          <p:nvPicPr>
+            <p:cNvPr id="23" name="Imagem 22">
+              <a:extLst>
+                <a:ext uri="{FF2B5EF4-FFF2-40B4-BE49-F238E27FC236}">
+                  <a16:creationId xmlns:a16="http://schemas.microsoft.com/office/drawing/2014/main" id="{A44C614E-348F-4F02-B7AD-DAC087ACAD6E}"/>
+                </a:ext>
+              </a:extLst>
+            </p:cNvPr>
+            <p:cNvPicPr>
+              <a:picLocks noChangeAspect="1"/>
+            </p:cNvPicPr>
+            <p:nvPr/>
+          </p:nvPicPr>
+          <p:blipFill>
+            <a:blip r:embed="rId20">
+              <a:extLst>
+                <a:ext uri="{BEBA8EAE-BF5A-486C-A8C5-ECC9F3942E4B}">
+                  <a14:imgProps xmlns:a14="http://schemas.microsoft.com/office/drawing/2010/main">
+                    <a14:imgLayer r:embed="rId21">
+                      <a14:imgEffect>
+                        <a14:backgroundRemoval t="9585" b="92013" l="10000" r="91429">
+                          <a14:foregroundMark x1="35714" y1="92332" x2="35714" y2="92332"/>
+                          <a14:foregroundMark x1="91429" y1="25879" x2="91429" y2="25879"/>
+                          <a14:foregroundMark x1="50000" y1="10224" x2="50000" y2="10224"/>
+                          <a14:foregroundMark x1="53810" y1="9585" x2="53810" y2="9585"/>
+                          <a14:backgroundMark x1="33333" y1="47604" x2="95238" y2="44409"/>
+                        </a14:backgroundRemoval>
+                      </a14:imgEffect>
+                    </a14:imgLayer>
+                  </a14:imgProps>
+                </a:ext>
+              </a:extLst>
+            </a:blip>
+            <a:stretch>
+              <a:fillRect/>
+            </a:stretch>
+          </p:blipFill>
+          <p:spPr>
+            <a:xfrm flipH="1">
+              <a:off x="3689922" y="2730721"/>
+              <a:ext cx="822683" cy="1226190"/>
+            </a:xfrm>
+            <a:prstGeom prst="rect">
+              <a:avLst/>
+            </a:prstGeom>
+          </p:spPr>
+        </p:pic>
+      </p:grpSp>
+      <p:pic>
+        <p:nvPicPr>
+          <p:cNvPr id="28" name="Imagem 27" descr="Desenho de personagem de desenho animado&#10;&#10;Descrição gerada automaticamente">
+            <a:extLst>
+              <a:ext uri="{FF2B5EF4-FFF2-40B4-BE49-F238E27FC236}">
+                <a16:creationId xmlns:a16="http://schemas.microsoft.com/office/drawing/2014/main" id="{4D500627-8E01-433E-9B63-C454816FD5B5}"/>
+              </a:ext>
+            </a:extLst>
+          </p:cNvPr>
+          <p:cNvPicPr>
+            <a:picLocks noChangeAspect="1"/>
+          </p:cNvPicPr>
+          <p:nvPr/>
+        </p:nvPicPr>
+        <p:blipFill rotWithShape="1">
+          <a:blip r:embed="rId22">
+            <a:extLst>
+              <a:ext uri="{BEBA8EAE-BF5A-486C-A8C5-ECC9F3942E4B}">
+                <a14:imgProps xmlns:a14="http://schemas.microsoft.com/office/drawing/2010/main">
+                  <a14:imgLayer r:embed="rId23">
+                    <a14:imgEffect>
+                      <a14:backgroundRemoval t="1319" b="99760" l="7576" r="96402">
+                        <a14:foregroundMark x1="55492" y1="18465" x2="55492" y2="18465"/>
+                        <a14:foregroundMark x1="41477" y1="11151" x2="50758" y2="25180"/>
+                        <a14:foregroundMark x1="40341" y1="9592" x2="25189" y2="26619"/>
+                        <a14:foregroundMark x1="26326" y1="27338" x2="78788" y2="31055"/>
+                        <a14:foregroundMark x1="78788" y1="31055" x2="47348" y2="8153"/>
+                        <a14:foregroundMark x1="56629" y1="6715" x2="56629" y2="6715"/>
+                        <a14:foregroundMark x1="46212" y1="6715" x2="48485" y2="4436"/>
+                        <a14:foregroundMark x1="57960" y1="64468" x2="60038" y2="79736"/>
+                        <a14:foregroundMark x1="84659" y1="91487" x2="70644" y2="95204"/>
+                        <a14:foregroundMark x1="71780" y1="95204" x2="71780" y2="95204"/>
+                        <a14:foregroundMark x1="24621" y1="93765" x2="24621" y2="93765"/>
+                        <a14:foregroundMark x1="20076" y1="99161" x2="20076" y2="99161"/>
+                        <a14:foregroundMark x1="49242" y1="74580" x2="49242" y2="74580"/>
+                        <a14:foregroundMark x1="79167" y1="99880" x2="79167" y2="99880"/>
+                        <a14:foregroundMark x1="49242" y1="1319" x2="49242" y2="1319"/>
+                        <a14:foregroundMark x1="50000" y1="64149" x2="50000" y2="64149"/>
+                        <a14:backgroundMark x1="31439" y1="48201" x2="31439" y2="48201"/>
+                        <a14:backgroundMark x1="25758" y1="55276" x2="25758" y2="55276"/>
+                        <a14:backgroundMark x1="8902" y1="49520" x2="26326" y2="47842"/>
+                        <a14:backgroundMark x1="58333" y1="52758" x2="25758" y2="51079"/>
+                        <a14:backgroundMark x1="25758" y1="51079" x2="64205" y2="55995"/>
+                        <a14:backgroundMark x1="64205" y1="55995" x2="27273" y2="55156"/>
+                        <a14:backgroundMark x1="27273" y1="55156" x2="91667" y2="52758"/>
+                        <a14:backgroundMark x1="91667" y1="52758" x2="92235" y2="52758"/>
+                        <a14:backgroundMark x1="84848" y1="53477" x2="86553" y2="52038"/>
+                        <a14:backgroundMark x1="81439" y1="46403" x2="49811" y2="45204"/>
+                        <a14:backgroundMark x1="49811" y1="45204" x2="70265" y2="47122"/>
+                        <a14:backgroundMark x1="18371" y1="42806" x2="1515" y2="63669"/>
+                        <a14:backgroundMark x1="1515" y1="63669" x2="4356" y2="36811"/>
+                        <a14:backgroundMark x1="4356" y1="36811" x2="568" y2="59353"/>
+                        <a14:backgroundMark x1="568" y1="59353" x2="28409" y2="46882"/>
+                        <a14:backgroundMark x1="28409" y1="46882" x2="18371" y2="40288"/>
+                        <a14:backgroundMark x1="26326" y1="49520" x2="56629" y2="57794"/>
+                        <a14:backgroundMark x1="56629" y1="57794" x2="24811" y2="58873"/>
+                        <a14:backgroundMark x1="24811" y1="58873" x2="79735" y2="59952"/>
+                        <a14:backgroundMark x1="79735" y1="59952" x2="66856" y2="41367"/>
+                        <a14:backgroundMark x1="66856" y1="41367" x2="98864" y2="51679"/>
+                        <a14:backgroundMark x1="98864" y1="51679" x2="67992" y2="52398"/>
+                        <a14:backgroundMark x1="67992" y1="52398" x2="95455" y2="63909"/>
+                        <a14:backgroundMark x1="95455" y1="63909" x2="70644" y2="51918"/>
+                        <a14:backgroundMark x1="70644" y1="51918" x2="92235" y2="58153"/>
+                        <a14:backgroundMark x1="90530" y1="57434" x2="76894" y2="34053"/>
+                        <a14:backgroundMark x1="76894" y1="34053" x2="93561" y2="55755"/>
+                        <a14:backgroundMark x1="93561" y1="55755" x2="91098" y2="46403"/>
+                        <a14:backgroundMark x1="45455" y1="56355" x2="36364" y2="49880"/>
+                        <a14:backgroundMark x1="18371" y1="46043" x2="2083" y2="63789"/>
+                        <a14:backgroundMark x1="2083" y1="63789" x2="3977" y2="44245"/>
+                        <a14:backgroundMark x1="3977" y1="44245" x2="6061" y2="44964"/>
+                        <a14:backgroundMark x1="7197" y1="56715" x2="44129" y2="51559"/>
+                        <a14:backgroundMark x1="44129" y1="51559" x2="12689" y2="48561"/>
+                        <a14:backgroundMark x1="12689" y1="48561" x2="4924" y2="43885"/>
+                        <a14:backgroundMark x1="13826" y1="61391" x2="23485" y2="62470"/>
+                        <a14:backgroundMark x1="13826" y1="61031" x2="46591" y2="61631"/>
+                        <a14:backgroundMark x1="46591" y1="61631" x2="91098" y2="58873"/>
+                        <a14:backgroundMark x1="17235" y1="49520" x2="379" y2="52038"/>
+                        <a14:backgroundMark x1="9470" y1="46403" x2="8902" y2="55276"/>
+                        <a14:backgroundMark x1="45455" y1="61031" x2="62879" y2="59233"/>
+                        <a14:backgroundMark x1="57197" y1="62710" x2="57197" y2="62710"/>
+                        <a14:backgroundMark x1="61174" y1="62110" x2="52841" y2="62470"/>
+                        <a14:backgroundMark x1="16098" y1="55995" x2="8333" y2="62110"/>
+                        <a14:backgroundMark x1="12879" y1="62710" x2="6629" y2="61031"/>
+                        <a14:backgroundMark x1="85985" y1="62710" x2="94508" y2="62470"/>
+                        <a14:backgroundMark x1="42045" y1="62470" x2="56061" y2="62110"/>
+                      </a14:backgroundRemoval>
+                    </a14:imgEffect>
+                  </a14:imgLayer>
+                </a14:imgProps>
+              </a:ext>
+              <a:ext uri="{28A0092B-C50C-407E-A947-70E740481C1C}">
+                <a14:useLocalDpi xmlns:a14="http://schemas.microsoft.com/office/drawing/2010/main" val="0"/>
+              </a:ext>
+            </a:extLst>
+          </a:blip>
+          <a:srcRect t="58946"/>
+          <a:stretch/>
+        </p:blipFill>
+        <p:spPr>
+          <a:xfrm>
+            <a:off x="8862185" y="5800452"/>
+            <a:ext cx="674914" cy="479782"/>
+          </a:xfrm>
+          <a:prstGeom prst="rect">
+            <a:avLst/>
+          </a:prstGeom>
+        </p:spPr>
+      </p:pic>
+      <p:pic>
+        <p:nvPicPr>
+          <p:cNvPr id="30" name="Imagem 29" descr="Desenho de personagem de desenho animado&#10;&#10;Descrição gerada automaticamente">
+            <a:extLst>
+              <a:ext uri="{FF2B5EF4-FFF2-40B4-BE49-F238E27FC236}">
+                <a16:creationId xmlns:a16="http://schemas.microsoft.com/office/drawing/2014/main" id="{F2047F47-D991-4462-90A7-23DD97286305}"/>
+              </a:ext>
+            </a:extLst>
+          </p:cNvPr>
+          <p:cNvPicPr>
+            <a:picLocks noChangeAspect="1"/>
+          </p:cNvPicPr>
+          <p:nvPr/>
+        </p:nvPicPr>
+        <p:blipFill>
+          <a:blip r:embed="rId22">
+            <a:extLst>
+              <a:ext uri="{BEBA8EAE-BF5A-486C-A8C5-ECC9F3942E4B}">
+                <a14:imgProps xmlns:a14="http://schemas.microsoft.com/office/drawing/2010/main">
+                  <a14:imgLayer r:embed="rId23">
+                    <a14:imgEffect>
+                      <a14:backgroundRemoval t="1319" b="99760" l="7576" r="96402">
+                        <a14:foregroundMark x1="55492" y1="18465" x2="55492" y2="18465"/>
+                        <a14:foregroundMark x1="41477" y1="11151" x2="50758" y2="25180"/>
+                        <a14:foregroundMark x1="40341" y1="9592" x2="25189" y2="26619"/>
+                        <a14:foregroundMark x1="26326" y1="27338" x2="78788" y2="31055"/>
+                        <a14:foregroundMark x1="78788" y1="31055" x2="47348" y2="8153"/>
+                        <a14:foregroundMark x1="56629" y1="6715" x2="56629" y2="6715"/>
+                        <a14:foregroundMark x1="46212" y1="6715" x2="48485" y2="4436"/>
+                        <a14:foregroundMark x1="57960" y1="64468" x2="60038" y2="79736"/>
+                        <a14:foregroundMark x1="84659" y1="91487" x2="70644" y2="95204"/>
+                        <a14:foregroundMark x1="71780" y1="95204" x2="71780" y2="95204"/>
+                        <a14:foregroundMark x1="24621" y1="93765" x2="24621" y2="93765"/>
+                        <a14:foregroundMark x1="20076" y1="99161" x2="20076" y2="99161"/>
+                        <a14:foregroundMark x1="49242" y1="74580" x2="49242" y2="74580"/>
+                        <a14:foregroundMark x1="79167" y1="99880" x2="79167" y2="99880"/>
+                        <a14:foregroundMark x1="49242" y1="1319" x2="49242" y2="1319"/>
+                        <a14:foregroundMark x1="50000" y1="64149" x2="50000" y2="64149"/>
+                        <a14:backgroundMark x1="31439" y1="48201" x2="31439" y2="48201"/>
+                        <a14:backgroundMark x1="25758" y1="55276" x2="25758" y2="55276"/>
+                        <a14:backgroundMark x1="8902" y1="49520" x2="26326" y2="47842"/>
+                        <a14:backgroundMark x1="58333" y1="52758" x2="25758" y2="51079"/>
+                        <a14:backgroundMark x1="25758" y1="51079" x2="64205" y2="55995"/>
+                        <a14:backgroundMark x1="64205" y1="55995" x2="27273" y2="55156"/>
+                        <a14:backgroundMark x1="27273" y1="55156" x2="91667" y2="52758"/>
+                        <a14:backgroundMark x1="91667" y1="52758" x2="92235" y2="52758"/>
+                        <a14:backgroundMark x1="84848" y1="53477" x2="86553" y2="52038"/>
+                        <a14:backgroundMark x1="81439" y1="46403" x2="49811" y2="45204"/>
+                        <a14:backgroundMark x1="49811" y1="45204" x2="70265" y2="47122"/>
+                        <a14:backgroundMark x1="18371" y1="42806" x2="1515" y2="63669"/>
+                        <a14:backgroundMark x1="1515" y1="63669" x2="4356" y2="36811"/>
+                        <a14:backgroundMark x1="4356" y1="36811" x2="568" y2="59353"/>
+                        <a14:backgroundMark x1="568" y1="59353" x2="28409" y2="46882"/>
+                        <a14:backgroundMark x1="28409" y1="46882" x2="18371" y2="40288"/>
+                        <a14:backgroundMark x1="26326" y1="49520" x2="56629" y2="57794"/>
+                        <a14:backgroundMark x1="56629" y1="57794" x2="24811" y2="58873"/>
+                        <a14:backgroundMark x1="24811" y1="58873" x2="79735" y2="59952"/>
+                        <a14:backgroundMark x1="79735" y1="59952" x2="66856" y2="41367"/>
+                        <a14:backgroundMark x1="66856" y1="41367" x2="98864" y2="51679"/>
+                        <a14:backgroundMark x1="98864" y1="51679" x2="67992" y2="52398"/>
+                        <a14:backgroundMark x1="67992" y1="52398" x2="95455" y2="63909"/>
+                        <a14:backgroundMark x1="95455" y1="63909" x2="70644" y2="51918"/>
+                        <a14:backgroundMark x1="70644" y1="51918" x2="92235" y2="58153"/>
+                        <a14:backgroundMark x1="90530" y1="57434" x2="76894" y2="34053"/>
+                        <a14:backgroundMark x1="76894" y1="34053" x2="93561" y2="55755"/>
+                        <a14:backgroundMark x1="93561" y1="55755" x2="91098" y2="46403"/>
+                        <a14:backgroundMark x1="45455" y1="56355" x2="36364" y2="49880"/>
+                        <a14:backgroundMark x1="18371" y1="46043" x2="2083" y2="63789"/>
+                        <a14:backgroundMark x1="2083" y1="63789" x2="3977" y2="44245"/>
+                        <a14:backgroundMark x1="3977" y1="44245" x2="6061" y2="44964"/>
+                        <a14:backgroundMark x1="7197" y1="56715" x2="44129" y2="51559"/>
+                        <a14:backgroundMark x1="44129" y1="51559" x2="12689" y2="48561"/>
+                        <a14:backgroundMark x1="12689" y1="48561" x2="4924" y2="43885"/>
+                        <a14:backgroundMark x1="13826" y1="61391" x2="23485" y2="62470"/>
+                        <a14:backgroundMark x1="13826" y1="61031" x2="46591" y2="61631"/>
+                        <a14:backgroundMark x1="46591" y1="61631" x2="91098" y2="58873"/>
+                        <a14:backgroundMark x1="17235" y1="49520" x2="379" y2="52038"/>
+                        <a14:backgroundMark x1="9470" y1="46403" x2="8902" y2="55276"/>
+                        <a14:backgroundMark x1="45455" y1="61031" x2="62879" y2="59233"/>
+                        <a14:backgroundMark x1="57197" y1="62710" x2="57197" y2="62710"/>
+                        <a14:backgroundMark x1="61174" y1="62110" x2="52841" y2="62470"/>
+                        <a14:backgroundMark x1="16098" y1="55995" x2="8333" y2="62110"/>
+                        <a14:backgroundMark x1="12879" y1="62710" x2="6629" y2="61031"/>
+                        <a14:backgroundMark x1="85985" y1="62710" x2="94508" y2="62470"/>
+                        <a14:backgroundMark x1="42045" y1="62470" x2="56061" y2="62110"/>
+                      </a14:backgroundRemoval>
+                    </a14:imgEffect>
+                  </a14:imgLayer>
+                </a14:imgProps>
+              </a:ext>
+              <a:ext uri="{28A0092B-C50C-407E-A947-70E740481C1C}">
+                <a14:useLocalDpi xmlns:a14="http://schemas.microsoft.com/office/drawing/2010/main" val="0"/>
+              </a:ext>
+            </a:extLst>
+          </a:blip>
+          <a:stretch>
+            <a:fillRect/>
+          </a:stretch>
+        </p:blipFill>
+        <p:spPr>
+          <a:xfrm>
+            <a:off x="7953203" y="5111556"/>
+            <a:ext cx="739882" cy="1168678"/>
+          </a:xfrm>
+          <a:prstGeom prst="rect">
+            <a:avLst/>
+          </a:prstGeom>
+        </p:spPr>
+      </p:pic>
+      <p:pic>
+        <p:nvPicPr>
+          <p:cNvPr id="32" name="Imagem 31">
+            <a:extLst>
+              <a:ext uri="{FF2B5EF4-FFF2-40B4-BE49-F238E27FC236}">
+                <a16:creationId xmlns:a16="http://schemas.microsoft.com/office/drawing/2014/main" id="{54062522-DAD2-4BD4-97E0-ED972EBCBCAB}"/>
+              </a:ext>
+            </a:extLst>
+          </p:cNvPr>
+          <p:cNvPicPr>
+            <a:picLocks noChangeAspect="1"/>
+          </p:cNvPicPr>
+          <p:nvPr/>
+        </p:nvPicPr>
+        <p:blipFill rotWithShape="1">
+          <a:blip r:embed="rId24">
+            <a:extLst>
+              <a:ext uri="{BEBA8EAE-BF5A-486C-A8C5-ECC9F3942E4B}">
+                <a14:imgProps xmlns:a14="http://schemas.microsoft.com/office/drawing/2010/main">
+                  <a14:imgLayer r:embed="rId25">
+                    <a14:imgEffect>
+                      <a14:backgroundRemoval t="52538" b="94726" l="10000" r="90000">
+                        <a14:foregroundMark x1="58454" y1="66769" x2="58454" y2="66769"/>
+                        <a14:foregroundMark x1="78744" y1="67077" x2="78744" y2="67077"/>
+                        <a14:foregroundMark x1="85507" y1="67077" x2="85507" y2="67077"/>
+                      </a14:backgroundRemoval>
+                    </a14:imgEffect>
+                  </a14:imgLayer>
+                </a14:imgProps>
+              </a:ext>
+            </a:extLst>
+          </a:blip>
+          <a:srcRect t="47264"/>
+          <a:stretch/>
+        </p:blipFill>
+        <p:spPr>
+          <a:xfrm flipH="1">
+            <a:off x="9800483" y="4988301"/>
+            <a:ext cx="900812" cy="770576"/>
+          </a:xfrm>
+          <a:prstGeom prst="rect">
+            <a:avLst/>
+          </a:prstGeom>
+        </p:spPr>
+      </p:pic>
+      <p:grpSp>
+        <p:nvGrpSpPr>
+          <p:cNvPr id="37" name="Agrupar 36">
+            <a:extLst>
+              <a:ext uri="{FF2B5EF4-FFF2-40B4-BE49-F238E27FC236}">
+                <a16:creationId xmlns:a16="http://schemas.microsoft.com/office/drawing/2014/main" id="{1F0EDACA-D994-494A-A401-A5591B260956}"/>
+              </a:ext>
+            </a:extLst>
+          </p:cNvPr>
+          <p:cNvGrpSpPr/>
+          <p:nvPr/>
+        </p:nvGrpSpPr>
+        <p:grpSpPr>
+          <a:xfrm>
+            <a:off x="9102365" y="814989"/>
+            <a:ext cx="762000" cy="1204511"/>
+            <a:chOff x="7892612" y="3222530"/>
+            <a:chExt cx="808905" cy="1275121"/>
+          </a:xfrm>
+        </p:grpSpPr>
+        <p:pic>
+          <p:nvPicPr>
+            <p:cNvPr id="12" name="Imagem 11" descr="Uma imagem contendo computador, desenho&#10;&#10;Descrição gerada automaticamente">
+              <a:extLst>
+                <a:ext uri="{FF2B5EF4-FFF2-40B4-BE49-F238E27FC236}">
+                  <a16:creationId xmlns:a16="http://schemas.microsoft.com/office/drawing/2014/main" id="{8C45D62D-01AD-42E0-A341-1353A23C6143}"/>
+                </a:ext>
+              </a:extLst>
+            </p:cNvPr>
+            <p:cNvPicPr>
+              <a:picLocks noChangeAspect="1"/>
+            </p:cNvPicPr>
+            <p:nvPr/>
+          </p:nvPicPr>
+          <p:blipFill rotWithShape="1">
+            <a:blip r:embed="rId26">
+              <a:extLst>
+                <a:ext uri="{BEBA8EAE-BF5A-486C-A8C5-ECC9F3942E4B}">
+                  <a14:imgProps xmlns:a14="http://schemas.microsoft.com/office/drawing/2010/main">
+                    <a14:imgLayer r:embed="rId3">
+                      <a14:imgEffect>
+                        <a14:backgroundRemoval t="61852" b="77407" l="72292" r="80938">
+                          <a14:foregroundMark x1="75833" y1="77407" x2="75833" y2="77407"/>
+                          <a14:foregroundMark x1="76563" y1="61852" x2="76563" y2="61852"/>
+                          <a14:foregroundMark x1="78542" y1="77407" x2="78542" y2="77407"/>
+                        </a14:backgroundRemoval>
+                      </a14:imgEffect>
+                      <a14:imgEffect>
+                        <a14:sharpenSoften amount="25000"/>
+                      </a14:imgEffect>
+                      <a14:imgEffect>
+                        <a14:colorTemperature colorTemp="11200"/>
+                      </a14:imgEffect>
+                      <a14:imgEffect>
+                        <a14:brightnessContrast contrast="20000"/>
+                      </a14:imgEffect>
+                    </a14:imgLayer>
+                  </a14:imgProps>
+                </a:ext>
+                <a:ext uri="{28A0092B-C50C-407E-A947-70E740481C1C}">
+                  <a14:useLocalDpi xmlns:a14="http://schemas.microsoft.com/office/drawing/2010/main" val="0"/>
+                </a:ext>
+              </a:extLst>
+            </a:blip>
+            <a:srcRect l="72501" t="60472" r="19165" b="21009"/>
+            <a:stretch/>
+          </p:blipFill>
+          <p:spPr>
+            <a:xfrm flipH="1">
+              <a:off x="7921041" y="3496446"/>
+              <a:ext cx="762000" cy="952500"/>
+            </a:xfrm>
+            <a:prstGeom prst="rect">
+              <a:avLst/>
+            </a:prstGeom>
+          </p:spPr>
+        </p:pic>
+        <p:pic>
+          <p:nvPicPr>
+            <p:cNvPr id="33" name="Imagem 32">
+              <a:extLst>
+                <a:ext uri="{FF2B5EF4-FFF2-40B4-BE49-F238E27FC236}">
+                  <a16:creationId xmlns:a16="http://schemas.microsoft.com/office/drawing/2014/main" id="{6472EAFD-2D2C-4719-8BF9-79B28AB1CC65}"/>
+                </a:ext>
+              </a:extLst>
+            </p:cNvPr>
+            <p:cNvPicPr>
+              <a:picLocks noChangeAspect="1"/>
+            </p:cNvPicPr>
+            <p:nvPr/>
+          </p:nvPicPr>
+          <p:blipFill>
+            <a:blip r:embed="rId27">
+              <a:extLst>
+                <a:ext uri="{BEBA8EAE-BF5A-486C-A8C5-ECC9F3942E4B}">
+                  <a14:imgProps xmlns:a14="http://schemas.microsoft.com/office/drawing/2010/main">
+                    <a14:imgLayer r:embed="rId28">
+                      <a14:imgEffect>
+                        <a14:backgroundRemoval t="7500" b="94063" l="9360" r="90148">
+                          <a14:foregroundMark x1="48276" y1="28125" x2="48276" y2="28125"/>
+                          <a14:foregroundMark x1="69951" y1="23438" x2="69951" y2="23438"/>
+                          <a14:foregroundMark x1="64039" y1="17813" x2="61576" y2="16250"/>
+                          <a14:foregroundMark x1="73892" y1="17188" x2="67488" y2="16250"/>
+                          <a14:foregroundMark x1="72414" y1="19688" x2="64039" y2="17188"/>
+                          <a14:foregroundMark x1="73892" y1="21250" x2="65517" y2="18125"/>
+                          <a14:foregroundMark x1="60591" y1="67188" x2="60591" y2="67188"/>
+                          <a14:foregroundMark x1="79803" y1="67500" x2="79803" y2="67500"/>
+                          <a14:foregroundMark x1="40394" y1="91563" x2="40394" y2="91563"/>
+                          <a14:foregroundMark x1="69951" y1="7500" x2="69951" y2="7500"/>
+                          <a14:foregroundMark x1="39409" y1="94063" x2="39409" y2="94063"/>
+                          <a14:foregroundMark x1="90148" y1="29063" x2="90148" y2="29063"/>
+                          <a14:backgroundMark x1="87685" y1="40625" x2="55665" y2="41250"/>
+                          <a14:backgroundMark x1="78818" y1="41563" x2="90148" y2="43125"/>
+                          <a14:backgroundMark x1="46798" y1="53125" x2="35961" y2="38438"/>
+                          <a14:backgroundMark x1="60099" y1="55000" x2="85222" y2="49375"/>
+                          <a14:backgroundMark x1="17241" y1="45313" x2="31034" y2="45313"/>
+                          <a14:backgroundMark x1="31034" y1="42188" x2="30542" y2="42188"/>
+                          <a14:backgroundMark x1="19704" y1="95313" x2="19704" y2="95313"/>
+                        </a14:backgroundRemoval>
+                      </a14:imgEffect>
+                    </a14:imgLayer>
+                  </a14:imgProps>
+                </a:ext>
+              </a:extLst>
+            </a:blip>
+            <a:stretch>
+              <a:fillRect/>
+            </a:stretch>
+          </p:blipFill>
+          <p:spPr>
+            <a:xfrm flipH="1">
+              <a:off x="7892612" y="3222530"/>
+              <a:ext cx="808905" cy="1275121"/>
+            </a:xfrm>
+            <a:prstGeom prst="rect">
+              <a:avLst/>
+            </a:prstGeom>
+          </p:spPr>
+        </p:pic>
+      </p:grpSp>
+      <p:grpSp>
+        <p:nvGrpSpPr>
+          <p:cNvPr id="24" name="Agrupar 23">
+            <a:extLst>
+              <a:ext uri="{FF2B5EF4-FFF2-40B4-BE49-F238E27FC236}">
+                <a16:creationId xmlns:a16="http://schemas.microsoft.com/office/drawing/2014/main" id="{46509B29-663E-4C8C-B6EE-ACFFE8157D51}"/>
+              </a:ext>
+            </a:extLst>
+          </p:cNvPr>
+          <p:cNvGrpSpPr/>
+          <p:nvPr/>
+        </p:nvGrpSpPr>
+        <p:grpSpPr>
+          <a:xfrm>
+            <a:off x="7257753" y="1139191"/>
+            <a:ext cx="770844" cy="1169326"/>
+            <a:chOff x="7257753" y="1139191"/>
+            <a:chExt cx="770844" cy="1169326"/>
+          </a:xfrm>
+        </p:grpSpPr>
+        <p:pic>
+          <p:nvPicPr>
+            <p:cNvPr id="31" name="Imagem 30" descr="Uma imagem contendo caneca, luz&#10;&#10;Descrição gerada automaticamente">
+              <a:extLst>
+                <a:ext uri="{FF2B5EF4-FFF2-40B4-BE49-F238E27FC236}">
+                  <a16:creationId xmlns:a16="http://schemas.microsoft.com/office/drawing/2014/main" id="{5A686BFD-8B67-4F43-80C4-EE6CA27097C7}"/>
+                </a:ext>
+              </a:extLst>
+            </p:cNvPr>
+            <p:cNvPicPr>
+              <a:picLocks noChangeAspect="1"/>
+            </p:cNvPicPr>
+            <p:nvPr/>
+          </p:nvPicPr>
+          <p:blipFill rotWithShape="1">
+            <a:blip r:embed="rId6">
+              <a:extLst>
+                <a:ext uri="{28A0092B-C50C-407E-A947-70E740481C1C}">
+                  <a14:useLocalDpi xmlns:a14="http://schemas.microsoft.com/office/drawing/2010/main" val="0"/>
+                </a:ext>
+              </a:extLst>
+            </a:blip>
+            <a:srcRect b="16918"/>
+            <a:stretch/>
+          </p:blipFill>
+          <p:spPr>
+            <a:xfrm flipH="1">
+              <a:off x="7320030" y="1352596"/>
+              <a:ext cx="708567" cy="683575"/>
+            </a:xfrm>
+            <a:prstGeom prst="rect">
+              <a:avLst/>
+            </a:prstGeom>
+          </p:spPr>
+        </p:pic>
+        <p:pic>
+          <p:nvPicPr>
+            <p:cNvPr id="15" name="Imagem 14" descr="Desenho de personagem de desenho animado&#10;&#10;Descrição gerada automaticamente">
+              <a:extLst>
+                <a:ext uri="{FF2B5EF4-FFF2-40B4-BE49-F238E27FC236}">
+                  <a16:creationId xmlns:a16="http://schemas.microsoft.com/office/drawing/2014/main" id="{5064B1E5-67A4-4A1C-AA96-2C41CA546037}"/>
+                </a:ext>
+              </a:extLst>
+            </p:cNvPr>
+            <p:cNvPicPr>
+              <a:picLocks noChangeAspect="1"/>
+            </p:cNvPicPr>
+            <p:nvPr/>
+          </p:nvPicPr>
+          <p:blipFill rotWithShape="1">
+            <a:blip r:embed="rId29">
+              <a:extLst>
+                <a:ext uri="{BEBA8EAE-BF5A-486C-A8C5-ECC9F3942E4B}">
+                  <a14:imgProps xmlns:a14="http://schemas.microsoft.com/office/drawing/2010/main">
+                    <a14:imgLayer r:embed="rId23">
+                      <a14:imgEffect>
+                        <a14:backgroundRemoval t="1319" b="99760" l="7576" r="96402">
+                          <a14:foregroundMark x1="55492" y1="18465" x2="55492" y2="18465"/>
+                          <a14:foregroundMark x1="41477" y1="11151" x2="50758" y2="25180"/>
+                          <a14:foregroundMark x1="40341" y1="9592" x2="25189" y2="26619"/>
+                          <a14:foregroundMark x1="26326" y1="27338" x2="78788" y2="31055"/>
+                          <a14:foregroundMark x1="78788" y1="31055" x2="47348" y2="8153"/>
+                          <a14:foregroundMark x1="56629" y1="6715" x2="56629" y2="6715"/>
+                          <a14:foregroundMark x1="46212" y1="6715" x2="48485" y2="4436"/>
+                          <a14:foregroundMark x1="57960" y1="64468" x2="60038" y2="79736"/>
+                          <a14:foregroundMark x1="84659" y1="91487" x2="70644" y2="95204"/>
+                          <a14:foregroundMark x1="71780" y1="95204" x2="71780" y2="95204"/>
+                          <a14:foregroundMark x1="24621" y1="93765" x2="24621" y2="93765"/>
+                          <a14:foregroundMark x1="20076" y1="99161" x2="20076" y2="99161"/>
+                          <a14:foregroundMark x1="49242" y1="74580" x2="49242" y2="74580"/>
+                          <a14:foregroundMark x1="79167" y1="99880" x2="79167" y2="99880"/>
+                          <a14:foregroundMark x1="49242" y1="1319" x2="49242" y2="1319"/>
+                          <a14:foregroundMark x1="50000" y1="64149" x2="50000" y2="64149"/>
+                          <a14:backgroundMark x1="31439" y1="48201" x2="31439" y2="48201"/>
+                          <a14:backgroundMark x1="25758" y1="55276" x2="25758" y2="55276"/>
+                          <a14:backgroundMark x1="8902" y1="49520" x2="26326" y2="47842"/>
+                          <a14:backgroundMark x1="58333" y1="52758" x2="25758" y2="51079"/>
+                          <a14:backgroundMark x1="25758" y1="51079" x2="64205" y2="55995"/>
+                          <a14:backgroundMark x1="64205" y1="55995" x2="27273" y2="55156"/>
+                          <a14:backgroundMark x1="27273" y1="55156" x2="91667" y2="52758"/>
+                          <a14:backgroundMark x1="91667" y1="52758" x2="92235" y2="52758"/>
+                          <a14:backgroundMark x1="84848" y1="53477" x2="86553" y2="52038"/>
+                          <a14:backgroundMark x1="81439" y1="46403" x2="49811" y2="45204"/>
+                          <a14:backgroundMark x1="49811" y1="45204" x2="70265" y2="47122"/>
+                          <a14:backgroundMark x1="18371" y1="42806" x2="1515" y2="63669"/>
+                          <a14:backgroundMark x1="1515" y1="63669" x2="4356" y2="36811"/>
+                          <a14:backgroundMark x1="4356" y1="36811" x2="568" y2="59353"/>
+                          <a14:backgroundMark x1="568" y1="59353" x2="28409" y2="46882"/>
+                          <a14:backgroundMark x1="28409" y1="46882" x2="18371" y2="40288"/>
+                          <a14:backgroundMark x1="26326" y1="49520" x2="56629" y2="57794"/>
+                          <a14:backgroundMark x1="56629" y1="57794" x2="24811" y2="58873"/>
+                          <a14:backgroundMark x1="24811" y1="58873" x2="79735" y2="59952"/>
+                          <a14:backgroundMark x1="79735" y1="59952" x2="66856" y2="41367"/>
+                          <a14:backgroundMark x1="66856" y1="41367" x2="98864" y2="51679"/>
+                          <a14:backgroundMark x1="98864" y1="51679" x2="67992" y2="52398"/>
+                          <a14:backgroundMark x1="67992" y1="52398" x2="95455" y2="63909"/>
+                          <a14:backgroundMark x1="95455" y1="63909" x2="70644" y2="51918"/>
+                          <a14:backgroundMark x1="70644" y1="51918" x2="92235" y2="58153"/>
+                          <a14:backgroundMark x1="90530" y1="57434" x2="76894" y2="34053"/>
+                          <a14:backgroundMark x1="76894" y1="34053" x2="93561" y2="55755"/>
+                          <a14:backgroundMark x1="93561" y1="55755" x2="91098" y2="46403"/>
+                          <a14:backgroundMark x1="45455" y1="56355" x2="36364" y2="49880"/>
+                          <a14:backgroundMark x1="18371" y1="46043" x2="2083" y2="63789"/>
+                          <a14:backgroundMark x1="2083" y1="63789" x2="3977" y2="44245"/>
+                          <a14:backgroundMark x1="3977" y1="44245" x2="6061" y2="44964"/>
+                          <a14:backgroundMark x1="7197" y1="56715" x2="44129" y2="51559"/>
+                          <a14:backgroundMark x1="44129" y1="51559" x2="12689" y2="48561"/>
+                          <a14:backgroundMark x1="12689" y1="48561" x2="4924" y2="43885"/>
+                          <a14:backgroundMark x1="13826" y1="61391" x2="23485" y2="62470"/>
+                          <a14:backgroundMark x1="13826" y1="61031" x2="46591" y2="61631"/>
+                          <a14:backgroundMark x1="46591" y1="61631" x2="91098" y2="58873"/>
+                          <a14:backgroundMark x1="17235" y1="49520" x2="379" y2="52038"/>
+                          <a14:backgroundMark x1="9470" y1="46403" x2="8902" y2="55276"/>
+                          <a14:backgroundMark x1="45455" y1="61031" x2="62879" y2="59233"/>
+                          <a14:backgroundMark x1="57197" y1="62710" x2="57197" y2="62710"/>
+                          <a14:backgroundMark x1="61174" y1="62110" x2="52841" y2="62470"/>
+                          <a14:backgroundMark x1="16098" y1="55995" x2="8333" y2="62110"/>
+                          <a14:backgroundMark x1="12879" y1="62710" x2="6629" y2="61031"/>
+                          <a14:backgroundMark x1="85985" y1="62710" x2="94508" y2="62470"/>
+                          <a14:backgroundMark x1="42045" y1="62470" x2="56061" y2="62110"/>
+                        </a14:backgroundRemoval>
+                      </a14:imgEffect>
+                      <a14:imgEffect>
+                        <a14:colorTemperature colorTemp="5300"/>
+                      </a14:imgEffect>
+                      <a14:imgEffect>
+                        <a14:brightnessContrast contrast="-40000"/>
+                      </a14:imgEffect>
+                    </a14:imgLayer>
+                  </a14:imgProps>
+                </a:ext>
+                <a:ext uri="{28A0092B-C50C-407E-A947-70E740481C1C}">
+                  <a14:useLocalDpi xmlns:a14="http://schemas.microsoft.com/office/drawing/2010/main" val="0"/>
+                </a:ext>
+              </a:extLst>
+            </a:blip>
+            <a:srcRect b="63842"/>
+            <a:stretch/>
+          </p:blipFill>
+          <p:spPr>
+            <a:xfrm rot="471359">
+              <a:off x="7257753" y="1139191"/>
+              <a:ext cx="760000" cy="403212"/>
+            </a:xfrm>
+            <a:prstGeom prst="rect">
+              <a:avLst/>
+            </a:prstGeom>
+          </p:spPr>
+        </p:pic>
+        <p:pic>
+          <p:nvPicPr>
+            <p:cNvPr id="34" name="Imagem 33">
+              <a:extLst>
+                <a:ext uri="{FF2B5EF4-FFF2-40B4-BE49-F238E27FC236}">
+                  <a16:creationId xmlns:a16="http://schemas.microsoft.com/office/drawing/2014/main" id="{D5358951-5E7E-4708-993E-CAD509DE3D8C}"/>
+                </a:ext>
+              </a:extLst>
+            </p:cNvPr>
+            <p:cNvPicPr>
+              <a:picLocks noChangeAspect="1"/>
+            </p:cNvPicPr>
+            <p:nvPr/>
+          </p:nvPicPr>
+          <p:blipFill rotWithShape="1">
+            <a:blip r:embed="rId30">
+              <a:extLst>
+                <a:ext uri="{BEBA8EAE-BF5A-486C-A8C5-ECC9F3942E4B}">
+                  <a14:imgProps xmlns:a14="http://schemas.microsoft.com/office/drawing/2010/main">
+                    <a14:imgLayer r:embed="rId31">
+                      <a14:imgEffect>
+                        <a14:backgroundRemoval t="47331" b="88612" l="20297" r="82178">
+                          <a14:foregroundMark x1="83168" y1="54448" x2="83168" y2="54448"/>
+                          <a14:foregroundMark x1="24752" y1="47331" x2="24752" y2="47331"/>
+                          <a14:foregroundMark x1="35149" y1="86121" x2="35149" y2="86121"/>
+                          <a14:foregroundMark x1="36634" y1="88612" x2="36634" y2="88612"/>
+                          <a14:foregroundMark x1="67822" y1="85765" x2="67822" y2="85765"/>
+                        </a14:backgroundRemoval>
+                      </a14:imgEffect>
+                    </a14:imgLayer>
+                  </a14:imgProps>
+                </a:ext>
+              </a:extLst>
+            </a:blip>
+            <a:srcRect l="14271" t="43524" r="10835" b="6949"/>
+            <a:stretch/>
+          </p:blipFill>
+          <p:spPr>
+            <a:xfrm flipH="1">
+              <a:off x="7320029" y="1720583"/>
+              <a:ext cx="631385" cy="587934"/>
+            </a:xfrm>
+            <a:prstGeom prst="rect">
+              <a:avLst/>
+            </a:prstGeom>
+          </p:spPr>
+        </p:pic>
+      </p:grpSp>
+      <p:pic>
+        <p:nvPicPr>
+          <p:cNvPr id="17" name="Imagem 16">
+            <a:extLst>
+              <a:ext uri="{FF2B5EF4-FFF2-40B4-BE49-F238E27FC236}">
+                <a16:creationId xmlns:a16="http://schemas.microsoft.com/office/drawing/2014/main" id="{38526A95-D18E-4802-8BC2-5BB55BA5B137}"/>
+              </a:ext>
+            </a:extLst>
+          </p:cNvPr>
+          <p:cNvPicPr>
+            <a:picLocks noChangeAspect="1"/>
+          </p:cNvPicPr>
+          <p:nvPr/>
+        </p:nvPicPr>
+        <p:blipFill>
+          <a:blip r:embed="rId32">
+            <a:extLst>
+              <a:ext uri="{BEBA8EAE-BF5A-486C-A8C5-ECC9F3942E4B}">
+                <a14:imgProps xmlns:a14="http://schemas.microsoft.com/office/drawing/2010/main">
+                  <a14:imgLayer r:embed="rId33">
+                    <a14:imgEffect>
+                      <a14:colorTemperature colorTemp="5900"/>
+                    </a14:imgEffect>
+                    <a14:imgEffect>
+                      <a14:brightnessContrast contrast="40000"/>
+                    </a14:imgEffect>
+                  </a14:imgLayer>
+                </a14:imgProps>
+              </a:ext>
+              <a:ext uri="{28A0092B-C50C-407E-A947-70E740481C1C}">
+                <a14:useLocalDpi xmlns:a14="http://schemas.microsoft.com/office/drawing/2010/main" val="0"/>
+              </a:ext>
+            </a:extLst>
+          </a:blip>
+          <a:stretch>
+            <a:fillRect/>
+          </a:stretch>
+        </p:blipFill>
+        <p:spPr>
+          <a:xfrm>
+            <a:off x="5293862" y="363648"/>
+            <a:ext cx="831103" cy="474916"/>
+          </a:xfrm>
+          <a:prstGeom prst="rect">
+            <a:avLst/>
+          </a:prstGeom>
+        </p:spPr>
+      </p:pic>
+      <p:pic>
+        <p:nvPicPr>
+          <p:cNvPr id="35" name="Imagem 34">
+            <a:extLst>
+              <a:ext uri="{FF2B5EF4-FFF2-40B4-BE49-F238E27FC236}">
+                <a16:creationId xmlns:a16="http://schemas.microsoft.com/office/drawing/2014/main" id="{6170CB51-636B-42EE-8462-F095C23FC230}"/>
+              </a:ext>
+            </a:extLst>
+          </p:cNvPr>
+          <p:cNvPicPr>
+            <a:picLocks noChangeAspect="1"/>
+          </p:cNvPicPr>
+          <p:nvPr/>
+        </p:nvPicPr>
+        <p:blipFill>
+          <a:blip r:embed="rId34">
+            <a:extLst>
+              <a:ext uri="{BEBA8EAE-BF5A-486C-A8C5-ECC9F3942E4B}">
+                <a14:imgProps xmlns:a14="http://schemas.microsoft.com/office/drawing/2010/main">
+                  <a14:imgLayer r:embed="rId35">
+                    <a14:imgEffect>
+                      <a14:backgroundRemoval t="2273" b="88636" l="7792" r="92208">
+                        <a14:foregroundMark x1="93506" y1="81818" x2="93506" y2="81818"/>
+                        <a14:foregroundMark x1="71429" y1="86364" x2="68831" y2="86364"/>
+                        <a14:foregroundMark x1="54545" y1="6818" x2="54545" y2="6818"/>
+                        <a14:foregroundMark x1="72727" y1="84091" x2="72727" y2="84091"/>
+                        <a14:foregroundMark x1="71429" y1="84091" x2="71429" y2="84091"/>
+                        <a14:foregroundMark x1="7792" y1="79545" x2="7792" y2="79545"/>
+                        <a14:foregroundMark x1="35065" y1="86364" x2="32883" y2="86364"/>
+                        <a14:foregroundMark x1="19481" y1="86364" x2="19481" y2="86364"/>
+                        <a14:foregroundMark x1="24207" y1="86364" x2="23377" y2="86364"/>
+                        <a14:foregroundMark x1="10390" y1="79545" x2="10390" y2="79545"/>
+                        <a14:backgroundMark x1="20779" y1="88636" x2="20779" y2="88636"/>
+                        <a14:backgroundMark x1="6494" y1="68182" x2="6494" y2="68182"/>
+                        <a14:backgroundMark x1="3896" y1="75000" x2="3896" y2="75000"/>
+                        <a14:backgroundMark x1="31169" y1="97727" x2="31169" y2="97727"/>
+                        <a14:backgroundMark x1="28571" y1="90909" x2="28571" y2="90909"/>
+                        <a14:backgroundMark x1="35065" y1="90909" x2="28571" y2="95455"/>
+                      </a14:backgroundRemoval>
+                    </a14:imgEffect>
+                  </a14:imgLayer>
+                </a14:imgProps>
+              </a:ext>
+              <a:ext uri="{28A0092B-C50C-407E-A947-70E740481C1C}">
+                <a14:useLocalDpi xmlns:a14="http://schemas.microsoft.com/office/drawing/2010/main" val="0"/>
+              </a:ext>
+            </a:extLst>
+          </a:blip>
+          <a:stretch>
+            <a:fillRect/>
+          </a:stretch>
+        </p:blipFill>
+        <p:spPr>
+          <a:xfrm rot="303458">
+            <a:off x="11126857" y="5220398"/>
+            <a:ext cx="838444" cy="479111"/>
+          </a:xfrm>
+          <a:prstGeom prst="rect">
+            <a:avLst/>
+          </a:prstGeom>
+        </p:spPr>
+      </p:pic>
+      <p:grpSp>
+        <p:nvGrpSpPr>
+          <p:cNvPr id="42" name="Agrupar 41">
+            <a:extLst>
+              <a:ext uri="{FF2B5EF4-FFF2-40B4-BE49-F238E27FC236}">
+                <a16:creationId xmlns:a16="http://schemas.microsoft.com/office/drawing/2014/main" id="{8292976D-3490-4A6C-B03C-8476D50CC568}"/>
+              </a:ext>
+            </a:extLst>
+          </p:cNvPr>
+          <p:cNvGrpSpPr/>
+          <p:nvPr/>
+        </p:nvGrpSpPr>
+        <p:grpSpPr>
+          <a:xfrm>
+            <a:off x="8746249" y="2464373"/>
+            <a:ext cx="846332" cy="1360459"/>
+            <a:chOff x="6319331" y="2794128"/>
+            <a:chExt cx="846332" cy="1360459"/>
+          </a:xfrm>
+        </p:grpSpPr>
+        <p:pic>
+          <p:nvPicPr>
+            <p:cNvPr id="41" name="Imagem 40" descr="Uma imagem contendo computador, desenho&#10;&#10;Descrição gerada automaticamente">
+              <a:extLst>
+                <a:ext uri="{FF2B5EF4-FFF2-40B4-BE49-F238E27FC236}">
+                  <a16:creationId xmlns:a16="http://schemas.microsoft.com/office/drawing/2014/main" id="{C110FCB0-9E99-4477-B784-886AC9AC97AC}"/>
+                </a:ext>
+              </a:extLst>
+            </p:cNvPr>
+            <p:cNvPicPr>
+              <a:picLocks noChangeAspect="1"/>
+            </p:cNvPicPr>
+            <p:nvPr/>
+          </p:nvPicPr>
+          <p:blipFill rotWithShape="1">
+            <a:blip r:embed="rId2">
+              <a:extLst>
+                <a:ext uri="{BEBA8EAE-BF5A-486C-A8C5-ECC9F3942E4B}">
+                  <a14:imgProps xmlns:a14="http://schemas.microsoft.com/office/drawing/2010/main">
+                    <a14:imgLayer r:embed="rId3">
+                      <a14:imgEffect>
+                        <a14:backgroundRemoval t="41667" b="58148" l="43021" r="50417">
+                          <a14:foregroundMark x1="43125" y1="51111" x2="43125" y2="51111"/>
+                          <a14:foregroundMark x1="45625" y1="58148" x2="45625" y2="58148"/>
+                          <a14:foregroundMark x1="46458" y1="41667" x2="46458" y2="41667"/>
+                          <a14:foregroundMark x1="48958" y1="57222" x2="48958" y2="57222"/>
+                        </a14:backgroundRemoval>
+                      </a14:imgEffect>
+                      <a14:imgEffect>
+                        <a14:sharpenSoften amount="25000"/>
+                      </a14:imgEffect>
+                      <a14:imgEffect>
+                        <a14:colorTemperature colorTemp="7200"/>
+                      </a14:imgEffect>
+                      <a14:imgEffect>
+                        <a14:saturation sat="200000"/>
+                      </a14:imgEffect>
+                      <a14:imgEffect>
+                        <a14:brightnessContrast contrast="20000"/>
+                      </a14:imgEffect>
+                    </a14:imgLayer>
+                  </a14:imgProps>
+                </a:ext>
+                <a:ext uri="{28A0092B-C50C-407E-A947-70E740481C1C}">
+                  <a14:useLocalDpi xmlns:a14="http://schemas.microsoft.com/office/drawing/2010/main" val="0"/>
+                </a:ext>
+              </a:extLst>
+            </a:blip>
+            <a:srcRect l="42270" t="40234" r="49397" b="41247"/>
+            <a:stretch/>
+          </p:blipFill>
+          <p:spPr>
+            <a:xfrm flipH="1">
+              <a:off x="6361497" y="3135612"/>
+              <a:ext cx="762000" cy="952500"/>
+            </a:xfrm>
+            <a:prstGeom prst="rect">
+              <a:avLst/>
+            </a:prstGeom>
+          </p:spPr>
+        </p:pic>
+        <p:pic>
+          <p:nvPicPr>
+            <p:cNvPr id="21" name="Imagem 20">
+              <a:extLst>
+                <a:ext uri="{FF2B5EF4-FFF2-40B4-BE49-F238E27FC236}">
+                  <a16:creationId xmlns:a16="http://schemas.microsoft.com/office/drawing/2014/main" id="{962444D4-EBAE-44D8-9B26-44F4D2052326}"/>
+                </a:ext>
+              </a:extLst>
+            </p:cNvPr>
+            <p:cNvPicPr>
+              <a:picLocks noChangeAspect="1"/>
+            </p:cNvPicPr>
+            <p:nvPr/>
+          </p:nvPicPr>
+          <p:blipFill>
+            <a:blip r:embed="rId36">
+              <a:extLst>
+                <a:ext uri="{BEBA8EAE-BF5A-486C-A8C5-ECC9F3942E4B}">
+                  <a14:imgProps xmlns:a14="http://schemas.microsoft.com/office/drawing/2010/main">
+                    <a14:imgLayer r:embed="rId37">
+                      <a14:imgEffect>
+                        <a14:backgroundRemoval t="6105" b="94477" l="9346" r="89720">
+                          <a14:foregroundMark x1="49065" y1="10465" x2="49065" y2="10465"/>
+                          <a14:foregroundMark x1="72897" y1="90698" x2="72897" y2="90698"/>
+                          <a14:foregroundMark x1="44860" y1="91279" x2="44860" y2="91279"/>
+                          <a14:foregroundMark x1="40187" y1="94767" x2="40187" y2="94767"/>
+                          <a14:foregroundMark x1="49065" y1="6105" x2="49065" y2="6105"/>
+                          <a14:foregroundMark x1="56542" y1="6395" x2="56542" y2="6395"/>
+                          <a14:backgroundMark x1="25234" y1="47384" x2="21963" y2="66279"/>
+                          <a14:backgroundMark x1="25701" y1="59884" x2="71495" y2="51453"/>
+                        </a14:backgroundRemoval>
+                      </a14:imgEffect>
+                    </a14:imgLayer>
+                  </a14:imgProps>
+                </a:ext>
+              </a:extLst>
+            </a:blip>
+            <a:stretch>
+              <a:fillRect/>
+            </a:stretch>
+          </p:blipFill>
+          <p:spPr>
+            <a:xfrm flipH="1">
+              <a:off x="6319331" y="2794128"/>
+              <a:ext cx="846332" cy="1360459"/>
+            </a:xfrm>
+            <a:prstGeom prst="rect">
+              <a:avLst/>
+            </a:prstGeom>
+          </p:spPr>
+        </p:pic>
+      </p:grpSp>
+      <p:grpSp>
+        <p:nvGrpSpPr>
+          <p:cNvPr id="43" name="Agrupar 42">
+            <a:extLst>
+              <a:ext uri="{FF2B5EF4-FFF2-40B4-BE49-F238E27FC236}">
+                <a16:creationId xmlns:a16="http://schemas.microsoft.com/office/drawing/2014/main" id="{E285A047-4759-4DC3-BF00-C03EFCA26588}"/>
+              </a:ext>
+            </a:extLst>
+          </p:cNvPr>
+          <p:cNvGrpSpPr/>
+          <p:nvPr/>
+        </p:nvGrpSpPr>
+        <p:grpSpPr>
+          <a:xfrm flipH="1">
+            <a:off x="7864253" y="2474742"/>
+            <a:ext cx="846332" cy="1360459"/>
+            <a:chOff x="6319331" y="2794128"/>
+            <a:chExt cx="846332" cy="1360459"/>
+          </a:xfrm>
+        </p:grpSpPr>
+        <p:pic>
+          <p:nvPicPr>
+            <p:cNvPr id="44" name="Imagem 43" descr="Uma imagem contendo computador, desenho&#10;&#10;Descrição gerada automaticamente">
+              <a:extLst>
+                <a:ext uri="{FF2B5EF4-FFF2-40B4-BE49-F238E27FC236}">
+                  <a16:creationId xmlns:a16="http://schemas.microsoft.com/office/drawing/2014/main" id="{06C0EF50-FE76-48D3-A627-F55922C90E61}"/>
+                </a:ext>
+              </a:extLst>
+            </p:cNvPr>
+            <p:cNvPicPr>
+              <a:picLocks noChangeAspect="1"/>
+            </p:cNvPicPr>
+            <p:nvPr/>
+          </p:nvPicPr>
+          <p:blipFill rotWithShape="1">
+            <a:blip r:embed="rId2">
+              <a:extLst>
+                <a:ext uri="{BEBA8EAE-BF5A-486C-A8C5-ECC9F3942E4B}">
+                  <a14:imgProps xmlns:a14="http://schemas.microsoft.com/office/drawing/2010/main">
+                    <a14:imgLayer r:embed="rId3">
+                      <a14:imgEffect>
+                        <a14:backgroundRemoval t="41667" b="58148" l="43021" r="50417">
+                          <a14:foregroundMark x1="43125" y1="51111" x2="43125" y2="51111"/>
+                          <a14:foregroundMark x1="45625" y1="58148" x2="45625" y2="58148"/>
+                          <a14:foregroundMark x1="46458" y1="41667" x2="46458" y2="41667"/>
+                          <a14:foregroundMark x1="48958" y1="57222" x2="48958" y2="57222"/>
+                        </a14:backgroundRemoval>
+                      </a14:imgEffect>
+                      <a14:imgEffect>
+                        <a14:sharpenSoften amount="25000"/>
+                      </a14:imgEffect>
+                      <a14:imgEffect>
+                        <a14:colorTemperature colorTemp="7200"/>
+                      </a14:imgEffect>
+                      <a14:imgEffect>
+                        <a14:saturation sat="200000"/>
+                      </a14:imgEffect>
+                      <a14:imgEffect>
+                        <a14:brightnessContrast contrast="20000"/>
+                      </a14:imgEffect>
+                    </a14:imgLayer>
+                  </a14:imgProps>
+                </a:ext>
+                <a:ext uri="{28A0092B-C50C-407E-A947-70E740481C1C}">
+                  <a14:useLocalDpi xmlns:a14="http://schemas.microsoft.com/office/drawing/2010/main" val="0"/>
+                </a:ext>
+              </a:extLst>
+            </a:blip>
+            <a:srcRect l="42270" t="40234" r="49397" b="41247"/>
+            <a:stretch/>
+          </p:blipFill>
+          <p:spPr>
+            <a:xfrm flipH="1">
+              <a:off x="6361497" y="3135612"/>
+              <a:ext cx="762000" cy="952500"/>
+            </a:xfrm>
+            <a:prstGeom prst="rect">
+              <a:avLst/>
+            </a:prstGeom>
+          </p:spPr>
+        </p:pic>
+        <p:pic>
+          <p:nvPicPr>
+            <p:cNvPr id="45" name="Imagem 44">
+              <a:extLst>
+                <a:ext uri="{FF2B5EF4-FFF2-40B4-BE49-F238E27FC236}">
+                  <a16:creationId xmlns:a16="http://schemas.microsoft.com/office/drawing/2014/main" id="{D5B642DD-671C-4E3F-94EF-57A07C5E8DD3}"/>
+                </a:ext>
+              </a:extLst>
+            </p:cNvPr>
+            <p:cNvPicPr>
+              <a:picLocks noChangeAspect="1"/>
+            </p:cNvPicPr>
+            <p:nvPr/>
+          </p:nvPicPr>
+          <p:blipFill>
+            <a:blip r:embed="rId36">
+              <a:extLst>
+                <a:ext uri="{BEBA8EAE-BF5A-486C-A8C5-ECC9F3942E4B}">
+                  <a14:imgProps xmlns:a14="http://schemas.microsoft.com/office/drawing/2010/main">
+                    <a14:imgLayer r:embed="rId37">
+                      <a14:imgEffect>
+                        <a14:backgroundRemoval t="6105" b="94477" l="9346" r="89720">
+                          <a14:foregroundMark x1="49065" y1="10465" x2="49065" y2="10465"/>
+                          <a14:foregroundMark x1="72897" y1="90698" x2="72897" y2="90698"/>
+                          <a14:foregroundMark x1="44860" y1="91279" x2="44860" y2="91279"/>
+                          <a14:foregroundMark x1="40187" y1="94767" x2="40187" y2="94767"/>
+                          <a14:foregroundMark x1="49065" y1="6105" x2="49065" y2="6105"/>
+                          <a14:foregroundMark x1="56542" y1="6395" x2="56542" y2="6395"/>
+                          <a14:backgroundMark x1="25234" y1="47384" x2="21963" y2="66279"/>
+                          <a14:backgroundMark x1="25701" y1="59884" x2="71495" y2="51453"/>
+                        </a14:backgroundRemoval>
+                      </a14:imgEffect>
+                    </a14:imgLayer>
+                  </a14:imgProps>
+                </a:ext>
+              </a:extLst>
+            </a:blip>
+            <a:stretch>
+              <a:fillRect/>
+            </a:stretch>
+          </p:blipFill>
+          <p:spPr>
+            <a:xfrm flipH="1">
+              <a:off x="6319331" y="2794128"/>
+              <a:ext cx="846332" cy="1360459"/>
+            </a:xfrm>
+            <a:prstGeom prst="rect">
+              <a:avLst/>
+            </a:prstGeom>
+          </p:spPr>
+        </p:pic>
+      </p:grpSp>
+      <p:grpSp>
+        <p:nvGrpSpPr>
+          <p:cNvPr id="47" name="Agrupar 46">
+            <a:extLst>
+              <a:ext uri="{FF2B5EF4-FFF2-40B4-BE49-F238E27FC236}">
+                <a16:creationId xmlns:a16="http://schemas.microsoft.com/office/drawing/2014/main" id="{054E812F-1B05-49C4-BAA0-F635F288D8DD}"/>
+              </a:ext>
+            </a:extLst>
+          </p:cNvPr>
+          <p:cNvGrpSpPr/>
+          <p:nvPr/>
+        </p:nvGrpSpPr>
+        <p:grpSpPr>
+          <a:xfrm>
+            <a:off x="6230238" y="2544517"/>
+            <a:ext cx="762000" cy="1168679"/>
+            <a:chOff x="6471511" y="2532064"/>
+            <a:chExt cx="762000" cy="1168679"/>
+          </a:xfrm>
+        </p:grpSpPr>
+        <p:pic>
+          <p:nvPicPr>
+            <p:cNvPr id="46" name="Imagem 45" descr="Uma imagem contendo computador, desenho&#10;&#10;Descrição gerada automaticamente">
+              <a:extLst>
+                <a:ext uri="{FF2B5EF4-FFF2-40B4-BE49-F238E27FC236}">
+                  <a16:creationId xmlns:a16="http://schemas.microsoft.com/office/drawing/2014/main" id="{B29C0059-75A1-4315-AA1C-DB57ED7F9CB9}"/>
+                </a:ext>
+              </a:extLst>
+            </p:cNvPr>
+            <p:cNvPicPr>
+              <a:picLocks noChangeAspect="1"/>
+            </p:cNvPicPr>
+            <p:nvPr/>
+          </p:nvPicPr>
+          <p:blipFill rotWithShape="1">
+            <a:blip r:embed="rId4">
+              <a:extLst>
+                <a:ext uri="{BEBA8EAE-BF5A-486C-A8C5-ECC9F3942E4B}">
+                  <a14:imgProps xmlns:a14="http://schemas.microsoft.com/office/drawing/2010/main">
+                    <a14:imgLayer r:embed="rId3">
+                      <a14:imgEffect>
+                        <a14:backgroundRemoval t="60889" b="81629" l="31900" r="41100"/>
+                      </a14:imgEffect>
+                      <a14:imgEffect>
+                        <a14:sharpenSoften amount="25000"/>
+                      </a14:imgEffect>
+                      <a14:imgEffect>
+                        <a14:colorTemperature colorTemp="7200"/>
+                      </a14:imgEffect>
+                      <a14:imgEffect>
+                        <a14:brightnessContrast contrast="20000"/>
+                      </a14:imgEffect>
+                    </a14:imgLayer>
+                  </a14:imgProps>
+                </a:ext>
+                <a:ext uri="{28A0092B-C50C-407E-A947-70E740481C1C}">
+                  <a14:useLocalDpi xmlns:a14="http://schemas.microsoft.com/office/drawing/2010/main" val="0"/>
+                </a:ext>
+              </a:extLst>
+            </a:blip>
+            <a:srcRect l="32737" t="60557" r="58930" b="20924"/>
+            <a:stretch/>
+          </p:blipFill>
+          <p:spPr>
+            <a:xfrm>
+              <a:off x="6471511" y="2741362"/>
+              <a:ext cx="762000" cy="952500"/>
+            </a:xfrm>
+            <a:prstGeom prst="rect">
+              <a:avLst/>
+            </a:prstGeom>
+          </p:spPr>
+        </p:pic>
+        <p:pic>
+          <p:nvPicPr>
+            <p:cNvPr id="22" name="Imagem 21">
+              <a:extLst>
+                <a:ext uri="{FF2B5EF4-FFF2-40B4-BE49-F238E27FC236}">
+                  <a16:creationId xmlns:a16="http://schemas.microsoft.com/office/drawing/2014/main" id="{B3503972-2C78-4821-BB3E-8247F35F3B88}"/>
+                </a:ext>
+              </a:extLst>
+            </p:cNvPr>
+            <p:cNvPicPr>
+              <a:picLocks noChangeAspect="1"/>
+            </p:cNvPicPr>
+            <p:nvPr/>
+          </p:nvPicPr>
+          <p:blipFill>
+            <a:blip r:embed="rId38">
+              <a:extLst>
+                <a:ext uri="{BEBA8EAE-BF5A-486C-A8C5-ECC9F3942E4B}">
+                  <a14:imgProps xmlns:a14="http://schemas.microsoft.com/office/drawing/2010/main">
+                    <a14:imgLayer r:embed="rId39">
+                      <a14:imgEffect>
+                        <a14:backgroundRemoval t="8197" b="97705" l="9645" r="89848">
+                          <a14:foregroundMark x1="37056" y1="92787" x2="37056" y2="92787"/>
+                          <a14:foregroundMark x1="59391" y1="10492" x2="59391" y2="10492"/>
+                          <a14:foregroundMark x1="57868" y1="21967" x2="57868" y2="21967"/>
+                          <a14:foregroundMark x1="34010" y1="97705" x2="34010" y2="97705"/>
+                          <a14:foregroundMark x1="62437" y1="8197" x2="62437" y2="8197"/>
+                          <a14:foregroundMark x1="76142" y1="69180" x2="76142" y2="69180"/>
+                          <a14:backgroundMark x1="28934" y1="45246" x2="40609" y2="49180"/>
+                        </a14:backgroundRemoval>
+                      </a14:imgEffect>
+                    </a14:imgLayer>
+                  </a14:imgProps>
+                </a:ext>
+              </a:extLst>
+            </a:blip>
+            <a:stretch>
+              <a:fillRect/>
+            </a:stretch>
+          </p:blipFill>
+          <p:spPr>
+            <a:xfrm>
+              <a:off x="6478590" y="2532064"/>
+              <a:ext cx="754851" cy="1168679"/>
+            </a:xfrm>
+            <a:prstGeom prst="rect">
+              <a:avLst/>
+            </a:prstGeom>
+          </p:spPr>
+        </p:pic>
+      </p:grpSp>
+      <p:grpSp>
+        <p:nvGrpSpPr>
+          <p:cNvPr id="48" name="Agrupar 47">
+            <a:extLst>
+              <a:ext uri="{FF2B5EF4-FFF2-40B4-BE49-F238E27FC236}">
+                <a16:creationId xmlns:a16="http://schemas.microsoft.com/office/drawing/2014/main" id="{08F4BF53-8593-41F1-A295-8464CED75938}"/>
+              </a:ext>
+            </a:extLst>
+          </p:cNvPr>
+          <p:cNvGrpSpPr/>
+          <p:nvPr/>
+        </p:nvGrpSpPr>
+        <p:grpSpPr>
+          <a:xfrm flipH="1">
+            <a:off x="7003806" y="2512545"/>
+            <a:ext cx="762000" cy="1168679"/>
+            <a:chOff x="6471511" y="2532064"/>
+            <a:chExt cx="762000" cy="1168679"/>
+          </a:xfrm>
+        </p:grpSpPr>
+        <p:pic>
+          <p:nvPicPr>
+            <p:cNvPr id="49" name="Imagem 48" descr="Uma imagem contendo computador, desenho&#10;&#10;Descrição gerada automaticamente">
+              <a:extLst>
+                <a:ext uri="{FF2B5EF4-FFF2-40B4-BE49-F238E27FC236}">
+                  <a16:creationId xmlns:a16="http://schemas.microsoft.com/office/drawing/2014/main" id="{CBC1E122-C7C7-48B7-B8E2-A7AA40980C1C}"/>
+                </a:ext>
+              </a:extLst>
+            </p:cNvPr>
+            <p:cNvPicPr>
+              <a:picLocks noChangeAspect="1"/>
+            </p:cNvPicPr>
+            <p:nvPr/>
+          </p:nvPicPr>
+          <p:blipFill rotWithShape="1">
+            <a:blip r:embed="rId4">
+              <a:extLst>
+                <a:ext uri="{BEBA8EAE-BF5A-486C-A8C5-ECC9F3942E4B}">
+                  <a14:imgProps xmlns:a14="http://schemas.microsoft.com/office/drawing/2010/main">
+                    <a14:imgLayer r:embed="rId3">
+                      <a14:imgEffect>
+                        <a14:backgroundRemoval t="60889" b="81629" l="31900" r="41100"/>
+                      </a14:imgEffect>
+                      <a14:imgEffect>
+                        <a14:sharpenSoften amount="25000"/>
+                      </a14:imgEffect>
+                      <a14:imgEffect>
+                        <a14:colorTemperature colorTemp="7200"/>
+                      </a14:imgEffect>
+                      <a14:imgEffect>
+                        <a14:brightnessContrast contrast="20000"/>
+                      </a14:imgEffect>
+                    </a14:imgLayer>
+                  </a14:imgProps>
+                </a:ext>
+                <a:ext uri="{28A0092B-C50C-407E-A947-70E740481C1C}">
+                  <a14:useLocalDpi xmlns:a14="http://schemas.microsoft.com/office/drawing/2010/main" val="0"/>
+                </a:ext>
+              </a:extLst>
+            </a:blip>
+            <a:srcRect l="32737" t="60557" r="58930" b="20924"/>
+            <a:stretch/>
+          </p:blipFill>
+          <p:spPr>
+            <a:xfrm>
+              <a:off x="6471511" y="2741362"/>
+              <a:ext cx="762000" cy="952500"/>
+            </a:xfrm>
+            <a:prstGeom prst="rect">
+              <a:avLst/>
+            </a:prstGeom>
+          </p:spPr>
+        </p:pic>
+        <p:pic>
+          <p:nvPicPr>
+            <p:cNvPr id="50" name="Imagem 49">
+              <a:extLst>
+                <a:ext uri="{FF2B5EF4-FFF2-40B4-BE49-F238E27FC236}">
+                  <a16:creationId xmlns:a16="http://schemas.microsoft.com/office/drawing/2014/main" id="{122C8C03-F5EB-4237-9BC1-B18E15EA932F}"/>
+                </a:ext>
+              </a:extLst>
+            </p:cNvPr>
+            <p:cNvPicPr>
+              <a:picLocks noChangeAspect="1"/>
+            </p:cNvPicPr>
+            <p:nvPr/>
+          </p:nvPicPr>
+          <p:blipFill>
+            <a:blip r:embed="rId38">
+              <a:extLst>
+                <a:ext uri="{BEBA8EAE-BF5A-486C-A8C5-ECC9F3942E4B}">
+                  <a14:imgProps xmlns:a14="http://schemas.microsoft.com/office/drawing/2010/main">
+                    <a14:imgLayer r:embed="rId39">
+                      <a14:imgEffect>
+                        <a14:backgroundRemoval t="8197" b="97705" l="9645" r="89848">
+                          <a14:foregroundMark x1="37056" y1="92787" x2="37056" y2="92787"/>
+                          <a14:foregroundMark x1="59391" y1="10492" x2="59391" y2="10492"/>
+                          <a14:foregroundMark x1="57868" y1="21967" x2="57868" y2="21967"/>
+                          <a14:foregroundMark x1="34010" y1="97705" x2="34010" y2="97705"/>
+                          <a14:foregroundMark x1="62437" y1="8197" x2="62437" y2="8197"/>
+                          <a14:foregroundMark x1="76142" y1="69180" x2="76142" y2="69180"/>
+                          <a14:backgroundMark x1="28934" y1="45246" x2="40609" y2="49180"/>
+                        </a14:backgroundRemoval>
+                      </a14:imgEffect>
+                    </a14:imgLayer>
+                  </a14:imgProps>
+                </a:ext>
+              </a:extLst>
+            </a:blip>
+            <a:stretch>
+              <a:fillRect/>
+            </a:stretch>
+          </p:blipFill>
+          <p:spPr>
+            <a:xfrm>
+              <a:off x="6478590" y="2532064"/>
+              <a:ext cx="754851" cy="1168679"/>
+            </a:xfrm>
+            <a:prstGeom prst="rect">
+              <a:avLst/>
+            </a:prstGeom>
+          </p:spPr>
+        </p:pic>
+      </p:grpSp>
+      <p:grpSp>
+        <p:nvGrpSpPr>
+          <p:cNvPr id="51" name="Agrupar 50">
+            <a:extLst>
+              <a:ext uri="{FF2B5EF4-FFF2-40B4-BE49-F238E27FC236}">
+                <a16:creationId xmlns:a16="http://schemas.microsoft.com/office/drawing/2014/main" id="{3589EB6E-7322-4E3D-B611-E693A24511CA}"/>
+              </a:ext>
+            </a:extLst>
+          </p:cNvPr>
+          <p:cNvGrpSpPr/>
+          <p:nvPr/>
+        </p:nvGrpSpPr>
+        <p:grpSpPr>
+          <a:xfrm flipH="1">
+            <a:off x="8306933" y="814989"/>
+            <a:ext cx="762000" cy="1204511"/>
+            <a:chOff x="7892612" y="3222530"/>
+            <a:chExt cx="808905" cy="1275121"/>
+          </a:xfrm>
+        </p:grpSpPr>
+        <p:pic>
+          <p:nvPicPr>
+            <p:cNvPr id="52" name="Imagem 51" descr="Uma imagem contendo computador, desenho&#10;&#10;Descrição gerada automaticamente">
+              <a:extLst>
+                <a:ext uri="{FF2B5EF4-FFF2-40B4-BE49-F238E27FC236}">
+                  <a16:creationId xmlns:a16="http://schemas.microsoft.com/office/drawing/2014/main" id="{69E54472-4579-46AC-B426-52D9631A5850}"/>
+                </a:ext>
+              </a:extLst>
+            </p:cNvPr>
+            <p:cNvPicPr>
+              <a:picLocks noChangeAspect="1"/>
+            </p:cNvPicPr>
+            <p:nvPr/>
+          </p:nvPicPr>
+          <p:blipFill rotWithShape="1">
+            <a:blip r:embed="rId26">
+              <a:extLst>
+                <a:ext uri="{BEBA8EAE-BF5A-486C-A8C5-ECC9F3942E4B}">
+                  <a14:imgProps xmlns:a14="http://schemas.microsoft.com/office/drawing/2010/main">
+                    <a14:imgLayer r:embed="rId3">
+                      <a14:imgEffect>
+                        <a14:backgroundRemoval t="61852" b="77407" l="72292" r="80938">
+                          <a14:foregroundMark x1="75833" y1="77407" x2="75833" y2="77407"/>
+                          <a14:foregroundMark x1="76563" y1="61852" x2="76563" y2="61852"/>
+                          <a14:foregroundMark x1="78542" y1="77407" x2="78542" y2="77407"/>
+                        </a14:backgroundRemoval>
+                      </a14:imgEffect>
+                      <a14:imgEffect>
+                        <a14:sharpenSoften amount="25000"/>
+                      </a14:imgEffect>
+                      <a14:imgEffect>
+                        <a14:colorTemperature colorTemp="11200"/>
+                      </a14:imgEffect>
+                      <a14:imgEffect>
+                        <a14:brightnessContrast contrast="20000"/>
+                      </a14:imgEffect>
+                    </a14:imgLayer>
+                  </a14:imgProps>
+                </a:ext>
+                <a:ext uri="{28A0092B-C50C-407E-A947-70E740481C1C}">
+                  <a14:useLocalDpi xmlns:a14="http://schemas.microsoft.com/office/drawing/2010/main" val="0"/>
+                </a:ext>
+              </a:extLst>
+            </a:blip>
+            <a:srcRect l="72501" t="60472" r="19165" b="21009"/>
+            <a:stretch/>
+          </p:blipFill>
+          <p:spPr>
+            <a:xfrm flipH="1">
+              <a:off x="7921041" y="3496446"/>
+              <a:ext cx="762000" cy="952500"/>
+            </a:xfrm>
+            <a:prstGeom prst="rect">
+              <a:avLst/>
+            </a:prstGeom>
+          </p:spPr>
+        </p:pic>
+        <p:pic>
+          <p:nvPicPr>
+            <p:cNvPr id="53" name="Imagem 52">
+              <a:extLst>
+                <a:ext uri="{FF2B5EF4-FFF2-40B4-BE49-F238E27FC236}">
+                  <a16:creationId xmlns:a16="http://schemas.microsoft.com/office/drawing/2014/main" id="{074F690A-2094-4204-B256-BD997BF86EFE}"/>
+                </a:ext>
+              </a:extLst>
+            </p:cNvPr>
+            <p:cNvPicPr>
+              <a:picLocks noChangeAspect="1"/>
+            </p:cNvPicPr>
+            <p:nvPr/>
+          </p:nvPicPr>
+          <p:blipFill>
+            <a:blip r:embed="rId27">
+              <a:extLst>
+                <a:ext uri="{BEBA8EAE-BF5A-486C-A8C5-ECC9F3942E4B}">
+                  <a14:imgProps xmlns:a14="http://schemas.microsoft.com/office/drawing/2010/main">
+                    <a14:imgLayer r:embed="rId28">
+                      <a14:imgEffect>
+                        <a14:backgroundRemoval t="7500" b="94063" l="9360" r="90148">
+                          <a14:foregroundMark x1="48276" y1="28125" x2="48276" y2="28125"/>
+                          <a14:foregroundMark x1="69951" y1="23438" x2="69951" y2="23438"/>
+                          <a14:foregroundMark x1="64039" y1="17813" x2="61576" y2="16250"/>
+                          <a14:foregroundMark x1="73892" y1="17188" x2="67488" y2="16250"/>
+                          <a14:foregroundMark x1="72414" y1="19688" x2="64039" y2="17188"/>
+                          <a14:foregroundMark x1="73892" y1="21250" x2="65517" y2="18125"/>
+                          <a14:foregroundMark x1="60591" y1="67188" x2="60591" y2="67188"/>
+                          <a14:foregroundMark x1="79803" y1="67500" x2="79803" y2="67500"/>
+                          <a14:foregroundMark x1="40394" y1="91563" x2="40394" y2="91563"/>
+                          <a14:foregroundMark x1="69951" y1="7500" x2="69951" y2="7500"/>
+                          <a14:foregroundMark x1="39409" y1="94063" x2="39409" y2="94063"/>
+                          <a14:foregroundMark x1="90148" y1="29063" x2="90148" y2="29063"/>
+                          <a14:backgroundMark x1="87685" y1="40625" x2="55665" y2="41250"/>
+                          <a14:backgroundMark x1="78818" y1="41563" x2="90148" y2="43125"/>
+                          <a14:backgroundMark x1="46798" y1="53125" x2="35961" y2="38438"/>
+                          <a14:backgroundMark x1="60099" y1="55000" x2="85222" y2="49375"/>
+                          <a14:backgroundMark x1="17241" y1="45313" x2="31034" y2="45313"/>
+                          <a14:backgroundMark x1="31034" y1="42188" x2="30542" y2="42188"/>
+                          <a14:backgroundMark x1="19704" y1="95313" x2="19704" y2="95313"/>
+                        </a14:backgroundRemoval>
+                      </a14:imgEffect>
+                    </a14:imgLayer>
+                  </a14:imgProps>
+                </a:ext>
+              </a:extLst>
+            </a:blip>
+            <a:stretch>
+              <a:fillRect/>
+            </a:stretch>
+          </p:blipFill>
+          <p:spPr>
+            <a:xfrm flipH="1">
+              <a:off x="7892612" y="3222530"/>
+              <a:ext cx="808905" cy="1275121"/>
+            </a:xfrm>
+            <a:prstGeom prst="rect">
+              <a:avLst/>
+            </a:prstGeom>
+          </p:spPr>
+        </p:pic>
+      </p:grpSp>
+      <p:grpSp>
+        <p:nvGrpSpPr>
+          <p:cNvPr id="55" name="Agrupar 54">
+            <a:extLst>
+              <a:ext uri="{FF2B5EF4-FFF2-40B4-BE49-F238E27FC236}">
+                <a16:creationId xmlns:a16="http://schemas.microsoft.com/office/drawing/2014/main" id="{CD1C18CC-417A-442B-B0D0-F57B5CD9E4B4}"/>
+              </a:ext>
+            </a:extLst>
+          </p:cNvPr>
+          <p:cNvGrpSpPr/>
+          <p:nvPr/>
+        </p:nvGrpSpPr>
+        <p:grpSpPr>
+          <a:xfrm flipH="1">
+            <a:off x="3898619" y="952774"/>
+            <a:ext cx="875480" cy="1334812"/>
+            <a:chOff x="2687985" y="2571930"/>
+            <a:chExt cx="875480" cy="1334812"/>
+          </a:xfrm>
+        </p:grpSpPr>
+        <p:pic>
+          <p:nvPicPr>
+            <p:cNvPr id="56" name="Imagem 55" descr="Uma imagem contendo computador, desenho&#10;&#10;Descrição gerada automaticamente">
+              <a:extLst>
+                <a:ext uri="{FF2B5EF4-FFF2-40B4-BE49-F238E27FC236}">
+                  <a16:creationId xmlns:a16="http://schemas.microsoft.com/office/drawing/2014/main" id="{865368CA-5DFF-47E6-8972-1C920027CC7A}"/>
+                </a:ext>
+              </a:extLst>
+            </p:cNvPr>
+            <p:cNvPicPr>
+              <a:picLocks noChangeAspect="1"/>
+            </p:cNvPicPr>
+            <p:nvPr/>
+          </p:nvPicPr>
+          <p:blipFill rotWithShape="1">
+            <a:blip r:embed="rId16">
+              <a:extLst>
+                <a:ext uri="{BEBA8EAE-BF5A-486C-A8C5-ECC9F3942E4B}">
+                  <a14:imgProps xmlns:a14="http://schemas.microsoft.com/office/drawing/2010/main">
+                    <a14:imgLayer r:embed="rId3">
+                      <a14:imgEffect>
+                        <a14:backgroundRemoval t="41852" b="58333" l="83229" r="90625">
+                          <a14:foregroundMark x1="86354" y1="41852" x2="86354" y2="41852"/>
+                          <a14:foregroundMark x1="85729" y1="58333" x2="85729" y2="58333"/>
+                          <a14:foregroundMark x1="83229" y1="49444" x2="83229" y2="49444"/>
+                          <a14:backgroundMark x1="85729" y1="58889" x2="85729" y2="58889"/>
+                          <a14:backgroundMark x1="85625" y1="58519" x2="85625" y2="58519"/>
+                        </a14:backgroundRemoval>
+                      </a14:imgEffect>
+                      <a14:imgEffect>
+                        <a14:sharpenSoften amount="25000"/>
+                      </a14:imgEffect>
+                      <a14:imgEffect>
+                        <a14:colorTemperature colorTemp="7200"/>
+                      </a14:imgEffect>
+                      <a14:imgEffect>
+                        <a14:saturation sat="200000"/>
+                      </a14:imgEffect>
+                      <a14:imgEffect>
+                        <a14:brightnessContrast contrast="20000"/>
+                      </a14:imgEffect>
+                    </a14:imgLayer>
+                  </a14:imgProps>
+                </a:ext>
+                <a:ext uri="{28A0092B-C50C-407E-A947-70E740481C1C}">
+                  <a14:useLocalDpi xmlns:a14="http://schemas.microsoft.com/office/drawing/2010/main" val="0"/>
+                </a:ext>
+              </a:extLst>
+            </a:blip>
+            <a:srcRect l="82446" t="40518" r="9220" b="40963"/>
+            <a:stretch/>
+          </p:blipFill>
+          <p:spPr>
+            <a:xfrm flipH="1">
+              <a:off x="2760801" y="2918223"/>
+              <a:ext cx="762000" cy="952500"/>
+            </a:xfrm>
+            <a:prstGeom prst="rect">
+              <a:avLst/>
+            </a:prstGeom>
+          </p:spPr>
+        </p:pic>
+        <p:pic>
+          <p:nvPicPr>
+            <p:cNvPr id="57" name="Imagem 56">
+              <a:extLst>
+                <a:ext uri="{FF2B5EF4-FFF2-40B4-BE49-F238E27FC236}">
+                  <a16:creationId xmlns:a16="http://schemas.microsoft.com/office/drawing/2014/main" id="{989F9012-A2BC-401F-91DC-5507697FA07E}"/>
+                </a:ext>
+              </a:extLst>
+            </p:cNvPr>
+            <p:cNvPicPr>
+              <a:picLocks noChangeAspect="1"/>
+            </p:cNvPicPr>
+            <p:nvPr/>
+          </p:nvPicPr>
+          <p:blipFill>
+            <a:blip r:embed="rId17">
+              <a:extLst>
+                <a:ext uri="{BEBA8EAE-BF5A-486C-A8C5-ECC9F3942E4B}">
+                  <a14:imgProps xmlns:a14="http://schemas.microsoft.com/office/drawing/2010/main">
+                    <a14:imgLayer r:embed="rId18">
+                      <a14:imgEffect>
+                        <a14:backgroundRemoval t="8824" b="92059" l="9417" r="89238">
+                          <a14:foregroundMark x1="65022" y1="8824" x2="65022" y2="8824"/>
+                          <a14:foregroundMark x1="29039" y1="24172" x2="30942" y2="21765"/>
+                          <a14:foregroundMark x1="38117" y1="92059" x2="38117" y2="92059"/>
+                          <a14:backgroundMark x1="69955" y1="96176" x2="60538" y2="92059"/>
+                          <a14:backgroundMark x1="24215" y1="96471" x2="17937" y2="89412"/>
+                          <a14:backgroundMark x1="22870" y1="94118" x2="36771" y2="95294"/>
+                          <a14:backgroundMark x1="15086" y1="46408" x2="16143" y2="42941"/>
+                          <a14:backgroundMark x1="16143" y1="42941" x2="18742" y2="45781"/>
+                          <a14:backgroundMark x1="44395" y1="41471" x2="52466" y2="40000"/>
+                          <a14:backgroundMark x1="44843" y1="40000" x2="87444" y2="44118"/>
+                          <a14:backgroundMark x1="85202" y1="42353" x2="79821" y2="39118"/>
+                          <a14:backgroundMark x1="78475" y1="38235" x2="56502" y2="37059"/>
+                          <a14:backgroundMark x1="50673" y1="97647" x2="56502" y2="89706"/>
+                          <a14:backgroundMark x1="27803" y1="94118" x2="32287" y2="94412"/>
+                          <a14:backgroundMark x1="36771" y1="96176" x2="41256" y2="96471"/>
+                          <a14:backgroundMark x1="25561" y1="26765" x2="25561" y2="26765"/>
+                          <a14:backgroundMark x1="26906" y1="26765" x2="26906" y2="26765"/>
+                          <a14:backgroundMark x1="27354" y1="25588" x2="27354" y2="25588"/>
+                          <a14:backgroundMark x1="28251" y1="23824" x2="24664" y2="26765"/>
+                          <a14:backgroundMark x1="24215" y1="28824" x2="24215" y2="26176"/>
+                          <a14:backgroundMark x1="25561" y1="26765" x2="19283" y2="27941"/>
+                          <a14:backgroundMark x1="18834" y1="31176" x2="21076" y2="35294"/>
+                          <a14:backgroundMark x1="14798" y1="40294" x2="10314" y2="61176"/>
+                          <a14:backgroundMark x1="10314" y1="61176" x2="17489" y2="45588"/>
+                          <a14:backgroundMark x1="18834" y1="45882" x2="16592" y2="77353"/>
+                          <a14:backgroundMark x1="27354" y1="25294" x2="27803" y2="22059"/>
+                        </a14:backgroundRemoval>
+                      </a14:imgEffect>
+                    </a14:imgLayer>
+                  </a14:imgProps>
+                </a:ext>
+              </a:extLst>
+            </a:blip>
+            <a:stretch>
+              <a:fillRect/>
+            </a:stretch>
+          </p:blipFill>
+          <p:spPr>
+            <a:xfrm flipH="1">
+              <a:off x="2687985" y="2571930"/>
+              <a:ext cx="875480" cy="1334812"/>
+            </a:xfrm>
+            <a:prstGeom prst="rect">
+              <a:avLst/>
+            </a:prstGeom>
+          </p:spPr>
+        </p:pic>
+      </p:grpSp>
+      <p:grpSp>
+        <p:nvGrpSpPr>
+          <p:cNvPr id="59" name="Agrupar 58">
+            <a:extLst>
+              <a:ext uri="{FF2B5EF4-FFF2-40B4-BE49-F238E27FC236}">
+                <a16:creationId xmlns:a16="http://schemas.microsoft.com/office/drawing/2014/main" id="{7EFEC313-CC70-4FCF-A982-CEEDBF7EFBE0}"/>
+              </a:ext>
+            </a:extLst>
+          </p:cNvPr>
+          <p:cNvGrpSpPr/>
+          <p:nvPr/>
+        </p:nvGrpSpPr>
+        <p:grpSpPr>
+          <a:xfrm flipH="1">
+            <a:off x="4164390" y="2525421"/>
+            <a:ext cx="831862" cy="1226190"/>
+            <a:chOff x="3689922" y="2730721"/>
+            <a:chExt cx="831862" cy="1226190"/>
+          </a:xfrm>
+        </p:grpSpPr>
+        <p:pic>
+          <p:nvPicPr>
+            <p:cNvPr id="60" name="Imagem 59" descr="Uma imagem contendo computador, desenho&#10;&#10;Descrição gerada automaticamente">
+              <a:extLst>
+                <a:ext uri="{FF2B5EF4-FFF2-40B4-BE49-F238E27FC236}">
+                  <a16:creationId xmlns:a16="http://schemas.microsoft.com/office/drawing/2014/main" id="{93225372-EEEE-4C14-B52E-EB2FC7142649}"/>
+                </a:ext>
+              </a:extLst>
+            </p:cNvPr>
+            <p:cNvPicPr>
+              <a:picLocks noChangeAspect="1"/>
+            </p:cNvPicPr>
+            <p:nvPr/>
+          </p:nvPicPr>
+          <p:blipFill rotWithShape="1">
+            <a:blip r:embed="rId19">
+              <a:extLst>
+                <a:ext uri="{BEBA8EAE-BF5A-486C-A8C5-ECC9F3942E4B}">
+                  <a14:imgProps xmlns:a14="http://schemas.microsoft.com/office/drawing/2010/main">
+                    <a14:imgLayer r:embed="rId3">
+                      <a14:imgEffect>
+                        <a14:backgroundRemoval t="60000" b="80740" l="12531" r="21114"/>
+                      </a14:imgEffect>
+                      <a14:imgEffect>
+                        <a14:sharpenSoften amount="25000"/>
+                      </a14:imgEffect>
+                      <a14:imgEffect>
+                        <a14:colorTemperature colorTemp="7200"/>
+                      </a14:imgEffect>
+                      <a14:imgEffect>
+                        <a14:saturation sat="200000"/>
+                      </a14:imgEffect>
+                      <a14:imgEffect>
+                        <a14:brightnessContrast contrast="40000"/>
+                      </a14:imgEffect>
+                    </a14:imgLayer>
+                  </a14:imgProps>
+                </a:ext>
+                <a:ext uri="{28A0092B-C50C-407E-A947-70E740481C1C}">
+                  <a14:useLocalDpi xmlns:a14="http://schemas.microsoft.com/office/drawing/2010/main" val="0"/>
+                </a:ext>
+              </a:extLst>
+            </a:blip>
+            <a:srcRect l="12420" t="59956" r="79246" b="21525"/>
+            <a:stretch/>
+          </p:blipFill>
+          <p:spPr>
+            <a:xfrm flipH="1">
+              <a:off x="3759784" y="2937328"/>
+              <a:ext cx="762000" cy="952500"/>
+            </a:xfrm>
+            <a:prstGeom prst="rect">
+              <a:avLst/>
+            </a:prstGeom>
+          </p:spPr>
+        </p:pic>
+        <p:pic>
+          <p:nvPicPr>
+            <p:cNvPr id="61" name="Imagem 60">
+              <a:extLst>
+                <a:ext uri="{FF2B5EF4-FFF2-40B4-BE49-F238E27FC236}">
+                  <a16:creationId xmlns:a16="http://schemas.microsoft.com/office/drawing/2014/main" id="{4E99B3E0-057C-4ABC-BD50-8CF9403DE484}"/>
+                </a:ext>
+              </a:extLst>
+            </p:cNvPr>
+            <p:cNvPicPr>
+              <a:picLocks noChangeAspect="1"/>
+            </p:cNvPicPr>
+            <p:nvPr/>
+          </p:nvPicPr>
+          <p:blipFill>
+            <a:blip r:embed="rId20">
+              <a:extLst>
+                <a:ext uri="{BEBA8EAE-BF5A-486C-A8C5-ECC9F3942E4B}">
+                  <a14:imgProps xmlns:a14="http://schemas.microsoft.com/office/drawing/2010/main">
+                    <a14:imgLayer r:embed="rId21">
+                      <a14:imgEffect>
+                        <a14:backgroundRemoval t="9585" b="92013" l="10000" r="91429">
+                          <a14:foregroundMark x1="35714" y1="92332" x2="35714" y2="92332"/>
+                          <a14:foregroundMark x1="91429" y1="25879" x2="91429" y2="25879"/>
+                          <a14:foregroundMark x1="50000" y1="10224" x2="50000" y2="10224"/>
+                          <a14:foregroundMark x1="53810" y1="9585" x2="53810" y2="9585"/>
+                          <a14:backgroundMark x1="33333" y1="47604" x2="95238" y2="44409"/>
+                        </a14:backgroundRemoval>
+                      </a14:imgEffect>
+                    </a14:imgLayer>
+                  </a14:imgProps>
+                </a:ext>
+              </a:extLst>
+            </a:blip>
+            <a:stretch>
+              <a:fillRect/>
+            </a:stretch>
+          </p:blipFill>
+          <p:spPr>
+            <a:xfrm flipH="1">
+              <a:off x="3689922" y="2730721"/>
+              <a:ext cx="822683" cy="1226190"/>
+            </a:xfrm>
+            <a:prstGeom prst="rect">
+              <a:avLst/>
+            </a:prstGeom>
+          </p:spPr>
+        </p:pic>
+      </p:grpSp>
+      <p:grpSp>
+        <p:nvGrpSpPr>
+          <p:cNvPr id="16" name="Agrupar 15">
+            <a:extLst>
+              <a:ext uri="{FF2B5EF4-FFF2-40B4-BE49-F238E27FC236}">
+                <a16:creationId xmlns:a16="http://schemas.microsoft.com/office/drawing/2014/main" id="{7F3D616D-873E-4A3B-8F6B-0E0DBACB32CD}"/>
+              </a:ext>
+            </a:extLst>
+          </p:cNvPr>
+          <p:cNvGrpSpPr/>
+          <p:nvPr/>
+        </p:nvGrpSpPr>
+        <p:grpSpPr>
+          <a:xfrm>
+            <a:off x="5410462" y="4474229"/>
+            <a:ext cx="888273" cy="1168678"/>
+            <a:chOff x="3731525" y="4818212"/>
+            <a:chExt cx="888273" cy="1168678"/>
+          </a:xfrm>
+        </p:grpSpPr>
+        <p:pic>
+          <p:nvPicPr>
+            <p:cNvPr id="6" name="Imagem 5">
+              <a:extLst>
+                <a:ext uri="{FF2B5EF4-FFF2-40B4-BE49-F238E27FC236}">
+                  <a16:creationId xmlns:a16="http://schemas.microsoft.com/office/drawing/2014/main" id="{782FF9FB-6161-48E2-8627-FFD4F23D6A44}"/>
+                </a:ext>
+              </a:extLst>
+            </p:cNvPr>
+            <p:cNvPicPr>
+              <a:picLocks noChangeAspect="1"/>
+            </p:cNvPicPr>
+            <p:nvPr/>
+          </p:nvPicPr>
+          <p:blipFill rotWithShape="1">
+            <a:blip r:embed="rId40">
+              <a:extLst>
+                <a:ext uri="{BEBA8EAE-BF5A-486C-A8C5-ECC9F3942E4B}">
+                  <a14:imgProps xmlns:a14="http://schemas.microsoft.com/office/drawing/2010/main">
+                    <a14:imgLayer r:embed="rId41">
+                      <a14:imgEffect>
+                        <a14:backgroundRemoval t="60973" b="78055" l="51067" r="60667">
+                          <a14:foregroundMark x1="56733" y1="61566" x2="56733" y2="61566"/>
+                          <a14:foregroundMark x1="55600" y1="78055" x2="55600" y2="78055"/>
+                          <a14:foregroundMark x1="56600" y1="60973" x2="56600" y2="60973"/>
+                        </a14:backgroundRemoval>
+                      </a14:imgEffect>
+                      <a14:imgEffect>
+                        <a14:sharpenSoften amount="25000"/>
+                      </a14:imgEffect>
+                      <a14:imgEffect>
+                        <a14:colorTemperature colorTemp="7200"/>
+                      </a14:imgEffect>
+                      <a14:imgEffect>
+                        <a14:saturation sat="200000"/>
+                      </a14:imgEffect>
+                      <a14:imgEffect>
+                        <a14:brightnessContrast contrast="20000"/>
+                      </a14:imgEffect>
+                    </a14:imgLayer>
+                  </a14:imgProps>
+                </a:ext>
+              </a:extLst>
+            </a:blip>
+            <a:srcRect l="52338" t="59814" r="39329" b="21652"/>
+            <a:stretch/>
+          </p:blipFill>
+          <p:spPr>
+            <a:xfrm flipH="1">
+              <a:off x="3857798" y="4995194"/>
+              <a:ext cx="762000" cy="952500"/>
+            </a:xfrm>
+            <a:prstGeom prst="rect">
+              <a:avLst/>
+            </a:prstGeom>
+          </p:spPr>
+        </p:pic>
+        <p:pic>
+          <p:nvPicPr>
+            <p:cNvPr id="14" name="Imagem 13">
+              <a:extLst>
+                <a:ext uri="{FF2B5EF4-FFF2-40B4-BE49-F238E27FC236}">
+                  <a16:creationId xmlns:a16="http://schemas.microsoft.com/office/drawing/2014/main" id="{522D2447-FA39-4E80-9EF3-DE939A7F0A13}"/>
+                </a:ext>
+              </a:extLst>
+            </p:cNvPr>
+            <p:cNvPicPr>
+              <a:picLocks noChangeAspect="1"/>
+            </p:cNvPicPr>
+            <p:nvPr/>
+          </p:nvPicPr>
+          <p:blipFill rotWithShape="1">
+            <a:blip r:embed="rId42">
+              <a:extLst>
+                <a:ext uri="{BEBA8EAE-BF5A-486C-A8C5-ECC9F3942E4B}">
+                  <a14:imgProps xmlns:a14="http://schemas.microsoft.com/office/drawing/2010/main">
+                    <a14:imgLayer r:embed="rId43">
+                      <a14:imgEffect>
+                        <a14:backgroundRemoval t="15242" b="96283" l="10000" r="90000">
+                          <a14:foregroundMark x1="38889" y1="15985" x2="38889" y2="15985"/>
+                          <a14:foregroundMark x1="38889" y1="89963" x2="38889" y2="89963"/>
+                          <a14:foregroundMark x1="67222" y1="90335" x2="67222" y2="90335"/>
+                          <a14:foregroundMark x1="72778" y1="70260" x2="72778" y2="70260"/>
+                          <a14:foregroundMark x1="73889" y1="70260" x2="73889" y2="70260"/>
+                          <a14:foregroundMark x1="63333" y1="71375" x2="63333" y2="71375"/>
+                          <a14:foregroundMark x1="73333" y1="69888" x2="66111" y2="71004"/>
+                          <a14:foregroundMark x1="74444" y1="69888" x2="75000" y2="72119"/>
+                          <a14:foregroundMark x1="77222" y1="70260" x2="79444" y2="74721"/>
+                          <a14:backgroundMark x1="51667" y1="94052" x2="51667" y2="94052"/>
+                          <a14:backgroundMark x1="45556" y1="44238" x2="45556" y2="44238"/>
+                          <a14:backgroundMark x1="48333" y1="50186" x2="61806" y2="64239"/>
+                          <a14:backgroundMark x1="88806" y1="72706" x2="90000" y2="72862"/>
+                          <a14:backgroundMark x1="35556" y1="41264" x2="21667" y2="43123"/>
+                          <a14:backgroundMark x1="71667" y1="98513" x2="62222" y2="97398"/>
+                        </a14:backgroundRemoval>
+                      </a14:imgEffect>
+                    </a14:imgLayer>
+                  </a14:imgProps>
+                </a:ext>
+              </a:extLst>
+            </a:blip>
+            <a:srcRect t="8363"/>
+            <a:stretch/>
+          </p:blipFill>
+          <p:spPr>
+            <a:xfrm>
+              <a:off x="3731525" y="4818212"/>
+              <a:ext cx="853385" cy="1168678"/>
+            </a:xfrm>
+            <a:prstGeom prst="rect">
+              <a:avLst/>
+            </a:prstGeom>
+          </p:spPr>
+        </p:pic>
+      </p:grpSp>
+      <p:grpSp>
+        <p:nvGrpSpPr>
+          <p:cNvPr id="64" name="Agrupar 63">
+            <a:extLst>
+              <a:ext uri="{FF2B5EF4-FFF2-40B4-BE49-F238E27FC236}">
+                <a16:creationId xmlns:a16="http://schemas.microsoft.com/office/drawing/2014/main" id="{5F7159CB-98D7-468E-A93E-0FC1479353A2}"/>
+              </a:ext>
+            </a:extLst>
+          </p:cNvPr>
+          <p:cNvGrpSpPr/>
+          <p:nvPr/>
+        </p:nvGrpSpPr>
+        <p:grpSpPr>
+          <a:xfrm flipH="1">
+            <a:off x="4683226" y="4474229"/>
+            <a:ext cx="888273" cy="1168678"/>
+            <a:chOff x="3731525" y="4818212"/>
+            <a:chExt cx="888273" cy="1168678"/>
+          </a:xfrm>
+        </p:grpSpPr>
+        <p:pic>
+          <p:nvPicPr>
+            <p:cNvPr id="65" name="Imagem 64">
+              <a:extLst>
+                <a:ext uri="{FF2B5EF4-FFF2-40B4-BE49-F238E27FC236}">
+                  <a16:creationId xmlns:a16="http://schemas.microsoft.com/office/drawing/2014/main" id="{DB2E5435-AE87-4C7E-AF31-9E4F9A5D3A63}"/>
+                </a:ext>
+              </a:extLst>
+            </p:cNvPr>
+            <p:cNvPicPr>
+              <a:picLocks noChangeAspect="1"/>
+            </p:cNvPicPr>
+            <p:nvPr/>
+          </p:nvPicPr>
+          <p:blipFill rotWithShape="1">
+            <a:blip r:embed="rId40">
+              <a:extLst>
+                <a:ext uri="{BEBA8EAE-BF5A-486C-A8C5-ECC9F3942E4B}">
+                  <a14:imgProps xmlns:a14="http://schemas.microsoft.com/office/drawing/2010/main">
+                    <a14:imgLayer r:embed="rId41">
+                      <a14:imgEffect>
+                        <a14:backgroundRemoval t="60973" b="78055" l="51067" r="60667">
+                          <a14:foregroundMark x1="56733" y1="61566" x2="56733" y2="61566"/>
+                          <a14:foregroundMark x1="55600" y1="78055" x2="55600" y2="78055"/>
+                          <a14:foregroundMark x1="56600" y1="60973" x2="56600" y2="60973"/>
+                        </a14:backgroundRemoval>
+                      </a14:imgEffect>
+                      <a14:imgEffect>
+                        <a14:sharpenSoften amount="25000"/>
+                      </a14:imgEffect>
+                      <a14:imgEffect>
+                        <a14:colorTemperature colorTemp="7200"/>
+                      </a14:imgEffect>
+                      <a14:imgEffect>
+                        <a14:saturation sat="200000"/>
+                      </a14:imgEffect>
+                      <a14:imgEffect>
+                        <a14:brightnessContrast contrast="20000"/>
+                      </a14:imgEffect>
+                    </a14:imgLayer>
+                  </a14:imgProps>
+                </a:ext>
+              </a:extLst>
+            </a:blip>
+            <a:srcRect l="52338" t="59814" r="39329" b="21652"/>
+            <a:stretch/>
+          </p:blipFill>
+          <p:spPr>
+            <a:xfrm flipH="1">
+              <a:off x="3857798" y="4995194"/>
+              <a:ext cx="762000" cy="952500"/>
+            </a:xfrm>
+            <a:prstGeom prst="rect">
+              <a:avLst/>
+            </a:prstGeom>
+          </p:spPr>
+        </p:pic>
+        <p:pic>
+          <p:nvPicPr>
+            <p:cNvPr id="66" name="Imagem 65">
+              <a:extLst>
+                <a:ext uri="{FF2B5EF4-FFF2-40B4-BE49-F238E27FC236}">
+                  <a16:creationId xmlns:a16="http://schemas.microsoft.com/office/drawing/2014/main" id="{139FB4F8-0F4F-480C-81AC-A511B55B7389}"/>
+                </a:ext>
+              </a:extLst>
+            </p:cNvPr>
+            <p:cNvPicPr>
+              <a:picLocks noChangeAspect="1"/>
+            </p:cNvPicPr>
+            <p:nvPr/>
+          </p:nvPicPr>
+          <p:blipFill rotWithShape="1">
+            <a:blip r:embed="rId42">
+              <a:extLst>
+                <a:ext uri="{BEBA8EAE-BF5A-486C-A8C5-ECC9F3942E4B}">
+                  <a14:imgProps xmlns:a14="http://schemas.microsoft.com/office/drawing/2010/main">
+                    <a14:imgLayer r:embed="rId43">
+                      <a14:imgEffect>
+                        <a14:backgroundRemoval t="15242" b="96283" l="10000" r="90000">
+                          <a14:foregroundMark x1="38889" y1="15985" x2="38889" y2="15985"/>
+                          <a14:foregroundMark x1="38889" y1="89963" x2="38889" y2="89963"/>
+                          <a14:foregroundMark x1="67222" y1="90335" x2="67222" y2="90335"/>
+                          <a14:foregroundMark x1="72778" y1="70260" x2="72778" y2="70260"/>
+                          <a14:foregroundMark x1="73889" y1="70260" x2="73889" y2="70260"/>
+                          <a14:foregroundMark x1="63333" y1="71375" x2="63333" y2="71375"/>
+                          <a14:foregroundMark x1="73333" y1="69888" x2="66111" y2="71004"/>
+                          <a14:foregroundMark x1="74444" y1="69888" x2="75000" y2="72119"/>
+                          <a14:foregroundMark x1="77222" y1="70260" x2="79444" y2="74721"/>
+                          <a14:backgroundMark x1="51667" y1="94052" x2="51667" y2="94052"/>
+                          <a14:backgroundMark x1="45556" y1="44238" x2="45556" y2="44238"/>
+                          <a14:backgroundMark x1="48333" y1="50186" x2="61806" y2="64239"/>
+                          <a14:backgroundMark x1="88806" y1="72706" x2="90000" y2="72862"/>
+                          <a14:backgroundMark x1="35556" y1="41264" x2="21667" y2="43123"/>
+                          <a14:backgroundMark x1="71667" y1="98513" x2="62222" y2="97398"/>
+                        </a14:backgroundRemoval>
+                      </a14:imgEffect>
+                    </a14:imgLayer>
+                  </a14:imgProps>
+                </a:ext>
+              </a:extLst>
+            </a:blip>
+            <a:srcRect t="8363"/>
+            <a:stretch/>
+          </p:blipFill>
+          <p:spPr>
+            <a:xfrm>
+              <a:off x="3731525" y="4818212"/>
+              <a:ext cx="853385" cy="1168678"/>
+            </a:xfrm>
+            <a:prstGeom prst="rect">
+              <a:avLst/>
+            </a:prstGeom>
+          </p:spPr>
+        </p:pic>
+      </p:grpSp>
     </p:spTree>
     <p:extLst>
       <p:ext uri="{BB962C8B-B14F-4D97-AF65-F5344CB8AC3E}">
@@ -4535,7 +6781,7 @@
         </p:blipFill>
         <p:spPr>
           <a:xfrm>
-            <a:off x="371252" y="480060"/>
+            <a:off x="4820474" y="3341409"/>
             <a:ext cx="2038350" cy="2771775"/>
           </a:xfrm>
           <a:prstGeom prst="rect">
@@ -4565,7 +6811,7 @@
         </p:blipFill>
         <p:spPr>
           <a:xfrm>
-            <a:off x="2862320" y="627589"/>
+            <a:off x="2878531" y="650478"/>
             <a:ext cx="1577477" cy="2476715"/>
           </a:xfrm>
           <a:prstGeom prst="rect">
@@ -4588,14 +6834,53 @@
           <p:nvPr/>
         </p:nvPicPr>
         <p:blipFill>
-          <a:blip r:embed="rId4"/>
+          <a:blip r:embed="rId4">
+            <a:extLst>
+              <a:ext uri="{BEBA8EAE-BF5A-486C-A8C5-ECC9F3942E4B}">
+                <a14:imgProps xmlns:a14="http://schemas.microsoft.com/office/drawing/2010/main">
+                  <a14:imgLayer r:embed="rId5">
+                    <a14:imgEffect>
+                      <a14:backgroundRemoval t="8824" b="92059" l="9417" r="89238">
+                        <a14:foregroundMark x1="65022" y1="8824" x2="65022" y2="8824"/>
+                        <a14:foregroundMark x1="29039" y1="24172" x2="30942" y2="21765"/>
+                        <a14:foregroundMark x1="38117" y1="92059" x2="38117" y2="92059"/>
+                        <a14:backgroundMark x1="69955" y1="96176" x2="60538" y2="92059"/>
+                        <a14:backgroundMark x1="24215" y1="96471" x2="17937" y2="89412"/>
+                        <a14:backgroundMark x1="22870" y1="94118" x2="36771" y2="95294"/>
+                        <a14:backgroundMark x1="15086" y1="46408" x2="16143" y2="42941"/>
+                        <a14:backgroundMark x1="16143" y1="42941" x2="18742" y2="45781"/>
+                        <a14:backgroundMark x1="44395" y1="41471" x2="52466" y2="40000"/>
+                        <a14:backgroundMark x1="44843" y1="40000" x2="87444" y2="44118"/>
+                        <a14:backgroundMark x1="85202" y1="42353" x2="79821" y2="39118"/>
+                        <a14:backgroundMark x1="78475" y1="38235" x2="56502" y2="37059"/>
+                        <a14:backgroundMark x1="50673" y1="97647" x2="56502" y2="89706"/>
+                        <a14:backgroundMark x1="27803" y1="94118" x2="32287" y2="94412"/>
+                        <a14:backgroundMark x1="36771" y1="96176" x2="41256" y2="96471"/>
+                        <a14:backgroundMark x1="25561" y1="26765" x2="25561" y2="26765"/>
+                        <a14:backgroundMark x1="26906" y1="26765" x2="26906" y2="26765"/>
+                        <a14:backgroundMark x1="27354" y1="25588" x2="27354" y2="25588"/>
+                        <a14:backgroundMark x1="28251" y1="23824" x2="24664" y2="26765"/>
+                        <a14:backgroundMark x1="24215" y1="28824" x2="24215" y2="26176"/>
+                        <a14:backgroundMark x1="25561" y1="26765" x2="19283" y2="27941"/>
+                        <a14:backgroundMark x1="18834" y1="31176" x2="21076" y2="35294"/>
+                        <a14:backgroundMark x1="14798" y1="40294" x2="10314" y2="61176"/>
+                        <a14:backgroundMark x1="10314" y1="61176" x2="17489" y2="45588"/>
+                        <a14:backgroundMark x1="18834" y1="45882" x2="16592" y2="77353"/>
+                        <a14:backgroundMark x1="27354" y1="25294" x2="27803" y2="22059"/>
+                      </a14:backgroundRemoval>
+                    </a14:imgEffect>
+                  </a14:imgLayer>
+                </a14:imgProps>
+              </a:ext>
+            </a:extLst>
+          </a:blip>
           <a:stretch>
             <a:fillRect/>
           </a:stretch>
         </p:blipFill>
         <p:spPr>
           <a:xfrm>
-            <a:off x="4704323" y="570433"/>
+            <a:off x="4741349" y="286348"/>
             <a:ext cx="1699407" cy="2591025"/>
           </a:xfrm>
           <a:prstGeom prst="rect">
@@ -4618,7 +6903,28 @@
           <p:nvPr/>
         </p:nvPicPr>
         <p:blipFill>
-          <a:blip r:embed="rId5"/>
+          <a:blip r:embed="rId6">
+            <a:extLst>
+              <a:ext uri="{BEBA8EAE-BF5A-486C-A8C5-ECC9F3942E4B}">
+                <a14:imgProps xmlns:a14="http://schemas.microsoft.com/office/drawing/2010/main">
+                  <a14:imgLayer r:embed="rId7">
+                    <a14:imgEffect>
+                      <a14:backgroundRemoval t="6105" b="94477" l="9346" r="89720">
+                        <a14:foregroundMark x1="49065" y1="10465" x2="49065" y2="10465"/>
+                        <a14:foregroundMark x1="72897" y1="90698" x2="72897" y2="90698"/>
+                        <a14:foregroundMark x1="44860" y1="91279" x2="44860" y2="91279"/>
+                        <a14:foregroundMark x1="40187" y1="94767" x2="40187" y2="94767"/>
+                        <a14:foregroundMark x1="49065" y1="6105" x2="49065" y2="6105"/>
+                        <a14:foregroundMark x1="56542" y1="6395" x2="56542" y2="6395"/>
+                        <a14:backgroundMark x1="25234" y1="47384" x2="21963" y2="66279"/>
+                        <a14:backgroundMark x1="25701" y1="59884" x2="71495" y2="51453"/>
+                      </a14:backgroundRemoval>
+                    </a14:imgEffect>
+                  </a14:imgLayer>
+                </a14:imgProps>
+              </a:ext>
+            </a:extLst>
+          </a:blip>
           <a:stretch>
             <a:fillRect/>
           </a:stretch>
@@ -4648,7 +6954,27 @@
           <p:nvPr/>
         </p:nvPicPr>
         <p:blipFill>
-          <a:blip r:embed="rId6"/>
+          <a:blip r:embed="rId8">
+            <a:extLst>
+              <a:ext uri="{BEBA8EAE-BF5A-486C-A8C5-ECC9F3942E4B}">
+                <a14:imgProps xmlns:a14="http://schemas.microsoft.com/office/drawing/2010/main">
+                  <a14:imgLayer r:embed="rId9">
+                    <a14:imgEffect>
+                      <a14:backgroundRemoval t="8197" b="97705" l="9645" r="89848">
+                        <a14:foregroundMark x1="37056" y1="92787" x2="37056" y2="92787"/>
+                        <a14:foregroundMark x1="59391" y1="10492" x2="59391" y2="10492"/>
+                        <a14:foregroundMark x1="57868" y1="21967" x2="57868" y2="21967"/>
+                        <a14:foregroundMark x1="34010" y1="97705" x2="34010" y2="97705"/>
+                        <a14:foregroundMark x1="62437" y1="8197" x2="62437" y2="8197"/>
+                        <a14:foregroundMark x1="76142" y1="69180" x2="76142" y2="69180"/>
+                        <a14:backgroundMark x1="28934" y1="45246" x2="40609" y2="49180"/>
+                      </a14:backgroundRemoval>
+                    </a14:imgEffect>
+                  </a14:imgLayer>
+                </a14:imgProps>
+              </a:ext>
+            </a:extLst>
+          </a:blip>
           <a:stretch>
             <a:fillRect/>
           </a:stretch>
@@ -4678,7 +7004,25 @@
           <p:nvPr/>
         </p:nvPicPr>
         <p:blipFill>
-          <a:blip r:embed="rId7"/>
+          <a:blip r:embed="rId10">
+            <a:extLst>
+              <a:ext uri="{BEBA8EAE-BF5A-486C-A8C5-ECC9F3942E4B}">
+                <a14:imgProps xmlns:a14="http://schemas.microsoft.com/office/drawing/2010/main">
+                  <a14:imgLayer r:embed="rId11">
+                    <a14:imgEffect>
+                      <a14:backgroundRemoval t="9585" b="92013" l="10000" r="91429">
+                        <a14:foregroundMark x1="35714" y1="92332" x2="35714" y2="92332"/>
+                        <a14:foregroundMark x1="91429" y1="25879" x2="91429" y2="25879"/>
+                        <a14:foregroundMark x1="50000" y1="10224" x2="50000" y2="10224"/>
+                        <a14:foregroundMark x1="53810" y1="9585" x2="53810" y2="9585"/>
+                        <a14:backgroundMark x1="33333" y1="47604" x2="95238" y2="44409"/>
+                      </a14:backgroundRemoval>
+                    </a14:imgEffect>
+                  </a14:imgLayer>
+                </a14:imgProps>
+              </a:ext>
+            </a:extLst>
+          </a:blip>
           <a:stretch>
             <a:fillRect/>
           </a:stretch>
@@ -4708,7 +7052,7 @@
           <p:nvPr/>
         </p:nvPicPr>
         <p:blipFill>
-          <a:blip r:embed="rId8"/>
+          <a:blip r:embed="rId12"/>
           <a:stretch>
             <a:fillRect/>
           </a:stretch>
@@ -4738,7 +7082,7 @@
           <p:nvPr/>
         </p:nvPicPr>
         <p:blipFill>
-          <a:blip r:embed="rId9"/>
+          <a:blip r:embed="rId13"/>
           <a:stretch>
             <a:fillRect/>
           </a:stretch>
@@ -4768,7 +7112,7 @@
           <p:nvPr/>
         </p:nvPicPr>
         <p:blipFill>
-          <a:blip r:embed="rId10"/>
+          <a:blip r:embed="rId14"/>
           <a:stretch>
             <a:fillRect/>
           </a:stretch>
@@ -4798,14 +7142,14 @@
           <p:nvPr/>
         </p:nvPicPr>
         <p:blipFill>
-          <a:blip r:embed="rId11"/>
+          <a:blip r:embed="rId15"/>
           <a:stretch>
             <a:fillRect/>
           </a:stretch>
         </p:blipFill>
         <p:spPr>
           <a:xfrm>
-            <a:off x="2797544" y="3420353"/>
+            <a:off x="-997605" y="627589"/>
             <a:ext cx="1707028" cy="2613887"/>
           </a:xfrm>
           <a:prstGeom prst="rect">
@@ -4828,11 +7172,11 @@
           <p:nvPr/>
         </p:nvPicPr>
         <p:blipFill rotWithShape="1">
-          <a:blip r:embed="rId12">
+          <a:blip r:embed="rId16">
             <a:extLst>
               <a:ext uri="{BEBA8EAE-BF5A-486C-A8C5-ECC9F3942E4B}">
                 <a14:imgProps xmlns:a14="http://schemas.microsoft.com/office/drawing/2010/main">
-                  <a14:imgLayer r:embed="rId13">
+                  <a14:imgLayer r:embed="rId17">
                     <a14:imgEffect>
                       <a14:backgroundRemoval t="34306" b="95000" l="2344" r="27891">
                         <a14:foregroundMark x1="14531" y1="39444" x2="16328" y2="39444"/>
@@ -4902,7 +7246,7 @@
         </p:blipFill>
         <p:spPr>
           <a:xfrm>
-            <a:off x="5141748" y="3251835"/>
+            <a:off x="10909487" y="3141518"/>
             <a:ext cx="2119192" cy="2661493"/>
           </a:xfrm>
           <a:prstGeom prst="rect">
@@ -4925,7 +7269,7 @@
           <p:nvPr/>
         </p:nvPicPr>
         <p:blipFill>
-          <a:blip r:embed="rId14">
+          <a:blip r:embed="rId18">
             <a:extLst>
               <a:ext uri="{28A0092B-C50C-407E-A947-70E740481C1C}">
                 <a14:useLocalDpi xmlns:a14="http://schemas.microsoft.com/office/drawing/2010/main" val="0"/>
@@ -4938,8 +7282,56 @@
         </p:blipFill>
         <p:spPr>
           <a:xfrm flipH="1">
-            <a:off x="7162323" y="5377043"/>
+            <a:off x="7248467" y="5541738"/>
             <a:ext cx="4162425" cy="1699115"/>
+          </a:xfrm>
+          <a:prstGeom prst="rect">
+            <a:avLst/>
+          </a:prstGeom>
+        </p:spPr>
+      </p:pic>
+      <p:pic>
+        <p:nvPicPr>
+          <p:cNvPr id="14" name="Imagem 13" descr="Uma imagem contendo diferente, foto, mesa, pequeno&#10;&#10;Descrição gerada automaticamente">
+            <a:extLst>
+              <a:ext uri="{FF2B5EF4-FFF2-40B4-BE49-F238E27FC236}">
+                <a16:creationId xmlns:a16="http://schemas.microsoft.com/office/drawing/2014/main" id="{3BEA905E-3572-40A7-B3A4-3A4EC9C5C0F8}"/>
+              </a:ext>
+            </a:extLst>
+          </p:cNvPr>
+          <p:cNvPicPr>
+            <a:picLocks noChangeAspect="1"/>
+          </p:cNvPicPr>
+          <p:nvPr/>
+        </p:nvPicPr>
+        <p:blipFill rotWithShape="1">
+          <a:blip r:embed="rId19">
+            <a:extLst>
+              <a:ext uri="{BEBA8EAE-BF5A-486C-A8C5-ECC9F3942E4B}">
+                <a14:imgProps xmlns:a14="http://schemas.microsoft.com/office/drawing/2010/main">
+                  <a14:imgLayer r:embed="rId20">
+                    <a14:imgEffect>
+                      <a14:backgroundRemoval t="5742" b="92105" l="38672" r="63672">
+                        <a14:foregroundMark x1="54395" y1="92344" x2="54395" y2="92344"/>
+                        <a14:foregroundMark x1="50586" y1="11483" x2="50586" y2="11483"/>
+                        <a14:foregroundMark x1="52930" y1="5742" x2="52930" y2="5742"/>
+                      </a14:backgroundRemoval>
+                    </a14:imgEffect>
+                  </a14:imgLayer>
+                </a14:imgProps>
+              </a:ext>
+              <a:ext uri="{28A0092B-C50C-407E-A947-70E740481C1C}">
+                <a14:useLocalDpi xmlns:a14="http://schemas.microsoft.com/office/drawing/2010/main" val="0"/>
+              </a:ext>
+            </a:extLst>
+          </a:blip>
+          <a:srcRect l="35649" r="33212"/>
+          <a:stretch/>
+        </p:blipFill>
+        <p:spPr>
+          <a:xfrm flipH="1">
+            <a:off x="3002987" y="3730807"/>
+            <a:ext cx="1296141" cy="1699115"/>
           </a:xfrm>
           <a:prstGeom prst="rect">
             <a:avLst/>
@@ -5206,7 +7598,7 @@
         </p:blipFill>
         <p:spPr>
           <a:xfrm>
-            <a:off x="2937843" y="4251048"/>
+            <a:off x="4232778" y="3507992"/>
             <a:ext cx="762000" cy="952500"/>
           </a:xfrm>
           <a:prstGeom prst="rect">
@@ -5572,7 +7964,7 @@
         </p:blipFill>
         <p:spPr>
           <a:xfrm>
-            <a:off x="2862320" y="627589"/>
+            <a:off x="3029654" y="2190642"/>
             <a:ext cx="1577477" cy="2476715"/>
           </a:xfrm>
           <a:prstGeom prst="rect">
@@ -5602,7 +7994,7 @@
         </p:blipFill>
         <p:spPr>
           <a:xfrm>
-            <a:off x="4704323" y="570433"/>
+            <a:off x="4616620" y="1639387"/>
             <a:ext cx="1699407" cy="2591025"/>
           </a:xfrm>
           <a:prstGeom prst="rect">
@@ -5722,7 +8114,7 @@
         </p:blipFill>
         <p:spPr>
           <a:xfrm>
-            <a:off x="731453" y="3507992"/>
+            <a:off x="740503" y="3507992"/>
             <a:ext cx="1546994" cy="2438611"/>
           </a:xfrm>
           <a:prstGeom prst="rect">
@@ -5824,6 +8216,861 @@
     <p:extLst>
       <p:ext uri="{BB962C8B-B14F-4D97-AF65-F5344CB8AC3E}">
         <p14:creationId xmlns:p14="http://schemas.microsoft.com/office/powerpoint/2010/main" val="969530644"/>
+      </p:ext>
+    </p:extLst>
+  </p:cSld>
+  <p:clrMapOvr>
+    <a:masterClrMapping/>
+  </p:clrMapOvr>
+</p:sld>
+</file>
+
+<file path=ppt/slides/slide5.xml><?xml version="1.0" encoding="utf-8"?>
+<p:sld xmlns:a="http://schemas.openxmlformats.org/drawingml/2006/main" xmlns:r="http://schemas.openxmlformats.org/officeDocument/2006/relationships" xmlns:p="http://schemas.openxmlformats.org/presentationml/2006/main">
+  <p:cSld>
+    <p:spTree>
+      <p:nvGrpSpPr>
+        <p:cNvPr id="1" name=""/>
+        <p:cNvGrpSpPr/>
+        <p:nvPr/>
+      </p:nvGrpSpPr>
+      <p:grpSpPr>
+        <a:xfrm>
+          <a:off x="0" y="0"/>
+          <a:ext cx="0" cy="0"/>
+          <a:chOff x="0" y="0"/>
+          <a:chExt cx="0" cy="0"/>
+        </a:xfrm>
+      </p:grpSpPr>
+      <p:sp>
+        <p:nvSpPr>
+          <p:cNvPr id="2" name="Título 1">
+            <a:extLst>
+              <a:ext uri="{FF2B5EF4-FFF2-40B4-BE49-F238E27FC236}">
+                <a16:creationId xmlns:a16="http://schemas.microsoft.com/office/drawing/2014/main" id="{3494296E-F285-4C5F-8113-0963DAE1FD66}"/>
+              </a:ext>
+            </a:extLst>
+          </p:cNvPr>
+          <p:cNvSpPr>
+            <a:spLocks noGrp="1"/>
+          </p:cNvSpPr>
+          <p:nvPr>
+            <p:ph type="title"/>
+          </p:nvPr>
+        </p:nvSpPr>
+        <p:spPr/>
+        <p:txBody>
+          <a:bodyPr/>
+          <a:lstStyle/>
+          <a:p>
+            <a:r>
+              <a:rPr lang="pt-BR" dirty="0"/>
+              <a:t>Dicas do crime</a:t>
+            </a:r>
+          </a:p>
+        </p:txBody>
+      </p:sp>
+      <p:sp>
+        <p:nvSpPr>
+          <p:cNvPr id="3" name="Espaço Reservado para Conteúdo 2">
+            <a:extLst>
+              <a:ext uri="{FF2B5EF4-FFF2-40B4-BE49-F238E27FC236}">
+                <a16:creationId xmlns:a16="http://schemas.microsoft.com/office/drawing/2014/main" id="{23F3CC01-472C-478F-A774-C69AB0594DC3}"/>
+              </a:ext>
+            </a:extLst>
+          </p:cNvPr>
+          <p:cNvSpPr>
+            <a:spLocks noGrp="1"/>
+          </p:cNvSpPr>
+          <p:nvPr>
+            <p:ph idx="1"/>
+          </p:nvPr>
+        </p:nvSpPr>
+        <p:spPr/>
+        <p:txBody>
+          <a:bodyPr/>
+          <a:lstStyle/>
+          <a:p>
+            <a:r>
+              <a:rPr lang="pt-BR" dirty="0"/>
+              <a:t>Pelo menos um quadro foi salvo!</a:t>
+            </a:r>
+          </a:p>
+          <a:p>
+            <a:r>
+              <a:rPr lang="pt-BR" dirty="0"/>
+              <a:t>É irônico que ele se salvou do incêndio e morreu logo depois...</a:t>
+            </a:r>
+          </a:p>
+          <a:p>
+            <a:r>
+              <a:rPr lang="pt-BR" dirty="0"/>
+              <a:t>Ele levou um tiro nas costas, que covardia</a:t>
+            </a:r>
+          </a:p>
+          <a:p>
+            <a:r>
+              <a:rPr lang="pt-BR" dirty="0"/>
+              <a:t>Estava escuro, será que confundiram ele com um ladrão?</a:t>
+            </a:r>
+          </a:p>
+          <a:p>
+            <a:endParaRPr lang="pt-BR" dirty="0"/>
+          </a:p>
+        </p:txBody>
+      </p:sp>
+    </p:spTree>
+    <p:extLst>
+      <p:ext uri="{BB962C8B-B14F-4D97-AF65-F5344CB8AC3E}">
+        <p14:creationId xmlns:p14="http://schemas.microsoft.com/office/powerpoint/2010/main" val="3503874856"/>
+      </p:ext>
+    </p:extLst>
+  </p:cSld>
+  <p:clrMapOvr>
+    <a:masterClrMapping/>
+  </p:clrMapOvr>
+</p:sld>
+</file>
+
+<file path=ppt/slides/slide6.xml><?xml version="1.0" encoding="utf-8"?>
+<p:sld xmlns:a="http://schemas.openxmlformats.org/drawingml/2006/main" xmlns:r="http://schemas.openxmlformats.org/officeDocument/2006/relationships" xmlns:p="http://schemas.openxmlformats.org/presentationml/2006/main">
+  <p:cSld>
+    <p:spTree>
+      <p:nvGrpSpPr>
+        <p:cNvPr id="1" name=""/>
+        <p:cNvGrpSpPr/>
+        <p:nvPr/>
+      </p:nvGrpSpPr>
+      <p:grpSpPr>
+        <a:xfrm>
+          <a:off x="0" y="0"/>
+          <a:ext cx="0" cy="0"/>
+          <a:chOff x="0" y="0"/>
+          <a:chExt cx="0" cy="0"/>
+        </a:xfrm>
+      </p:grpSpPr>
+      <p:sp>
+        <p:nvSpPr>
+          <p:cNvPr id="2" name="Título 1">
+            <a:extLst>
+              <a:ext uri="{FF2B5EF4-FFF2-40B4-BE49-F238E27FC236}">
+                <a16:creationId xmlns:a16="http://schemas.microsoft.com/office/drawing/2014/main" id="{CB9393B9-F65A-403E-A35A-87C2CB8C20DC}"/>
+              </a:ext>
+            </a:extLst>
+          </p:cNvPr>
+          <p:cNvSpPr>
+            <a:spLocks noGrp="1"/>
+          </p:cNvSpPr>
+          <p:nvPr>
+            <p:ph type="title"/>
+          </p:nvPr>
+        </p:nvSpPr>
+        <p:spPr/>
+        <p:txBody>
+          <a:bodyPr/>
+          <a:lstStyle/>
+          <a:p>
+            <a:r>
+              <a:rPr lang="pt-BR" dirty="0"/>
+              <a:t>“</a:t>
+            </a:r>
+            <a:r>
+              <a:rPr lang="pt-BR" dirty="0" err="1"/>
+              <a:t>Alibis</a:t>
+            </a:r>
+            <a:r>
+              <a:rPr lang="pt-BR" dirty="0"/>
+              <a:t>”</a:t>
+            </a:r>
+          </a:p>
+        </p:txBody>
+      </p:sp>
+      <p:sp>
+        <p:nvSpPr>
+          <p:cNvPr id="3" name="Espaço Reservado para Conteúdo 2">
+            <a:extLst>
+              <a:ext uri="{FF2B5EF4-FFF2-40B4-BE49-F238E27FC236}">
+                <a16:creationId xmlns:a16="http://schemas.microsoft.com/office/drawing/2014/main" id="{0173FECE-304E-476C-AB95-646718BEE0EC}"/>
+              </a:ext>
+            </a:extLst>
+          </p:cNvPr>
+          <p:cNvSpPr>
+            <a:spLocks noGrp="1"/>
+          </p:cNvSpPr>
+          <p:nvPr>
+            <p:ph idx="1"/>
+          </p:nvPr>
+        </p:nvSpPr>
+        <p:spPr/>
+        <p:txBody>
+          <a:bodyPr/>
+          <a:lstStyle/>
+          <a:p>
+            <a:r>
+              <a:rPr lang="pt-BR" dirty="0"/>
+              <a:t>Médico: eu tentei salvar ele, mas não deu...</a:t>
+            </a:r>
+          </a:p>
+          <a:p>
+            <a:r>
+              <a:rPr lang="pt-BR" dirty="0"/>
+              <a:t>Astronauta: não sei como vim parar aqui... era pra eu estar em Marte</a:t>
+            </a:r>
+          </a:p>
+        </p:txBody>
+      </p:sp>
+    </p:spTree>
+    <p:extLst>
+      <p:ext uri="{BB962C8B-B14F-4D97-AF65-F5344CB8AC3E}">
+        <p14:creationId xmlns:p14="http://schemas.microsoft.com/office/powerpoint/2010/main" val="2976215623"/>
+      </p:ext>
+    </p:extLst>
+  </p:cSld>
+  <p:clrMapOvr>
+    <a:masterClrMapping/>
+  </p:clrMapOvr>
+</p:sld>
+</file>
+
+<file path=ppt/slides/slide7.xml><?xml version="1.0" encoding="utf-8"?>
+<p:sld xmlns:a="http://schemas.openxmlformats.org/drawingml/2006/main" xmlns:r="http://schemas.openxmlformats.org/officeDocument/2006/relationships" xmlns:p="http://schemas.openxmlformats.org/presentationml/2006/main">
+  <p:cSld>
+    <p:spTree>
+      <p:nvGrpSpPr>
+        <p:cNvPr id="1" name=""/>
+        <p:cNvGrpSpPr/>
+        <p:nvPr/>
+      </p:nvGrpSpPr>
+      <p:grpSpPr>
+        <a:xfrm>
+          <a:off x="0" y="0"/>
+          <a:ext cx="0" cy="0"/>
+          <a:chOff x="0" y="0"/>
+          <a:chExt cx="0" cy="0"/>
+        </a:xfrm>
+      </p:grpSpPr>
+      <p:grpSp>
+        <p:nvGrpSpPr>
+          <p:cNvPr id="23" name="Agrupar 22">
+            <a:extLst>
+              <a:ext uri="{FF2B5EF4-FFF2-40B4-BE49-F238E27FC236}">
+                <a16:creationId xmlns:a16="http://schemas.microsoft.com/office/drawing/2014/main" id="{239FBAB1-0BBB-40E2-966B-4D5CEB1E3726}"/>
+              </a:ext>
+            </a:extLst>
+          </p:cNvPr>
+          <p:cNvGrpSpPr/>
+          <p:nvPr/>
+        </p:nvGrpSpPr>
+        <p:grpSpPr>
+          <a:xfrm>
+            <a:off x="866218" y="3622091"/>
+            <a:ext cx="4937141" cy="1162050"/>
+            <a:chOff x="866218" y="3622091"/>
+            <a:chExt cx="4937141" cy="1162050"/>
+          </a:xfrm>
+        </p:grpSpPr>
+        <p:pic>
+          <p:nvPicPr>
+            <p:cNvPr id="4" name="Imagem 3" descr="Uma imagem contendo desenho&#10;&#10;Descrição gerada automaticamente">
+              <a:extLst>
+                <a:ext uri="{FF2B5EF4-FFF2-40B4-BE49-F238E27FC236}">
+                  <a16:creationId xmlns:a16="http://schemas.microsoft.com/office/drawing/2014/main" id="{A30D6CDE-42EF-4BF0-BAE4-CADDAF55C45E}"/>
+                </a:ext>
+              </a:extLst>
+            </p:cNvPr>
+            <p:cNvPicPr>
+              <a:picLocks noChangeAspect="1"/>
+            </p:cNvPicPr>
+            <p:nvPr/>
+          </p:nvPicPr>
+          <p:blipFill rotWithShape="1">
+            <a:blip r:embed="rId2">
+              <a:alphaModFix amt="70000"/>
+              <a:biLevel thresh="75000"/>
+              <a:extLst>
+                <a:ext uri="{BEBA8EAE-BF5A-486C-A8C5-ECC9F3942E4B}">
+                  <a14:imgProps xmlns:a14="http://schemas.microsoft.com/office/drawing/2010/main">
+                    <a14:imgLayer r:embed="rId3">
+                      <a14:imgEffect>
+                        <a14:backgroundRemoval t="67456" b="98225" l="4698" r="46309">
+                          <a14:foregroundMark x1="18121" y1="68047" x2="18121" y2="68047"/>
+                          <a14:foregroundMark x1="8054" y1="98225" x2="8054" y2="98225"/>
+                          <a14:foregroundMark x1="46309" y1="70414" x2="46309" y2="70414"/>
+                          <a14:foregroundMark x1="10738" y1="68935" x2="40940" y2="68639"/>
+                          <a14:foregroundMark x1="14279" y1="82105" x2="14765" y2="82840"/>
+                          <a14:foregroundMark x1="5369" y1="68639" x2="10503" y2="76398"/>
+                          <a14:foregroundMark x1="9326" y1="90992" x2="8054" y2="92899"/>
+                          <a14:foregroundMark x1="13185" y1="85207" x2="13048" y2="85412"/>
+                          <a14:foregroundMark x1="13383" y1="84911" x2="13185" y2="85207"/>
+                          <a14:foregroundMark x1="13462" y1="84792" x2="13383" y2="84911"/>
+                          <a14:foregroundMark x1="14018" y1="83959" x2="13700" y2="84436"/>
+                          <a14:foregroundMark x1="14765" y1="82840" x2="14743" y2="82873"/>
+                          <a14:foregroundMark x1="27092" y1="83856" x2="30201" y2="83728"/>
+                          <a14:foregroundMark x1="16974" y1="84274" x2="23002" y2="84025"/>
+                          <a14:foregroundMark x1="15823" y1="84322" x2="16775" y2="84283"/>
+                          <a14:foregroundMark x1="13677" y1="84410" x2="14335" y2="84383"/>
+                          <a14:foregroundMark x1="8725" y1="84615" x2="13143" y2="84432"/>
+                          <a14:foregroundMark x1="10067" y1="81354" x2="10067" y2="84615"/>
+                          <a14:foregroundMark x1="10067" y1="76036" x2="10067" y2="78290"/>
+                          <a14:foregroundMark x1="12752" y1="82840" x2="17450" y2="83136"/>
+                          <a14:foregroundMark x1="11409" y1="83136" x2="17450" y2="83432"/>
+                          <a14:foregroundMark x1="8725" y1="81657" x2="7383" y2="77811"/>
+                          <a14:foregroundMark x1="10067" y1="81065" x2="6711" y2="77515"/>
+                          <a14:foregroundMark x1="8725" y1="78402" x2="9396" y2="79290"/>
+                          <a14:foregroundMark x1="9396" y1="78698" x2="10067" y2="79586"/>
+                          <a14:foregroundMark x1="9396" y1="76331" x2="9396" y2="78698"/>
+                          <a14:foregroundMark x1="9396" y1="78698" x2="9396" y2="80769"/>
+                          <a14:foregroundMark x1="13423" y1="84024" x2="13423" y2="84024"/>
+                          <a14:foregroundMark x1="12081" y1="84024" x2="12081" y2="84024"/>
+                          <a14:foregroundMark x1="12081" y1="84024" x2="12081" y2="84024"/>
+                          <a14:foregroundMark x1="12081" y1="84320" x2="12081" y2="84320"/>
+                          <a14:foregroundMark x1="13423" y1="84320" x2="13423" y2="84320"/>
+                          <a14:foregroundMark x1="14765" y1="84024" x2="12081" y2="83728"/>
+                          <a14:backgroundMark x1="12141" y1="86848" x2="13423" y2="88166"/>
+                          <a14:backgroundMark x1="15436" y1="86391" x2="14162" y2="85548"/>
+                          <a14:backgroundMark x1="14574" y1="80769" x2="13715" y2="81652"/>
+                          <a14:backgroundMark x1="13920" y1="85887" x2="13423" y2="86982"/>
+                          <a14:backgroundMark x1="14037" y1="85628" x2="13966" y2="85785"/>
+                          <a14:backgroundMark x1="12752" y1="87870" x2="14094" y2="90533"/>
+                          <a14:backgroundMark x1="13423" y1="85799" x2="13423" y2="85799"/>
+                          <a14:backgroundMark x1="12752" y1="85503" x2="12752" y2="85503"/>
+                          <a14:backgroundMark x1="13423" y1="85503" x2="13423" y2="85503"/>
+                          <a14:backgroundMark x1="14094" y1="85503" x2="14094" y2="85503"/>
+                          <a14:backgroundMark x1="12752" y1="84911" x2="12752" y2="84911"/>
+                        </a14:backgroundRemoval>
+                      </a14:imgEffect>
+                      <a14:imgEffect>
+                        <a14:artisticCrisscrossEtching/>
+                      </a14:imgEffect>
+                      <a14:imgEffect>
+                        <a14:sharpenSoften amount="50000"/>
+                      </a14:imgEffect>
+                    </a14:imgLayer>
+                  </a14:imgProps>
+                </a:ext>
+                <a:ext uri="{28A0092B-C50C-407E-A947-70E740481C1C}">
+                  <a14:useLocalDpi xmlns:a14="http://schemas.microsoft.com/office/drawing/2010/main" val="0"/>
+                </a:ext>
+              </a:extLst>
+            </a:blip>
+            <a:srcRect t="66441" r="49155"/>
+            <a:stretch/>
+          </p:blipFill>
+          <p:spPr>
+            <a:xfrm>
+              <a:off x="5268203" y="3622091"/>
+              <a:ext cx="535156" cy="1162050"/>
+            </a:xfrm>
+            <a:prstGeom prst="rect">
+              <a:avLst/>
+            </a:prstGeom>
+          </p:spPr>
+        </p:pic>
+        <p:pic>
+          <p:nvPicPr>
+            <p:cNvPr id="3" name="Imagem 2" descr="Uma imagem contendo desenho&#10;&#10;Descrição gerada automaticamente">
+              <a:extLst>
+                <a:ext uri="{FF2B5EF4-FFF2-40B4-BE49-F238E27FC236}">
+                  <a16:creationId xmlns:a16="http://schemas.microsoft.com/office/drawing/2014/main" id="{3D84CC43-2D29-4693-985A-2995EE734F22}"/>
+                </a:ext>
+              </a:extLst>
+            </p:cNvPr>
+            <p:cNvPicPr>
+              <a:picLocks noChangeAspect="1"/>
+            </p:cNvPicPr>
+            <p:nvPr/>
+          </p:nvPicPr>
+          <p:blipFill rotWithShape="1">
+            <a:blip r:embed="rId4">
+              <a:extLst>
+                <a:ext uri="{28A0092B-C50C-407E-A947-70E740481C1C}">
+                  <a14:useLocalDpi xmlns:a14="http://schemas.microsoft.com/office/drawing/2010/main" val="0"/>
+                </a:ext>
+              </a:extLst>
+            </a:blip>
+            <a:srcRect r="24492"/>
+            <a:stretch/>
+          </p:blipFill>
+          <p:spPr>
+            <a:xfrm>
+              <a:off x="866218" y="3622091"/>
+              <a:ext cx="3214873" cy="1162050"/>
+            </a:xfrm>
+            <a:prstGeom prst="rect">
+              <a:avLst/>
+            </a:prstGeom>
+          </p:spPr>
+        </p:pic>
+        <p:pic>
+          <p:nvPicPr>
+            <p:cNvPr id="5" name="Imagem 4" descr="Uma imagem contendo desenho&#10;&#10;Descrição gerada automaticamente">
+              <a:extLst>
+                <a:ext uri="{FF2B5EF4-FFF2-40B4-BE49-F238E27FC236}">
+                  <a16:creationId xmlns:a16="http://schemas.microsoft.com/office/drawing/2014/main" id="{08B6C844-AD4C-4D5C-A05C-59D877480BCF}"/>
+                </a:ext>
+              </a:extLst>
+            </p:cNvPr>
+            <p:cNvPicPr>
+              <a:picLocks noChangeAspect="1"/>
+            </p:cNvPicPr>
+            <p:nvPr/>
+          </p:nvPicPr>
+          <p:blipFill rotWithShape="1">
+            <a:blip r:embed="rId5">
+              <a:extLst>
+                <a:ext uri="{28A0092B-C50C-407E-A947-70E740481C1C}">
+                  <a14:useLocalDpi xmlns:a14="http://schemas.microsoft.com/office/drawing/2010/main" val="0"/>
+                </a:ext>
+              </a:extLst>
+            </a:blip>
+            <a:srcRect l="35034" r="55673"/>
+            <a:stretch/>
+          </p:blipFill>
+          <p:spPr>
+            <a:xfrm>
+              <a:off x="4081091" y="3622091"/>
+              <a:ext cx="395704" cy="1162050"/>
+            </a:xfrm>
+            <a:prstGeom prst="rect">
+              <a:avLst/>
+            </a:prstGeom>
+          </p:spPr>
+        </p:pic>
+        <p:pic>
+          <p:nvPicPr>
+            <p:cNvPr id="6" name="Imagem 5" descr="Uma imagem contendo desenho&#10;&#10;Descrição gerada automaticamente">
+              <a:extLst>
+                <a:ext uri="{FF2B5EF4-FFF2-40B4-BE49-F238E27FC236}">
+                  <a16:creationId xmlns:a16="http://schemas.microsoft.com/office/drawing/2014/main" id="{FB380A12-31A0-4162-87D6-6560022A7C6C}"/>
+                </a:ext>
+              </a:extLst>
+            </p:cNvPr>
+            <p:cNvPicPr>
+              <a:picLocks noChangeAspect="1"/>
+            </p:cNvPicPr>
+            <p:nvPr/>
+          </p:nvPicPr>
+          <p:blipFill rotWithShape="1">
+            <a:blip r:embed="rId5">
+              <a:extLst>
+                <a:ext uri="{28A0092B-C50C-407E-A947-70E740481C1C}">
+                  <a14:useLocalDpi xmlns:a14="http://schemas.microsoft.com/office/drawing/2010/main" val="0"/>
+                </a:ext>
+              </a:extLst>
+            </a:blip>
+            <a:srcRect l="35034" r="55673"/>
+            <a:stretch/>
+          </p:blipFill>
+          <p:spPr>
+            <a:xfrm>
+              <a:off x="4476795" y="3622091"/>
+              <a:ext cx="395704" cy="1162050"/>
+            </a:xfrm>
+            <a:prstGeom prst="rect">
+              <a:avLst/>
+            </a:prstGeom>
+          </p:spPr>
+        </p:pic>
+        <p:pic>
+          <p:nvPicPr>
+            <p:cNvPr id="9" name="Imagem 8" descr="Uma imagem contendo desenho&#10;&#10;Descrição gerada automaticamente">
+              <a:extLst>
+                <a:ext uri="{FF2B5EF4-FFF2-40B4-BE49-F238E27FC236}">
+                  <a16:creationId xmlns:a16="http://schemas.microsoft.com/office/drawing/2014/main" id="{C70D7D08-12BB-45BD-A8B3-FED8982CA100}"/>
+                </a:ext>
+              </a:extLst>
+            </p:cNvPr>
+            <p:cNvPicPr>
+              <a:picLocks noChangeAspect="1"/>
+            </p:cNvPicPr>
+            <p:nvPr/>
+          </p:nvPicPr>
+          <p:blipFill rotWithShape="1">
+            <a:blip r:embed="rId5">
+              <a:extLst>
+                <a:ext uri="{28A0092B-C50C-407E-A947-70E740481C1C}">
+                  <a14:useLocalDpi xmlns:a14="http://schemas.microsoft.com/office/drawing/2010/main" val="0"/>
+                </a:ext>
+              </a:extLst>
+            </a:blip>
+            <a:srcRect l="35034" r="55673"/>
+            <a:stretch/>
+          </p:blipFill>
+          <p:spPr>
+            <a:xfrm>
+              <a:off x="4877863" y="3622091"/>
+              <a:ext cx="395704" cy="1162050"/>
+            </a:xfrm>
+            <a:prstGeom prst="rect">
+              <a:avLst/>
+            </a:prstGeom>
+          </p:spPr>
+        </p:pic>
+      </p:grpSp>
+      <p:pic>
+        <p:nvPicPr>
+          <p:cNvPr id="14" name="Imagem 13" descr="Texto preto sobre fundo branco&#10;&#10;Descrição gerada automaticamente">
+            <a:extLst>
+              <a:ext uri="{FF2B5EF4-FFF2-40B4-BE49-F238E27FC236}">
+                <a16:creationId xmlns:a16="http://schemas.microsoft.com/office/drawing/2014/main" id="{7211E6F1-C2C5-4B03-9113-644C9AB7B8EC}"/>
+              </a:ext>
+            </a:extLst>
+          </p:cNvPr>
+          <p:cNvPicPr>
+            <a:picLocks noChangeAspect="1"/>
+          </p:cNvPicPr>
+          <p:nvPr/>
+        </p:nvPicPr>
+        <p:blipFill rotWithShape="1">
+          <a:blip r:embed="rId6">
+            <a:extLst>
+              <a:ext uri="{BEBA8EAE-BF5A-486C-A8C5-ECC9F3942E4B}">
+                <a14:imgProps xmlns:a14="http://schemas.microsoft.com/office/drawing/2010/main">
+                  <a14:imgLayer r:embed="rId7">
+                    <a14:imgEffect>
+                      <a14:backgroundRemoval t="22243" b="68199" l="33766" r="75065">
+                        <a14:foregroundMark x1="41299" y1="22426" x2="41299" y2="22426"/>
+                        <a14:foregroundMark x1="75065" y1="25919" x2="75065" y2="25919"/>
+                        <a14:foregroundMark x1="47273" y1="68199" x2="47273" y2="68199"/>
+                        <a14:foregroundMark x1="59481" y1="24816" x2="43117" y2="45221"/>
+                        <a14:foregroundMark x1="43117" y1="45221" x2="46494" y2="59559"/>
+                        <a14:foregroundMark x1="50909" y1="43934" x2="46494" y2="43934"/>
+                        <a14:foregroundMark x1="40779" y1="36765" x2="42338" y2="23346"/>
+                        <a14:foregroundMark x1="62338" y1="27022" x2="72468" y2="27757"/>
+                        <a14:foregroundMark x1="39481" y1="46140" x2="58182" y2="45037"/>
+                        <a14:foregroundMark x1="62338" y1="41544" x2="59481" y2="40809"/>
+                        <a14:foregroundMark x1="48052" y1="42279" x2="40779" y2="32721"/>
+                        <a14:foregroundMark x1="46494" y1="47978" x2="33766" y2="43566"/>
+                        <a14:foregroundMark x1="48052" y1="47243" x2="49351" y2="65441"/>
+                        <a14:foregroundMark x1="63896" y1="45772" x2="55065" y2="38971"/>
+                        <a14:foregroundMark x1="58182" y1="40441" x2="69610" y2="40441"/>
+                        <a14:foregroundMark x1="46494" y1="46140" x2="43636" y2="47243"/>
+                        <a14:foregroundMark x1="42338" y1="47243" x2="42338" y2="47243"/>
+                        <a14:foregroundMark x1="37922" y1="48713" x2="39481" y2="53860"/>
+                        <a14:foregroundMark x1="37922" y1="45772" x2="33766" y2="49816"/>
+                        <a14:foregroundMark x1="36623" y1="47610" x2="39481" y2="54228"/>
+                        <a14:foregroundMark x1="35065" y1="34191" x2="48052" y2="48713"/>
+                        <a14:foregroundMark x1="43636" y1="49449" x2="36623" y2="56618"/>
+                        <a14:foregroundMark x1="46494" y1="48713" x2="48052" y2="65441"/>
+                        <a14:foregroundMark x1="37922" y1="50551" x2="33766" y2="57721"/>
+                      </a14:backgroundRemoval>
+                    </a14:imgEffect>
+                    <a14:imgEffect>
+                      <a14:saturation sat="300000"/>
+                    </a14:imgEffect>
+                    <a14:imgEffect>
+                      <a14:brightnessContrast contrast="-40000"/>
+                    </a14:imgEffect>
+                  </a14:imgLayer>
+                </a14:imgProps>
+              </a:ext>
+              <a:ext uri="{28A0092B-C50C-407E-A947-70E740481C1C}">
+                <a14:useLocalDpi xmlns:a14="http://schemas.microsoft.com/office/drawing/2010/main" val="0"/>
+              </a:ext>
+            </a:extLst>
+          </a:blip>
+          <a:srcRect l="35710" t="20273" r="23342" b="30883"/>
+          <a:stretch/>
+        </p:blipFill>
+        <p:spPr>
+          <a:xfrm>
+            <a:off x="8922844" y="1624616"/>
+            <a:ext cx="254030" cy="1162050"/>
+          </a:xfrm>
+          <a:prstGeom prst="rect">
+            <a:avLst/>
+          </a:prstGeom>
+        </p:spPr>
+      </p:pic>
+      <p:cxnSp>
+        <p:nvCxnSpPr>
+          <p:cNvPr id="16" name="Conector reto 15">
+            <a:extLst>
+              <a:ext uri="{FF2B5EF4-FFF2-40B4-BE49-F238E27FC236}">
+                <a16:creationId xmlns:a16="http://schemas.microsoft.com/office/drawing/2014/main" id="{4D79E2D8-8D23-4C6A-BC23-375B606411E1}"/>
+              </a:ext>
+            </a:extLst>
+          </p:cNvPr>
+          <p:cNvCxnSpPr>
+            <a:cxnSpLocks/>
+          </p:cNvCxnSpPr>
+          <p:nvPr/>
+        </p:nvCxnSpPr>
+        <p:spPr>
+          <a:xfrm>
+            <a:off x="8931722" y="1937094"/>
+            <a:ext cx="0" cy="772356"/>
+          </a:xfrm>
+          <a:prstGeom prst="line">
+            <a:avLst/>
+          </a:prstGeom>
+          <a:ln>
+            <a:solidFill>
+              <a:schemeClr val="tx1">
+                <a:lumMod val="50000"/>
+                <a:lumOff val="50000"/>
+              </a:schemeClr>
+            </a:solidFill>
+          </a:ln>
+        </p:spPr>
+        <p:style>
+          <a:lnRef idx="1">
+            <a:schemeClr val="dk1"/>
+          </a:lnRef>
+          <a:fillRef idx="0">
+            <a:schemeClr val="dk1"/>
+          </a:fillRef>
+          <a:effectRef idx="0">
+            <a:schemeClr val="dk1"/>
+          </a:effectRef>
+          <a:fontRef idx="minor">
+            <a:schemeClr val="tx1"/>
+          </a:fontRef>
+        </p:style>
+      </p:cxnSp>
+      <p:sp>
+        <p:nvSpPr>
+          <p:cNvPr id="21" name="Retângulo 20">
+            <a:extLst>
+              <a:ext uri="{FF2B5EF4-FFF2-40B4-BE49-F238E27FC236}">
+                <a16:creationId xmlns:a16="http://schemas.microsoft.com/office/drawing/2014/main" id="{49F98EE2-1372-4A13-B1B9-DDB24E1D0629}"/>
+              </a:ext>
+            </a:extLst>
+          </p:cNvPr>
+          <p:cNvSpPr/>
+          <p:nvPr/>
+        </p:nvSpPr>
+        <p:spPr>
+          <a:xfrm>
+            <a:off x="8949478" y="1945972"/>
+            <a:ext cx="67576" cy="639191"/>
+          </a:xfrm>
+          <a:prstGeom prst="rect">
+            <a:avLst/>
+          </a:prstGeom>
+          <a:solidFill>
+            <a:schemeClr val="bg1"/>
+          </a:solidFill>
+          <a:ln>
+            <a:noFill/>
+          </a:ln>
+        </p:spPr>
+        <p:style>
+          <a:lnRef idx="2">
+            <a:schemeClr val="accent1">
+              <a:shade val="50000"/>
+            </a:schemeClr>
+          </a:lnRef>
+          <a:fillRef idx="1">
+            <a:schemeClr val="accent1"/>
+          </a:fillRef>
+          <a:effectRef idx="0">
+            <a:schemeClr val="accent1"/>
+          </a:effectRef>
+          <a:fontRef idx="minor">
+            <a:schemeClr val="lt1"/>
+          </a:fontRef>
+        </p:style>
+        <p:txBody>
+          <a:bodyPr rtlCol="0" anchor="ctr"/>
+          <a:lstStyle/>
+          <a:p>
+            <a:pPr algn="ctr"/>
+            <a:endParaRPr lang="pt-BR"/>
+          </a:p>
+        </p:txBody>
+      </p:sp>
+    </p:spTree>
+    <p:extLst>
+      <p:ext uri="{BB962C8B-B14F-4D97-AF65-F5344CB8AC3E}">
+        <p14:creationId xmlns:p14="http://schemas.microsoft.com/office/powerpoint/2010/main" val="3578083523"/>
+      </p:ext>
+    </p:extLst>
+  </p:cSld>
+  <p:clrMapOvr>
+    <a:masterClrMapping/>
+  </p:clrMapOvr>
+</p:sld>
+</file>
+
+<file path=ppt/slides/slide8.xml><?xml version="1.0" encoding="utf-8"?>
+<p:sld xmlns:a="http://schemas.openxmlformats.org/drawingml/2006/main" xmlns:r="http://schemas.openxmlformats.org/officeDocument/2006/relationships" xmlns:p="http://schemas.openxmlformats.org/presentationml/2006/main">
+  <p:cSld>
+    <p:spTree>
+      <p:nvGrpSpPr>
+        <p:cNvPr id="1" name=""/>
+        <p:cNvGrpSpPr/>
+        <p:nvPr/>
+      </p:nvGrpSpPr>
+      <p:grpSpPr>
+        <a:xfrm>
+          <a:off x="0" y="0"/>
+          <a:ext cx="0" cy="0"/>
+          <a:chOff x="0" y="0"/>
+          <a:chExt cx="0" cy="0"/>
+        </a:xfrm>
+      </p:grpSpPr>
+      <p:pic>
+        <p:nvPicPr>
+          <p:cNvPr id="3" name="Imagem 2" descr="Uma imagem contendo quarto&#10;&#10;Descrição gerada automaticamente">
+            <a:extLst>
+              <a:ext uri="{FF2B5EF4-FFF2-40B4-BE49-F238E27FC236}">
+                <a16:creationId xmlns:a16="http://schemas.microsoft.com/office/drawing/2014/main" id="{28906A15-8306-4625-8E53-1CF6B3216FDD}"/>
+              </a:ext>
+            </a:extLst>
+          </p:cNvPr>
+          <p:cNvPicPr>
+            <a:picLocks noChangeAspect="1"/>
+          </p:cNvPicPr>
+          <p:nvPr/>
+        </p:nvPicPr>
+        <p:blipFill rotWithShape="1">
+          <a:blip r:embed="rId2">
+            <a:extLst>
+              <a:ext uri="{28A0092B-C50C-407E-A947-70E740481C1C}">
+                <a14:useLocalDpi xmlns:a14="http://schemas.microsoft.com/office/drawing/2010/main" val="0"/>
+              </a:ext>
+            </a:extLst>
+          </a:blip>
+          <a:srcRect l="12187" t="7676" r="64688" b="59751"/>
+          <a:stretch/>
+        </p:blipFill>
+        <p:spPr>
+          <a:xfrm>
+            <a:off x="2638425" y="1485901"/>
+            <a:ext cx="2114550" cy="1495424"/>
+          </a:xfrm>
+          <a:prstGeom prst="rect">
+            <a:avLst/>
+          </a:prstGeom>
+        </p:spPr>
+      </p:pic>
+    </p:spTree>
+    <p:extLst>
+      <p:ext uri="{BB962C8B-B14F-4D97-AF65-F5344CB8AC3E}">
+        <p14:creationId xmlns:p14="http://schemas.microsoft.com/office/powerpoint/2010/main" val="4240737003"/>
+      </p:ext>
+    </p:extLst>
+  </p:cSld>
+  <p:clrMapOvr>
+    <a:masterClrMapping/>
+  </p:clrMapOvr>
+</p:sld>
+</file>
+
+<file path=ppt/slides/slide9.xml><?xml version="1.0" encoding="utf-8"?>
+<p:sld xmlns:a="http://schemas.openxmlformats.org/drawingml/2006/main" xmlns:r="http://schemas.openxmlformats.org/officeDocument/2006/relationships" xmlns:p="http://schemas.openxmlformats.org/presentationml/2006/main">
+  <p:cSld>
+    <p:spTree>
+      <p:nvGrpSpPr>
+        <p:cNvPr id="1" name=""/>
+        <p:cNvGrpSpPr/>
+        <p:nvPr/>
+      </p:nvGrpSpPr>
+      <p:grpSpPr>
+        <a:xfrm>
+          <a:off x="0" y="0"/>
+          <a:ext cx="0" cy="0"/>
+          <a:chOff x="0" y="0"/>
+          <a:chExt cx="0" cy="0"/>
+        </a:xfrm>
+      </p:grpSpPr>
+      <p:grpSp>
+        <p:nvGrpSpPr>
+          <p:cNvPr id="6" name="Agrupar 5">
+            <a:extLst>
+              <a:ext uri="{FF2B5EF4-FFF2-40B4-BE49-F238E27FC236}">
+                <a16:creationId xmlns:a16="http://schemas.microsoft.com/office/drawing/2014/main" id="{05DD3113-99D4-409C-98B9-E9FE891B542C}"/>
+              </a:ext>
+            </a:extLst>
+          </p:cNvPr>
+          <p:cNvGrpSpPr/>
+          <p:nvPr/>
+        </p:nvGrpSpPr>
+        <p:grpSpPr>
+          <a:xfrm>
+            <a:off x="1647825" y="890587"/>
+            <a:ext cx="7620000" cy="5076825"/>
+            <a:chOff x="1647825" y="890587"/>
+            <a:chExt cx="7620000" cy="5076825"/>
+          </a:xfrm>
+        </p:grpSpPr>
+        <p:pic>
+          <p:nvPicPr>
+            <p:cNvPr id="3" name="Imagem 2" descr="Uma imagem contendo muitos, muito, rua, estacionamento&#10;&#10;Descrição gerada automaticamente">
+              <a:extLst>
+                <a:ext uri="{FF2B5EF4-FFF2-40B4-BE49-F238E27FC236}">
+                  <a16:creationId xmlns:a16="http://schemas.microsoft.com/office/drawing/2014/main" id="{869A5081-A278-4266-A860-CDCDDEBA5180}"/>
+                </a:ext>
+              </a:extLst>
+            </p:cNvPr>
+            <p:cNvPicPr>
+              <a:picLocks noChangeAspect="1"/>
+            </p:cNvPicPr>
+            <p:nvPr/>
+          </p:nvPicPr>
+          <p:blipFill>
+            <a:blip r:embed="rId2">
+              <a:extLst>
+                <a:ext uri="{28A0092B-C50C-407E-A947-70E740481C1C}">
+                  <a14:useLocalDpi xmlns:a14="http://schemas.microsoft.com/office/drawing/2010/main" val="0"/>
+                </a:ext>
+              </a:extLst>
+            </a:blip>
+            <a:stretch>
+              <a:fillRect/>
+            </a:stretch>
+          </p:blipFill>
+          <p:spPr>
+            <a:xfrm>
+              <a:off x="1647825" y="890587"/>
+              <a:ext cx="7620000" cy="5076825"/>
+            </a:xfrm>
+            <a:prstGeom prst="rect">
+              <a:avLst/>
+            </a:prstGeom>
+          </p:spPr>
+        </p:pic>
+        <p:pic>
+          <p:nvPicPr>
+            <p:cNvPr id="5" name="Imagem 4" descr="Uma imagem contendo fogo, natureza, cachorro, grupo&#10;&#10;Descrição gerada automaticamente">
+              <a:extLst>
+                <a:ext uri="{FF2B5EF4-FFF2-40B4-BE49-F238E27FC236}">
+                  <a16:creationId xmlns:a16="http://schemas.microsoft.com/office/drawing/2014/main" id="{978F8081-8EFA-449A-863F-170CA7DC1A91}"/>
+                </a:ext>
+              </a:extLst>
+            </p:cNvPr>
+            <p:cNvPicPr>
+              <a:picLocks noChangeAspect="1"/>
+            </p:cNvPicPr>
+            <p:nvPr/>
+          </p:nvPicPr>
+          <p:blipFill rotWithShape="1">
+            <a:blip r:embed="rId3">
+              <a:extLst>
+                <a:ext uri="{28A0092B-C50C-407E-A947-70E740481C1C}">
+                  <a14:useLocalDpi xmlns:a14="http://schemas.microsoft.com/office/drawing/2010/main" val="0"/>
+                </a:ext>
+              </a:extLst>
+            </a:blip>
+            <a:srcRect r="50528"/>
+            <a:stretch/>
+          </p:blipFill>
+          <p:spPr>
+            <a:xfrm>
+              <a:off x="4535197" y="1562470"/>
+              <a:ext cx="1457324" cy="1239682"/>
+            </a:xfrm>
+            <a:prstGeom prst="rect">
+              <a:avLst/>
+            </a:prstGeom>
+          </p:spPr>
+        </p:pic>
+      </p:grpSp>
+    </p:spTree>
+    <p:extLst>
+      <p:ext uri="{BB962C8B-B14F-4D97-AF65-F5344CB8AC3E}">
+        <p14:creationId xmlns:p14="http://schemas.microsoft.com/office/powerpoint/2010/main" val="2069708554"/>
       </p:ext>
     </p:extLst>
   </p:cSld>
